--- a/ppt/EventLoop技术分享.pptx
+++ b/ppt/EventLoop技术分享.pptx
@@ -5,38 +5,35 @@
     <p:sldMasterId id="2147483648" r:id="rId1"/>
   </p:sldMasterIdLst>
   <p:notesMasterIdLst>
-    <p:notesMasterId r:id="rId25"/>
+    <p:notesMasterId r:id="rId6"/>
   </p:notesMasterIdLst>
   <p:sldIdLst>
-    <p:sldId id="256" r:id="rId2"/>
-    <p:sldId id="257" r:id="rId3"/>
-    <p:sldId id="258" r:id="rId4"/>
-    <p:sldId id="281" r:id="rId5"/>
-    <p:sldId id="261" r:id="rId6"/>
-    <p:sldId id="259" r:id="rId7"/>
-    <p:sldId id="262" r:id="rId8"/>
-    <p:sldId id="263" r:id="rId9"/>
-    <p:sldId id="266" r:id="rId10"/>
-    <p:sldId id="265" r:id="rId11"/>
-    <p:sldId id="267" r:id="rId12"/>
-    <p:sldId id="269" r:id="rId13"/>
-    <p:sldId id="268" r:id="rId14"/>
-    <p:sldId id="284" r:id="rId15"/>
-    <p:sldId id="283" r:id="rId16"/>
-    <p:sldId id="285" r:id="rId17"/>
-    <p:sldId id="260" r:id="rId18"/>
-    <p:sldId id="280" r:id="rId19"/>
-    <p:sldId id="282" r:id="rId20"/>
-    <p:sldId id="279" r:id="rId21"/>
-    <p:sldId id="264" r:id="rId22"/>
-    <p:sldId id="278" r:id="rId23"/>
-    <p:sldId id="277" r:id="rId24"/>
+    <p:sldId id="256" r:id="rId3"/>
+    <p:sldId id="257" r:id="rId4"/>
+    <p:sldId id="258" r:id="rId5"/>
+    <p:sldId id="281" r:id="rId7"/>
+    <p:sldId id="261" r:id="rId8"/>
+    <p:sldId id="259" r:id="rId9"/>
+    <p:sldId id="262" r:id="rId10"/>
+    <p:sldId id="263" r:id="rId11"/>
+    <p:sldId id="266" r:id="rId12"/>
+    <p:sldId id="265" r:id="rId13"/>
+    <p:sldId id="267" r:id="rId14"/>
+    <p:sldId id="269" r:id="rId15"/>
+    <p:sldId id="268" r:id="rId16"/>
+    <p:sldId id="284" r:id="rId17"/>
+    <p:sldId id="283" r:id="rId18"/>
+    <p:sldId id="285" r:id="rId19"/>
+    <p:sldId id="260" r:id="rId20"/>
+    <p:sldId id="280" r:id="rId21"/>
+    <p:sldId id="282" r:id="rId22"/>
+    <p:sldId id="279" r:id="rId23"/>
+    <p:sldId id="264" r:id="rId24"/>
+    <p:sldId id="278" r:id="rId25"/>
+    <p:sldId id="277" r:id="rId26"/>
   </p:sldIdLst>
   <p:sldSz cx="9144000" cy="5143500" type="screen16x9"/>
   <p:notesSz cx="6858000" cy="9144000"/>
-  <p:custDataLst>
-    <p:tags r:id="rId26"/>
-  </p:custDataLst>
   <p:defaultTextStyle>
     <a:defPPr>
       <a:defRPr lang="zh-CN"/>
@@ -132,11 +129,6 @@
       </a:defRPr>
     </a:lvl9pPr>
   </p:defaultTextStyle>
-  <p:extLst>
-    <p:ext uri="{EFAFB233-063F-42B5-8137-9DF3F51BA10A}">
-      <p15:sldGuideLst xmlns:p15="http://schemas.microsoft.com/office/powerpoint/2012/main"/>
-    </p:ext>
-  </p:extLst>
 </p:presentation>
 </file>
 
@@ -222,7 +214,6 @@
           <a:p>
             <a:fld id="{A3BDDD66-91AC-4942-A6E5-4BB866E8D1B7}" type="datetimeFigureOut">
               <a:rPr lang="zh-CN" altLang="en-US" smtClean="0"/>
-              <a:t>2019/12/27</a:t>
             </a:fld>
             <a:endParaRPr lang="zh-CN" altLang="en-US"/>
           </a:p>
@@ -289,6 +280,7 @@
               <a:rPr lang="zh-CN" altLang="en-US" smtClean="0"/>
               <a:t>单击此处编辑母版文本样式</a:t>
             </a:r>
+            <a:endParaRPr lang="zh-CN" altLang="en-US" smtClean="0"/>
           </a:p>
           <a:p>
             <a:pPr lvl="1"/>
@@ -296,6 +288,7 @@
               <a:rPr lang="zh-CN" altLang="en-US" smtClean="0"/>
               <a:t>第二级</a:t>
             </a:r>
+            <a:endParaRPr lang="zh-CN" altLang="en-US" smtClean="0"/>
           </a:p>
           <a:p>
             <a:pPr lvl="2"/>
@@ -303,6 +296,7 @@
               <a:rPr lang="zh-CN" altLang="en-US" smtClean="0"/>
               <a:t>第三级</a:t>
             </a:r>
+            <a:endParaRPr lang="zh-CN" altLang="en-US" smtClean="0"/>
           </a:p>
           <a:p>
             <a:pPr lvl="3"/>
@@ -310,6 +304,7 @@
               <a:rPr lang="zh-CN" altLang="en-US" smtClean="0"/>
               <a:t>第四级</a:t>
             </a:r>
+            <a:endParaRPr lang="zh-CN" altLang="en-US" smtClean="0"/>
           </a:p>
           <a:p>
             <a:pPr lvl="4"/>
@@ -381,18 +376,12 @@
           <a:p>
             <a:fld id="{D1DD8FD0-34C5-4A18-AD3F-D0459C10590A}" type="slidenum">
               <a:rPr lang="zh-CN" altLang="en-US" smtClean="0"/>
-              <a:t>‹#›</a:t>
             </a:fld>
             <a:endParaRPr lang="zh-CN" altLang="en-US"/>
           </a:p>
         </p:txBody>
       </p:sp>
     </p:spTree>
-    <p:extLst>
-      <p:ext uri="{BB962C8B-B14F-4D97-AF65-F5344CB8AC3E}">
-        <p14:creationId xmlns:p14="http://schemas.microsoft.com/office/powerpoint/2010/main" val="3965549936"/>
-      </p:ext>
-    </p:extLst>
   </p:cSld>
   <p:clrMap bg1="lt1" tx1="dk1" bg2="lt2" tx2="dk2" accent1="accent1" accent2="accent2" accent3="accent3" accent4="accent4" accent5="accent5" accent6="accent6" hlink="hlink" folHlink="folHlink"/>
   <p:notesStyle>
@@ -555,18 +544,12 @@
           <a:p>
             <a:fld id="{D1DD8FD0-34C5-4A18-AD3F-D0459C10590A}" type="slidenum">
               <a:rPr lang="zh-CN" altLang="en-US" smtClean="0"/>
-              <a:t>3</a:t>
             </a:fld>
             <a:endParaRPr lang="zh-CN" altLang="en-US"/>
           </a:p>
         </p:txBody>
       </p:sp>
     </p:spTree>
-    <p:extLst>
-      <p:ext uri="{BB962C8B-B14F-4D97-AF65-F5344CB8AC3E}">
-        <p14:creationId xmlns:p14="http://schemas.microsoft.com/office/powerpoint/2010/main" val="1019635093"/>
-      </p:ext>
-    </p:extLst>
   </p:cSld>
   <p:clrMapOvr>
     <a:masterClrMapping/>
@@ -619,210 +602,189 @@
           <a:lstStyle/>
           <a:p>
             <a:r>
-              <a:rPr lang="zh-CN" altLang="en-US" dirty="0" smtClean="0"/>
-              <a:t>一开始执行栈空</a:t>
-            </a:r>
-            <a:r>
-              <a:rPr lang="en-US" altLang="zh-CN" dirty="0" smtClean="0"/>
-              <a:t>,</a:t>
-            </a:r>
-            <a:r>
-              <a:rPr lang="zh-CN" altLang="en-US" dirty="0" smtClean="0"/>
-              <a:t>我们可以把</a:t>
-            </a:r>
-            <a:r>
-              <a:rPr lang="zh-CN" altLang="en-US" b="1" dirty="0" smtClean="0"/>
-              <a:t>执行栈认为是一个存储函数调用的栈结构，遵循先进后出的原则</a:t>
-            </a:r>
-            <a:r>
-              <a:rPr lang="zh-CN" altLang="en-US" dirty="0" smtClean="0"/>
-              <a:t>。</a:t>
-            </a:r>
-            <a:r>
-              <a:rPr lang="en-US" altLang="zh-CN" dirty="0" smtClean="0"/>
-              <a:t>micro </a:t>
-            </a:r>
-            <a:r>
-              <a:rPr lang="zh-CN" altLang="en-US" dirty="0" smtClean="0"/>
-              <a:t>队列空，</a:t>
-            </a:r>
-            <a:r>
-              <a:rPr lang="en-US" altLang="zh-CN" dirty="0" smtClean="0"/>
-              <a:t>macro </a:t>
-            </a:r>
-            <a:r>
-              <a:rPr lang="zh-CN" altLang="en-US" dirty="0" smtClean="0"/>
-              <a:t>队列里有且只有一个 </a:t>
-            </a:r>
-            <a:r>
-              <a:rPr lang="en-US" altLang="zh-CN" dirty="0" smtClean="0"/>
-              <a:t>script </a:t>
-            </a:r>
-            <a:r>
-              <a:rPr lang="zh-CN" altLang="en-US" dirty="0" smtClean="0"/>
-              <a:t>脚本（整体代码）。</a:t>
-            </a:r>
-            <a:endParaRPr lang="en-US" altLang="zh-CN" dirty="0" smtClean="0"/>
-          </a:p>
-          <a:p>
-            <a:endParaRPr lang="zh-CN" altLang="en-US" dirty="0" smtClean="0"/>
-          </a:p>
-          <a:p>
-            <a:r>
-              <a:rPr lang="zh-CN" altLang="en-US" dirty="0" smtClean="0"/>
-              <a:t>全局上下文（</a:t>
-            </a:r>
-            <a:r>
-              <a:rPr lang="en-US" altLang="zh-CN" dirty="0" smtClean="0"/>
-              <a:t>script </a:t>
-            </a:r>
-            <a:r>
-              <a:rPr lang="zh-CN" altLang="en-US" dirty="0" smtClean="0"/>
-              <a:t>标签）被推入执行栈，同步代码执行。在执行的过程中，会判断是同步任务还是异步任务，通过对一些接口的调用，可以产生新的 </a:t>
-            </a:r>
-            <a:r>
-              <a:rPr lang="en-US" altLang="zh-CN" dirty="0" smtClean="0"/>
-              <a:t>macro-task </a:t>
-            </a:r>
-            <a:r>
-              <a:rPr lang="zh-CN" altLang="en-US" dirty="0" smtClean="0"/>
-              <a:t>与 </a:t>
-            </a:r>
-            <a:r>
-              <a:rPr lang="en-US" altLang="zh-CN" dirty="0" smtClean="0"/>
-              <a:t>micro-task</a:t>
-            </a:r>
-            <a:r>
-              <a:rPr lang="zh-CN" altLang="en-US" dirty="0" smtClean="0"/>
-              <a:t>，它们会分别被推入各自的任务队列里。同步代码执行完了，</a:t>
-            </a:r>
-            <a:r>
-              <a:rPr lang="en-US" altLang="zh-CN" dirty="0" smtClean="0"/>
-              <a:t>script </a:t>
-            </a:r>
-            <a:r>
-              <a:rPr lang="zh-CN" altLang="en-US" dirty="0" smtClean="0"/>
-              <a:t>脚本会被移出 </a:t>
-            </a:r>
-            <a:r>
-              <a:rPr lang="en-US" altLang="zh-CN" dirty="0" smtClean="0"/>
-              <a:t>macro </a:t>
-            </a:r>
-            <a:r>
-              <a:rPr lang="zh-CN" altLang="en-US" dirty="0" smtClean="0"/>
-              <a:t>队列，这个过程本质上是队列的 </a:t>
-            </a:r>
-            <a:r>
-              <a:rPr lang="en-US" altLang="zh-CN" dirty="0" smtClean="0"/>
-              <a:t>macro-task </a:t>
-            </a:r>
-            <a:r>
-              <a:rPr lang="zh-CN" altLang="en-US" dirty="0" smtClean="0"/>
-              <a:t>的执行和出队的过程。</a:t>
-            </a:r>
-            <a:endParaRPr lang="en-US" altLang="zh-CN" dirty="0" smtClean="0"/>
-          </a:p>
-          <a:p>
-            <a:endParaRPr lang="zh-CN" altLang="en-US" dirty="0" smtClean="0"/>
-          </a:p>
-          <a:p>
-            <a:r>
-              <a:rPr lang="zh-CN" altLang="en-US" dirty="0" smtClean="0"/>
-              <a:t>上一步我们出队的是一个 </a:t>
-            </a:r>
-            <a:r>
-              <a:rPr lang="en-US" altLang="zh-CN" dirty="0" smtClean="0"/>
-              <a:t>macro-task</a:t>
-            </a:r>
-            <a:r>
-              <a:rPr lang="zh-CN" altLang="en-US" dirty="0" smtClean="0"/>
-              <a:t>，这一步我们处理的是 </a:t>
-            </a:r>
-            <a:r>
-              <a:rPr lang="en-US" altLang="zh-CN" dirty="0" smtClean="0"/>
-              <a:t>micro-task</a:t>
-            </a:r>
-            <a:r>
-              <a:rPr lang="zh-CN" altLang="en-US" dirty="0" smtClean="0"/>
-              <a:t>。但需要注意的是：当 </a:t>
-            </a:r>
-            <a:r>
-              <a:rPr lang="en-US" altLang="zh-CN" dirty="0" smtClean="0"/>
-              <a:t>macro-task </a:t>
-            </a:r>
-            <a:r>
-              <a:rPr lang="zh-CN" altLang="en-US" dirty="0" smtClean="0"/>
-              <a:t>出队时，任务是</a:t>
-            </a:r>
-            <a:r>
-              <a:rPr lang="zh-CN" altLang="en-US" b="1" dirty="0" smtClean="0"/>
-              <a:t>一个一个</a:t>
-            </a:r>
-            <a:r>
-              <a:rPr lang="zh-CN" altLang="en-US" dirty="0" smtClean="0"/>
-              <a:t>执行的；而 </a:t>
-            </a:r>
-            <a:r>
-              <a:rPr lang="en-US" altLang="zh-CN" dirty="0" smtClean="0"/>
-              <a:t>micro-task </a:t>
-            </a:r>
-            <a:r>
-              <a:rPr lang="zh-CN" altLang="en-US" dirty="0" smtClean="0"/>
-              <a:t>出队时，任务是</a:t>
-            </a:r>
-            <a:r>
-              <a:rPr lang="zh-CN" altLang="en-US" b="1" dirty="0" smtClean="0"/>
-              <a:t>一队一队</a:t>
-            </a:r>
-            <a:r>
-              <a:rPr lang="zh-CN" altLang="en-US" dirty="0" smtClean="0"/>
-              <a:t>执行的。因此，我们处理 </a:t>
-            </a:r>
-            <a:r>
-              <a:rPr lang="en-US" altLang="zh-CN" dirty="0" smtClean="0"/>
-              <a:t>micro </a:t>
-            </a:r>
-            <a:r>
-              <a:rPr lang="zh-CN" altLang="en-US" dirty="0" smtClean="0"/>
-              <a:t>队列这一步，会逐个执行队列中的任务并把它出队，直到队列被清空。</a:t>
-            </a:r>
-            <a:endParaRPr lang="en-US" altLang="zh-CN" dirty="0" smtClean="0"/>
-          </a:p>
-          <a:p>
-            <a:endParaRPr lang="zh-CN" altLang="en-US" dirty="0" smtClean="0"/>
-          </a:p>
-          <a:p>
-            <a:r>
-              <a:rPr lang="zh-CN" altLang="en-US" b="1" dirty="0" smtClean="0"/>
-              <a:t>执行渲染操作，更新界面</a:t>
-            </a:r>
-            <a:endParaRPr lang="en-US" altLang="zh-CN" b="1" dirty="0" smtClean="0"/>
-          </a:p>
-          <a:p>
-            <a:endParaRPr lang="zh-CN" altLang="en-US" dirty="0" smtClean="0"/>
-          </a:p>
-          <a:p>
-            <a:r>
-              <a:rPr lang="zh-CN" altLang="en-US" dirty="0" smtClean="0"/>
-              <a:t>检查是否存在 </a:t>
-            </a:r>
-            <a:r>
-              <a:rPr lang="en-US" altLang="zh-CN" dirty="0" smtClean="0"/>
-              <a:t>Web worker </a:t>
-            </a:r>
-            <a:r>
-              <a:rPr lang="zh-CN" altLang="en-US" dirty="0" smtClean="0"/>
-              <a:t>任务，如果有，则对其进行处理</a:t>
-            </a:r>
-            <a:endParaRPr lang="en-US" altLang="zh-CN" dirty="0" smtClean="0"/>
-          </a:p>
-          <a:p>
-            <a:endParaRPr lang="zh-CN" altLang="en-US" dirty="0" smtClean="0"/>
-          </a:p>
-          <a:p>
-            <a:r>
-              <a:rPr lang="zh-CN" altLang="en-US" dirty="0" smtClean="0"/>
-              <a:t>上述过程循环往复，直到两个队列都清空</a:t>
+              <a:rPr lang="zh-CN" altLang="en-US" dirty="0"/>
+              <a:t>从上图中，大致看出node中的事件循环的顺序：</a:t>
+            </a:r>
+            <a:endParaRPr lang="zh-CN" altLang="en-US" dirty="0"/>
+          </a:p>
+          <a:p>
+            <a:r>
+              <a:rPr lang="zh-CN" altLang="en-US" dirty="0"/>
+              <a:t>外部输入数据--&gt;轮询阶段(poll)--&gt;检查阶段(check)--&gt;关闭事件回调阶段(close callback)--&gt;定时器检测阶段(timer)--&gt;I/O事件回调阶段(I/O callbacks)--&gt;闲置阶段(idle, prepare)--&gt;轮询阶段（按照该顺序反复运行）...</a:t>
+            </a:r>
+            <a:endParaRPr lang="zh-CN" altLang="en-US" dirty="0"/>
+          </a:p>
+          <a:p>
+            <a:endParaRPr lang="zh-CN" altLang="en-US" dirty="0"/>
+          </a:p>
+          <a:p>
+            <a:r>
+              <a:rPr lang="zh-CN" altLang="en-US" dirty="0"/>
+              <a:t>timers 阶段：这个阶段执行timer（setTimeout、setInterval）的回调</a:t>
+            </a:r>
+            <a:endParaRPr lang="zh-CN" altLang="en-US" dirty="0"/>
+          </a:p>
+          <a:p>
+            <a:r>
+              <a:rPr lang="zh-CN" altLang="en-US" dirty="0"/>
+              <a:t>I/O callbacks 阶段：处理一些上一轮循环中的少数未执行的 I/O 回调</a:t>
+            </a:r>
+            <a:endParaRPr lang="zh-CN" altLang="en-US" dirty="0"/>
+          </a:p>
+          <a:p>
+            <a:r>
+              <a:rPr lang="zh-CN" altLang="en-US" dirty="0"/>
+              <a:t>idle, prepare 阶段：仅node内部使用</a:t>
+            </a:r>
+            <a:endParaRPr lang="zh-CN" altLang="en-US" dirty="0"/>
+          </a:p>
+          <a:p>
+            <a:r>
+              <a:rPr lang="zh-CN" altLang="en-US" dirty="0"/>
+              <a:t>poll 阶段：获取新的I/O事件, 适当的条件下node将阻塞在这里</a:t>
+            </a:r>
+            <a:endParaRPr lang="zh-CN" altLang="en-US" dirty="0"/>
+          </a:p>
+          <a:p>
+            <a:r>
+              <a:rPr lang="zh-CN" altLang="en-US" dirty="0"/>
+              <a:t>check 阶段：执行 setImmediate() 的回调</a:t>
+            </a:r>
+            <a:endParaRPr lang="zh-CN" altLang="en-US" dirty="0"/>
+          </a:p>
+          <a:p>
+            <a:r>
+              <a:rPr lang="zh-CN" altLang="en-US" dirty="0"/>
+              <a:t>close callbacks 阶段：执行 socket 的 close 事件回调</a:t>
+            </a:r>
+            <a:endParaRPr lang="zh-CN" altLang="en-US" dirty="0"/>
+          </a:p>
+          <a:p>
+            <a:endParaRPr lang="zh-CN" altLang="en-US" dirty="0"/>
+          </a:p>
+          <a:p>
+            <a:r>
+              <a:rPr lang="zh-CN" altLang="en-US" dirty="0"/>
+              <a:t>(1) timer</a:t>
+            </a:r>
+            <a:endParaRPr lang="zh-CN" altLang="en-US" dirty="0"/>
+          </a:p>
+          <a:p>
+            <a:r>
+              <a:rPr lang="zh-CN" altLang="en-US" dirty="0"/>
+              <a:t>timers 阶段会执行 setTimeout 和 setInterval 回调，并且是由 poll 阶段控制的。 同样，在 Node 中定时器指定的时间也不是准确时间，只能是尽快执行。</a:t>
+            </a:r>
+            <a:endParaRPr lang="zh-CN" altLang="en-US" dirty="0"/>
+          </a:p>
+          <a:p>
+            <a:endParaRPr lang="zh-CN" altLang="en-US" dirty="0"/>
+          </a:p>
+          <a:p>
+            <a:r>
+              <a:rPr lang="zh-CN" altLang="en-US" dirty="0"/>
+              <a:t>(2) poll</a:t>
+            </a:r>
+            <a:endParaRPr lang="zh-CN" altLang="en-US" dirty="0"/>
+          </a:p>
+          <a:p>
+            <a:r>
+              <a:rPr lang="zh-CN" altLang="en-US" dirty="0"/>
+              <a:t>poll 是一个至关重要的阶段，这一阶段中，系统会做两件事情</a:t>
+            </a:r>
+            <a:endParaRPr lang="zh-CN" altLang="en-US" dirty="0"/>
+          </a:p>
+          <a:p>
+            <a:r>
+              <a:rPr lang="zh-CN" altLang="en-US" dirty="0"/>
+              <a:t>1.回到 timer 阶段执行回调</a:t>
+            </a:r>
+            <a:endParaRPr lang="zh-CN" altLang="en-US" dirty="0"/>
+          </a:p>
+          <a:p>
+            <a:r>
+              <a:rPr lang="zh-CN" altLang="en-US" dirty="0"/>
+              <a:t>2.执行 I/O 回调</a:t>
+            </a:r>
+            <a:endParaRPr lang="zh-CN" altLang="en-US" dirty="0"/>
+          </a:p>
+          <a:p>
+            <a:r>
+              <a:rPr lang="zh-CN" altLang="en-US" dirty="0"/>
+              <a:t>并且在进入该阶段时如果没有设定了 timer 的话，会发生以下两件事情</a:t>
+            </a:r>
+            <a:endParaRPr lang="zh-CN" altLang="en-US" dirty="0"/>
+          </a:p>
+          <a:p>
+            <a:endParaRPr lang="zh-CN" altLang="en-US" dirty="0"/>
+          </a:p>
+          <a:p>
+            <a:r>
+              <a:rPr lang="zh-CN" altLang="en-US" dirty="0"/>
+              <a:t>如果 poll 队列不为空，会遍历回调队列并同步执行，直到队列为空或者达到系统限制</a:t>
+            </a:r>
+            <a:endParaRPr lang="zh-CN" altLang="en-US" dirty="0"/>
+          </a:p>
+          <a:p>
+            <a:r>
+              <a:rPr lang="zh-CN" altLang="en-US" dirty="0"/>
+              <a:t>如果 poll 队列为空时，会有两件事发生</a:t>
+            </a:r>
+            <a:endParaRPr lang="zh-CN" altLang="en-US" dirty="0"/>
+          </a:p>
+          <a:p>
+            <a:endParaRPr lang="zh-CN" altLang="en-US" dirty="0"/>
+          </a:p>
+          <a:p>
+            <a:r>
+              <a:rPr lang="zh-CN" altLang="en-US" dirty="0"/>
+              <a:t>如果有 setImmediate 回调需要执行，poll 阶段会停止并且进入到 check 阶段执行回调</a:t>
+            </a:r>
+            <a:endParaRPr lang="zh-CN" altLang="en-US" dirty="0"/>
+          </a:p>
+          <a:p>
+            <a:r>
+              <a:rPr lang="zh-CN" altLang="en-US" dirty="0"/>
+              <a:t>如果没有 setImmediate 回调需要执行，会等待回调被加入到队列中并立即执行回调，这里同样会有个超时时间设置防止一直等待下去</a:t>
+            </a:r>
+            <a:endParaRPr lang="zh-CN" altLang="en-US" dirty="0"/>
+          </a:p>
+          <a:p>
+            <a:endParaRPr lang="zh-CN" altLang="en-US" dirty="0"/>
+          </a:p>
+          <a:p>
+            <a:endParaRPr lang="zh-CN" altLang="en-US" dirty="0"/>
+          </a:p>
+          <a:p>
+            <a:endParaRPr lang="zh-CN" altLang="en-US" dirty="0"/>
+          </a:p>
+          <a:p>
+            <a:r>
+              <a:rPr lang="zh-CN" altLang="en-US" dirty="0"/>
+              <a:t>当然设定了 timer 的话且 poll 队列为空，则会判断是否有 timer 超时，如果有的话会回到 timer 阶段执行回调。</a:t>
+            </a:r>
+            <a:endParaRPr lang="zh-CN" altLang="en-US" dirty="0"/>
+          </a:p>
+          <a:p>
+            <a:r>
+              <a:rPr lang="zh-CN" altLang="en-US" dirty="0"/>
+              <a:t>(3) check阶段</a:t>
+            </a:r>
+            <a:endParaRPr lang="zh-CN" altLang="en-US" dirty="0"/>
+          </a:p>
+          <a:p>
+            <a:r>
+              <a:rPr lang="zh-CN" altLang="en-US" dirty="0"/>
+              <a:t>setImmediate()的回调会被加入check队列中，从event loop的阶段图可以知道，check阶段的执行顺序在poll阶段之后。</a:t>
+            </a:r>
+            <a:endParaRPr lang="zh-CN" altLang="en-US" dirty="0"/>
+          </a:p>
+          <a:p>
+            <a:endParaRPr lang="zh-CN" altLang="en-US" dirty="0"/>
+          </a:p>
+          <a:p>
+            <a:r>
+              <a:rPr lang="zh-CN" altLang="en-US" dirty="0"/>
+              <a:t>浏览器环境下，microtask的任务队列是每个macrotask执行完之后执行。而在Node.js中，microtask会在事件循环的各个阶段之间执行，也就是一个阶段执行完毕，就会去执行microtask队列的任务</a:t>
             </a:r>
             <a:endParaRPr lang="zh-CN" altLang="en-US" dirty="0"/>
           </a:p>
@@ -845,18 +807,12 @@
           <a:p>
             <a:fld id="{D1DD8FD0-34C5-4A18-AD3F-D0459C10590A}" type="slidenum">
               <a:rPr lang="zh-CN" altLang="en-US" smtClean="0"/>
-              <a:t>18</a:t>
             </a:fld>
             <a:endParaRPr lang="zh-CN" altLang="en-US"/>
           </a:p>
         </p:txBody>
       </p:sp>
     </p:spTree>
-    <p:extLst>
-      <p:ext uri="{BB962C8B-B14F-4D97-AF65-F5344CB8AC3E}">
-        <p14:creationId xmlns:p14="http://schemas.microsoft.com/office/powerpoint/2010/main" val="3491152473"/>
-      </p:ext>
-    </p:extLst>
   </p:cSld>
   <p:clrMapOvr>
     <a:masterClrMapping/>
@@ -908,6 +864,212 @@
           <a:bodyPr/>
           <a:lstStyle/>
           <a:p>
+            <a:r>
+              <a:rPr lang="zh-CN" altLang="en-US" dirty="0" smtClean="0"/>
+              <a:t>一开始执行栈空</a:t>
+            </a:r>
+            <a:r>
+              <a:rPr lang="en-US" altLang="zh-CN" dirty="0" smtClean="0"/>
+              <a:t>,</a:t>
+            </a:r>
+            <a:r>
+              <a:rPr lang="zh-CN" altLang="en-US" dirty="0" smtClean="0"/>
+              <a:t>我们可以把</a:t>
+            </a:r>
+            <a:r>
+              <a:rPr lang="zh-CN" altLang="en-US" b="1" dirty="0" smtClean="0"/>
+              <a:t>执行栈认为是一个存储函数调用的栈结构，遵循先进后出的原则</a:t>
+            </a:r>
+            <a:r>
+              <a:rPr lang="zh-CN" altLang="en-US" dirty="0" smtClean="0"/>
+              <a:t>。</a:t>
+            </a:r>
+            <a:r>
+              <a:rPr lang="en-US" altLang="zh-CN" dirty="0" smtClean="0"/>
+              <a:t>micro </a:t>
+            </a:r>
+            <a:r>
+              <a:rPr lang="zh-CN" altLang="en-US" dirty="0" smtClean="0"/>
+              <a:t>队列空，</a:t>
+            </a:r>
+            <a:r>
+              <a:rPr lang="en-US" altLang="zh-CN" dirty="0" smtClean="0"/>
+              <a:t>macro </a:t>
+            </a:r>
+            <a:r>
+              <a:rPr lang="zh-CN" altLang="en-US" dirty="0" smtClean="0"/>
+              <a:t>队列里有且只有一个 </a:t>
+            </a:r>
+            <a:r>
+              <a:rPr lang="en-US" altLang="zh-CN" dirty="0" smtClean="0"/>
+              <a:t>script </a:t>
+            </a:r>
+            <a:r>
+              <a:rPr lang="zh-CN" altLang="en-US" dirty="0" smtClean="0"/>
+              <a:t>脚本（整体代码）。</a:t>
+            </a:r>
+            <a:endParaRPr lang="en-US" altLang="zh-CN" dirty="0" smtClean="0"/>
+          </a:p>
+          <a:p>
+            <a:endParaRPr lang="zh-CN" altLang="en-US" dirty="0" smtClean="0"/>
+          </a:p>
+          <a:p>
+            <a:r>
+              <a:rPr lang="zh-CN" altLang="en-US" dirty="0" smtClean="0"/>
+              <a:t>全局上下文（</a:t>
+            </a:r>
+            <a:r>
+              <a:rPr lang="en-US" altLang="zh-CN" dirty="0" smtClean="0"/>
+              <a:t>script </a:t>
+            </a:r>
+            <a:r>
+              <a:rPr lang="zh-CN" altLang="en-US" dirty="0" smtClean="0"/>
+              <a:t>标签）被推入执行栈，同步代码执行。在执行的过程中，会判断是同步任务还是异步任务，通过对一些接口的调用，可以产生新的 </a:t>
+            </a:r>
+            <a:r>
+              <a:rPr lang="en-US" altLang="zh-CN" dirty="0" smtClean="0"/>
+              <a:t>macro-task </a:t>
+            </a:r>
+            <a:r>
+              <a:rPr lang="zh-CN" altLang="en-US" dirty="0" smtClean="0"/>
+              <a:t>与 </a:t>
+            </a:r>
+            <a:r>
+              <a:rPr lang="en-US" altLang="zh-CN" dirty="0" smtClean="0"/>
+              <a:t>micro-task</a:t>
+            </a:r>
+            <a:r>
+              <a:rPr lang="zh-CN" altLang="en-US" dirty="0" smtClean="0"/>
+              <a:t>，它们会分别被推入各自的任务队列里。同步代码执行完了，</a:t>
+            </a:r>
+            <a:r>
+              <a:rPr lang="en-US" altLang="zh-CN" dirty="0" smtClean="0"/>
+              <a:t>script </a:t>
+            </a:r>
+            <a:r>
+              <a:rPr lang="zh-CN" altLang="en-US" dirty="0" smtClean="0"/>
+              <a:t>脚本会被移出 </a:t>
+            </a:r>
+            <a:r>
+              <a:rPr lang="en-US" altLang="zh-CN" dirty="0" smtClean="0"/>
+              <a:t>macro </a:t>
+            </a:r>
+            <a:r>
+              <a:rPr lang="zh-CN" altLang="en-US" dirty="0" smtClean="0"/>
+              <a:t>队列，这个过程本质上是队列的 </a:t>
+            </a:r>
+            <a:r>
+              <a:rPr lang="en-US" altLang="zh-CN" dirty="0" smtClean="0"/>
+              <a:t>macro-task </a:t>
+            </a:r>
+            <a:r>
+              <a:rPr lang="zh-CN" altLang="en-US" dirty="0" smtClean="0"/>
+              <a:t>的执行和出队的过程。</a:t>
+            </a:r>
+            <a:endParaRPr lang="en-US" altLang="zh-CN" dirty="0" smtClean="0"/>
+          </a:p>
+          <a:p>
+            <a:endParaRPr lang="zh-CN" altLang="en-US" dirty="0" smtClean="0"/>
+          </a:p>
+          <a:p>
+            <a:r>
+              <a:rPr lang="zh-CN" altLang="en-US" dirty="0" smtClean="0"/>
+              <a:t>上一步我们出队的是一个 </a:t>
+            </a:r>
+            <a:r>
+              <a:rPr lang="en-US" altLang="zh-CN" dirty="0" smtClean="0"/>
+              <a:t>macro-task</a:t>
+            </a:r>
+            <a:r>
+              <a:rPr lang="zh-CN" altLang="en-US" dirty="0" smtClean="0"/>
+              <a:t>，这一步我们处理的是 </a:t>
+            </a:r>
+            <a:r>
+              <a:rPr lang="en-US" altLang="zh-CN" dirty="0" smtClean="0"/>
+              <a:t>micro-task</a:t>
+            </a:r>
+            <a:r>
+              <a:rPr lang="zh-CN" altLang="en-US" dirty="0" smtClean="0"/>
+              <a:t>。但需要注意的是：当 </a:t>
+            </a:r>
+            <a:r>
+              <a:rPr lang="en-US" altLang="zh-CN" dirty="0" smtClean="0"/>
+              <a:t>macro-task </a:t>
+            </a:r>
+            <a:r>
+              <a:rPr lang="zh-CN" altLang="en-US" dirty="0" smtClean="0"/>
+              <a:t>出队时，任务是</a:t>
+            </a:r>
+            <a:r>
+              <a:rPr lang="zh-CN" altLang="en-US" b="1" dirty="0" smtClean="0"/>
+              <a:t>一个一个</a:t>
+            </a:r>
+            <a:r>
+              <a:rPr lang="zh-CN" altLang="en-US" dirty="0" smtClean="0"/>
+              <a:t>执行的；而 </a:t>
+            </a:r>
+            <a:r>
+              <a:rPr lang="en-US" altLang="zh-CN" dirty="0" smtClean="0"/>
+              <a:t>micro-task </a:t>
+            </a:r>
+            <a:r>
+              <a:rPr lang="zh-CN" altLang="en-US" dirty="0" smtClean="0"/>
+              <a:t>出队时，任务是</a:t>
+            </a:r>
+            <a:r>
+              <a:rPr lang="zh-CN" altLang="en-US" b="1" dirty="0" smtClean="0"/>
+              <a:t>一队一队</a:t>
+            </a:r>
+            <a:r>
+              <a:rPr lang="zh-CN" altLang="en-US" dirty="0" smtClean="0"/>
+              <a:t>执行的。因此，我们处理 </a:t>
+            </a:r>
+            <a:r>
+              <a:rPr lang="en-US" altLang="zh-CN" dirty="0" smtClean="0"/>
+              <a:t>micro </a:t>
+            </a:r>
+            <a:r>
+              <a:rPr lang="zh-CN" altLang="en-US" dirty="0" smtClean="0"/>
+              <a:t>队列这一步，会逐个执行队列中的任务并把它出队，直到队列被清空。</a:t>
+            </a:r>
+            <a:endParaRPr lang="en-US" altLang="zh-CN" dirty="0" smtClean="0"/>
+          </a:p>
+          <a:p>
+            <a:endParaRPr lang="zh-CN" altLang="en-US" dirty="0" smtClean="0"/>
+          </a:p>
+          <a:p>
+            <a:r>
+              <a:rPr lang="zh-CN" altLang="en-US" b="1" dirty="0" smtClean="0"/>
+              <a:t>执行渲染操作，更新界面</a:t>
+            </a:r>
+            <a:endParaRPr lang="en-US" altLang="zh-CN" b="1" dirty="0" smtClean="0"/>
+          </a:p>
+          <a:p>
+            <a:endParaRPr lang="zh-CN" altLang="en-US" dirty="0" smtClean="0"/>
+          </a:p>
+          <a:p>
+            <a:r>
+              <a:rPr lang="zh-CN" altLang="en-US" dirty="0" smtClean="0"/>
+              <a:t>检查是否存在 </a:t>
+            </a:r>
+            <a:r>
+              <a:rPr lang="en-US" altLang="zh-CN" dirty="0" smtClean="0"/>
+              <a:t>Web worker </a:t>
+            </a:r>
+            <a:r>
+              <a:rPr lang="zh-CN" altLang="en-US" dirty="0" smtClean="0"/>
+              <a:t>任务，如果有，则对其进行处理</a:t>
+            </a:r>
+            <a:endParaRPr lang="en-US" altLang="zh-CN" dirty="0" smtClean="0"/>
+          </a:p>
+          <a:p>
+            <a:endParaRPr lang="zh-CN" altLang="en-US" dirty="0" smtClean="0"/>
+          </a:p>
+          <a:p>
+            <a:r>
+              <a:rPr lang="zh-CN" altLang="en-US" dirty="0" smtClean="0"/>
+              <a:t>上述过程循环往复，直到两个队列都清空</a:t>
+            </a:r>
             <a:endParaRPr lang="zh-CN" altLang="en-US" dirty="0"/>
           </a:p>
         </p:txBody>
@@ -929,18 +1091,90 @@
           <a:p>
             <a:fld id="{D1DD8FD0-34C5-4A18-AD3F-D0459C10590A}" type="slidenum">
               <a:rPr lang="zh-CN" altLang="en-US" smtClean="0"/>
-              <a:t>19</a:t>
             </a:fld>
             <a:endParaRPr lang="zh-CN" altLang="en-US"/>
           </a:p>
         </p:txBody>
       </p:sp>
     </p:spTree>
-    <p:extLst>
-      <p:ext uri="{BB962C8B-B14F-4D97-AF65-F5344CB8AC3E}">
-        <p14:creationId xmlns:p14="http://schemas.microsoft.com/office/powerpoint/2010/main" val="2723853525"/>
-      </p:ext>
-    </p:extLst>
+  </p:cSld>
+  <p:clrMapOvr>
+    <a:masterClrMapping/>
+  </p:clrMapOvr>
+</p:notes>
+</file>
+
+<file path=ppt/notesSlides/notesSlide12.xml><?xml version="1.0" encoding="utf-8"?>
+<p:notes xmlns:a="http://schemas.openxmlformats.org/drawingml/2006/main" xmlns:r="http://schemas.openxmlformats.org/officeDocument/2006/relationships" xmlns:p="http://schemas.openxmlformats.org/presentationml/2006/main">
+  <p:cSld>
+    <p:spTree>
+      <p:nvGrpSpPr>
+        <p:cNvPr id="1" name=""/>
+        <p:cNvGrpSpPr/>
+        <p:nvPr/>
+      </p:nvGrpSpPr>
+      <p:grpSpPr>
+        <a:xfrm>
+          <a:off x="0" y="0"/>
+          <a:ext cx="0" cy="0"/>
+          <a:chOff x="0" y="0"/>
+          <a:chExt cx="0" cy="0"/>
+        </a:xfrm>
+      </p:grpSpPr>
+      <p:sp>
+        <p:nvSpPr>
+          <p:cNvPr id="2" name="幻灯片图像占位符 1"/>
+          <p:cNvSpPr>
+            <a:spLocks noGrp="1" noRot="1" noChangeAspect="1"/>
+          </p:cNvSpPr>
+          <p:nvPr>
+            <p:ph type="sldImg"/>
+          </p:nvPr>
+        </p:nvSpPr>
+        <p:spPr/>
+      </p:sp>
+      <p:sp>
+        <p:nvSpPr>
+          <p:cNvPr id="3" name="备注占位符 2"/>
+          <p:cNvSpPr>
+            <a:spLocks noGrp="1"/>
+          </p:cNvSpPr>
+          <p:nvPr>
+            <p:ph type="body" idx="1"/>
+          </p:nvPr>
+        </p:nvSpPr>
+        <p:spPr/>
+        <p:txBody>
+          <a:bodyPr/>
+          <a:lstStyle/>
+          <a:p>
+            <a:endParaRPr lang="zh-CN" altLang="en-US" dirty="0"/>
+          </a:p>
+        </p:txBody>
+      </p:sp>
+      <p:sp>
+        <p:nvSpPr>
+          <p:cNvPr id="4" name="灯片编号占位符 3"/>
+          <p:cNvSpPr>
+            <a:spLocks noGrp="1"/>
+          </p:cNvSpPr>
+          <p:nvPr>
+            <p:ph type="sldNum" sz="quarter" idx="10"/>
+          </p:nvPr>
+        </p:nvSpPr>
+        <p:spPr/>
+        <p:txBody>
+          <a:bodyPr/>
+          <a:lstStyle/>
+          <a:p>
+            <a:fld id="{D1DD8FD0-34C5-4A18-AD3F-D0459C10590A}" type="slidenum">
+              <a:rPr lang="zh-CN" altLang="en-US" smtClean="0"/>
+            </a:fld>
+            <a:endParaRPr lang="zh-CN" altLang="en-US"/>
+          </a:p>
+        </p:txBody>
+      </p:sp>
+    </p:spTree>
   </p:cSld>
   <p:clrMapOvr>
     <a:masterClrMapping/>
@@ -1000,18 +1234,21 @@
               <a:rPr lang="zh-CN" altLang="en-US" b="1" dirty="0" smtClean="0"/>
               <a:t>多进程与多线程</a:t>
             </a:r>
+            <a:endParaRPr lang="zh-CN" altLang="en-US" b="1" dirty="0" smtClean="0"/>
           </a:p>
           <a:p>
             <a:r>
               <a:rPr lang="zh-CN" altLang="en-US" dirty="0" smtClean="0"/>
               <a:t>多进程：在同一个时间里，同一个计算机系统中如果允许两个或两个以上的进程处于运行状态。多进程带来的好处是明显的，比如你可以听歌的同时，打开编辑器敲代码，编辑器和听歌软件的进程之间丝毫不会相互干扰。</a:t>
             </a:r>
+            <a:endParaRPr lang="zh-CN" altLang="en-US" dirty="0" smtClean="0"/>
           </a:p>
           <a:p>
             <a:r>
               <a:rPr lang="zh-CN" altLang="en-US" dirty="0" smtClean="0"/>
               <a:t>多线程：程序中包含多个执行流，即在一个程序中可以同时运行多个不同的线程来执行不同的任务，也就是说允许单个程序创建多个并行执行的线程来完成各自的任务。</a:t>
             </a:r>
+            <a:endParaRPr lang="zh-CN" altLang="en-US" dirty="0" smtClean="0"/>
           </a:p>
           <a:p>
             <a:r>
@@ -1065,12 +1302,14 @@
               <a:rPr lang="zh-CN" altLang="en-US" dirty="0" smtClean="0"/>
               <a:t>）、计算和组合最终输出可视化的图像结果，通常也被称为渲染引擎。</a:t>
             </a:r>
+            <a:endParaRPr lang="zh-CN" altLang="en-US" dirty="0" smtClean="0"/>
           </a:p>
           <a:p>
             <a:r>
               <a:rPr lang="zh-CN" altLang="en-US" dirty="0" smtClean="0"/>
               <a:t>浏览器内核是多线程，在内核控制下各线程相互配合以保持同步，一个浏览器通常由以下常驻线程组成：</a:t>
             </a:r>
+            <a:endParaRPr lang="zh-CN" altLang="en-US" dirty="0" smtClean="0"/>
           </a:p>
           <a:p>
             <a:r>
@@ -1081,6 +1320,7 @@
               <a:rPr lang="zh-CN" altLang="en-US" dirty="0" smtClean="0"/>
               <a:t>渲染线程</a:t>
             </a:r>
+            <a:endParaRPr lang="zh-CN" altLang="en-US" dirty="0" smtClean="0"/>
           </a:p>
           <a:p>
             <a:r>
@@ -1091,18 +1331,21 @@
               <a:rPr lang="zh-CN" altLang="en-US" dirty="0" smtClean="0"/>
               <a:t>引擎线程</a:t>
             </a:r>
+            <a:endParaRPr lang="zh-CN" altLang="en-US" dirty="0" smtClean="0"/>
           </a:p>
           <a:p>
             <a:r>
               <a:rPr lang="zh-CN" altLang="en-US" dirty="0" smtClean="0"/>
               <a:t>定时触发器线程</a:t>
             </a:r>
+            <a:endParaRPr lang="zh-CN" altLang="en-US" dirty="0" smtClean="0"/>
           </a:p>
           <a:p>
             <a:r>
               <a:rPr lang="zh-CN" altLang="en-US" dirty="0" smtClean="0"/>
               <a:t>事件触发线程</a:t>
             </a:r>
+            <a:endParaRPr lang="zh-CN" altLang="en-US" dirty="0" smtClean="0"/>
           </a:p>
           <a:p>
             <a:r>
@@ -1117,6 +1360,7 @@
               <a:rPr lang="zh-CN" altLang="en-US" dirty="0" smtClean="0"/>
               <a:t>请求线程</a:t>
             </a:r>
+            <a:endParaRPr lang="zh-CN" altLang="en-US" dirty="0" smtClean="0"/>
           </a:p>
           <a:p>
             <a:r>
@@ -1127,6 +1371,7 @@
               <a:rPr lang="zh-CN" altLang="en-US" b="1" dirty="0" smtClean="0"/>
               <a:t>渲染线程</a:t>
             </a:r>
+            <a:endParaRPr lang="zh-CN" altLang="en-US" b="1" dirty="0" smtClean="0"/>
           </a:p>
           <a:p>
             <a:r>
@@ -1157,12 +1402,14 @@
               <a:rPr lang="zh-CN" altLang="en-US" dirty="0" smtClean="0"/>
               <a:t>树，布局和绘制等。</a:t>
             </a:r>
+            <a:endParaRPr lang="zh-CN" altLang="en-US" dirty="0" smtClean="0"/>
           </a:p>
           <a:p>
             <a:r>
               <a:rPr lang="zh-CN" altLang="en-US" dirty="0" smtClean="0"/>
               <a:t>当界面需要重绘或者由于某种操作引发回流时，将执行该线程。</a:t>
             </a:r>
+            <a:endParaRPr lang="zh-CN" altLang="en-US" dirty="0" smtClean="0"/>
           </a:p>
           <a:p>
             <a:r>
@@ -1201,6 +1448,7 @@
               <a:rPr lang="zh-CN" altLang="en-US" dirty="0" smtClean="0"/>
               <a:t>渲染。</a:t>
             </a:r>
+            <a:endParaRPr lang="zh-CN" altLang="en-US" dirty="0" smtClean="0"/>
           </a:p>
           <a:p>
             <a:r>
@@ -1211,6 +1459,7 @@
               <a:rPr lang="zh-CN" altLang="en-US" b="1" dirty="0" smtClean="0"/>
               <a:t>引擎线程</a:t>
             </a:r>
+            <a:endParaRPr lang="zh-CN" altLang="en-US" b="1" dirty="0" smtClean="0"/>
           </a:p>
           <a:p>
             <a:r>
@@ -1225,6 +1474,7 @@
               <a:rPr lang="zh-CN" altLang="en-US" dirty="0" smtClean="0"/>
               <a:t>脚本，执行代码。</a:t>
             </a:r>
+            <a:endParaRPr lang="zh-CN" altLang="en-US" dirty="0" smtClean="0"/>
           </a:p>
           <a:p>
             <a:r>
@@ -1239,6 +1489,7 @@
               <a:rPr lang="zh-CN" altLang="en-US" dirty="0" smtClean="0"/>
               <a:t>引擎线程的执行。</a:t>
             </a:r>
+            <a:endParaRPr lang="zh-CN" altLang="en-US" dirty="0" smtClean="0"/>
           </a:p>
           <a:p>
             <a:r>
@@ -1269,6 +1520,7 @@
               <a:rPr lang="zh-CN" altLang="en-US" dirty="0" smtClean="0"/>
               <a:t>脚本时间过长，将导致页面渲染的阻塞。</a:t>
             </a:r>
+            <a:endParaRPr lang="zh-CN" altLang="en-US" dirty="0" smtClean="0"/>
           </a:p>
           <a:p>
             <a:r>
@@ -1279,6 +1531,7 @@
               <a:rPr lang="zh-CN" altLang="en-US" b="1" dirty="0" smtClean="0"/>
               <a:t>定时器触发线程</a:t>
             </a:r>
+            <a:endParaRPr lang="zh-CN" altLang="en-US" b="1" dirty="0" smtClean="0"/>
           </a:p>
           <a:p>
             <a:r>
@@ -1301,6 +1554,7 @@
               <a:rPr lang="zh-CN" altLang="en-US" dirty="0" smtClean="0"/>
               <a:t>。</a:t>
             </a:r>
+            <a:endParaRPr lang="zh-CN" altLang="en-US" dirty="0" smtClean="0"/>
           </a:p>
           <a:p>
             <a:r>
@@ -1315,6 +1569,7 @@
               <a:rPr lang="zh-CN" altLang="en-US" dirty="0" smtClean="0"/>
               <a:t>引擎线程执行。</a:t>
             </a:r>
+            <a:endParaRPr lang="zh-CN" altLang="en-US" dirty="0" smtClean="0"/>
           </a:p>
           <a:p>
             <a:r>
@@ -1325,6 +1580,7 @@
               <a:rPr lang="zh-CN" altLang="en-US" b="1" dirty="0" smtClean="0"/>
               <a:t>事件触发线程</a:t>
             </a:r>
+            <a:endParaRPr lang="zh-CN" altLang="en-US" b="1" dirty="0" smtClean="0"/>
           </a:p>
           <a:p>
             <a:r>
@@ -1339,6 +1595,7 @@
               <a:rPr lang="zh-CN" altLang="en-US" dirty="0" smtClean="0"/>
               <a:t>引擎线程执行。</a:t>
             </a:r>
+            <a:endParaRPr lang="zh-CN" altLang="en-US" dirty="0" smtClean="0"/>
           </a:p>
           <a:p>
             <a:r>
@@ -1369,6 +1626,7 @@
               <a:rPr lang="zh-CN" altLang="en-US" dirty="0" smtClean="0"/>
               <a:t>引擎线程的执行。</a:t>
             </a:r>
+            <a:endParaRPr lang="zh-CN" altLang="en-US" dirty="0" smtClean="0"/>
           </a:p>
           <a:p>
             <a:r>
@@ -1387,6 +1645,7 @@
               <a:rPr lang="zh-CN" altLang="en-US" b="1" dirty="0" smtClean="0"/>
               <a:t>请求线程</a:t>
             </a:r>
+            <a:endParaRPr lang="zh-CN" altLang="en-US" b="1" dirty="0" smtClean="0"/>
           </a:p>
           <a:p>
             <a:r>
@@ -1417,6 +1676,7 @@
               <a:rPr lang="zh-CN" altLang="en-US" dirty="0" smtClean="0"/>
               <a:t>等。</a:t>
             </a:r>
+            <a:endParaRPr lang="zh-CN" altLang="en-US" dirty="0" smtClean="0"/>
           </a:p>
           <a:p>
             <a:r>
@@ -1452,18 +1712,12 @@
           <a:p>
             <a:fld id="{D1DD8FD0-34C5-4A18-AD3F-D0459C10590A}" type="slidenum">
               <a:rPr lang="zh-CN" altLang="en-US" smtClean="0"/>
-              <a:t>4</a:t>
             </a:fld>
             <a:endParaRPr lang="zh-CN" altLang="en-US"/>
           </a:p>
         </p:txBody>
       </p:sp>
     </p:spTree>
-    <p:extLst>
-      <p:ext uri="{BB962C8B-B14F-4D97-AF65-F5344CB8AC3E}">
-        <p14:creationId xmlns:p14="http://schemas.microsoft.com/office/powerpoint/2010/main" val="3119340472"/>
-      </p:ext>
-    </p:extLst>
   </p:cSld>
   <p:clrMapOvr>
     <a:masterClrMapping/>
@@ -1523,18 +1777,21 @@
               <a:rPr lang="zh-CN" altLang="en-US" b="1" dirty="0" smtClean="0"/>
               <a:t>多进程与多线程</a:t>
             </a:r>
+            <a:endParaRPr lang="zh-CN" altLang="en-US" b="1" dirty="0" smtClean="0"/>
           </a:p>
           <a:p>
             <a:r>
               <a:rPr lang="zh-CN" altLang="en-US" dirty="0" smtClean="0"/>
               <a:t>多进程：在同一个时间里，同一个计算机系统中如果允许两个或两个以上的进程处于运行状态。多进程带来的好处是明显的，比如你可以听歌的同时，打开编辑器敲代码，编辑器和听歌软件的进程之间丝毫不会相互干扰。</a:t>
             </a:r>
+            <a:endParaRPr lang="zh-CN" altLang="en-US" dirty="0" smtClean="0"/>
           </a:p>
           <a:p>
             <a:r>
               <a:rPr lang="zh-CN" altLang="en-US" dirty="0" smtClean="0"/>
               <a:t>多线程：程序中包含多个执行流，即在一个程序中可以同时运行多个不同的线程来执行不同的任务，也就是说允许单个程序创建多个并行执行的线程来完成各自的任务。</a:t>
             </a:r>
+            <a:endParaRPr lang="zh-CN" altLang="en-US" dirty="0" smtClean="0"/>
           </a:p>
           <a:p>
             <a:r>
@@ -1555,24 +1812,44 @@
             </a:r>
             <a:r>
               <a:rPr lang="zh-CN" altLang="en-US" dirty="0" smtClean="0"/>
-              <a:t>页时，其实就是创建了一个进程，一个进程中可以有多个线程（下文会详细介绍），比如渲染线程、</a:t>
-            </a:r>
-            <a:r>
-              <a:rPr lang="en-US" altLang="zh-CN" dirty="0" smtClean="0"/>
-              <a:t>JS </a:t>
-            </a:r>
+              <a:t>页时，其实就是创建了一个进程</a:t>
+            </a:r>
+            <a:endParaRPr lang="zh-CN" altLang="en-US" dirty="0" smtClean="0"/>
+          </a:p>
+          <a:p>
             <a:r>
               <a:rPr lang="zh-CN" altLang="en-US" dirty="0" smtClean="0"/>
-              <a:t>引擎线程、</a:t>
-            </a:r>
-            <a:r>
-              <a:rPr lang="en-US" altLang="zh-CN" dirty="0" smtClean="0"/>
-              <a:t>HTTP </a:t>
-            </a:r>
+              <a:t>不知道其他浏览器，chrome应该不是多线程的架构，而是采用的多进程架构。包括以下几个进程：</a:t>
+            </a:r>
+            <a:endParaRPr lang="zh-CN" altLang="en-US" dirty="0" smtClean="0"/>
+          </a:p>
+          <a:p>
             <a:r>
               <a:rPr lang="zh-CN" altLang="en-US" dirty="0" smtClean="0"/>
-              <a:t>请求线程等等。当你发起一个请求时，其实就是创建了一个线程，当请求结束后，该线程可能就会被销毁。</a:t>
-            </a:r>
+              <a:t>浏览器主进程：负责浏览器UI，进程间的调度，数据存储等工作</a:t>
+            </a:r>
+            <a:endParaRPr lang="zh-CN" altLang="en-US" dirty="0" smtClean="0"/>
+          </a:p>
+          <a:p>
+            <a:r>
+              <a:rPr lang="zh-CN" altLang="en-US" dirty="0" smtClean="0"/>
+              <a:t>GPU进程：负责将栅格化的图块最终渲染到屏幕上</a:t>
+            </a:r>
+            <a:endParaRPr lang="zh-CN" altLang="en-US" dirty="0" smtClean="0"/>
+          </a:p>
+          <a:p>
+            <a:r>
+              <a:rPr lang="zh-CN" altLang="en-US" dirty="0" smtClean="0"/>
+              <a:t>网络进程：负责发送网络请求</a:t>
+            </a:r>
+            <a:endParaRPr lang="zh-CN" altLang="en-US" dirty="0" smtClean="0"/>
+          </a:p>
+          <a:p>
+            <a:r>
+              <a:rPr lang="zh-CN" altLang="en-US" dirty="0" smtClean="0"/>
+              <a:t>每当我们打开一个页面的时候会在启动一个渲染进程负责将下载的html转化为图块，输出给GPU进程。</a:t>
+            </a:r>
+            <a:endParaRPr lang="zh-CN" altLang="en-US" dirty="0" smtClean="0"/>
           </a:p>
         </p:txBody>
       </p:sp>
@@ -1593,18 +1870,12 @@
           <a:p>
             <a:fld id="{D1DD8FD0-34C5-4A18-AD3F-D0459C10590A}" type="slidenum">
               <a:rPr lang="zh-CN" altLang="en-US" smtClean="0"/>
-              <a:t>5</a:t>
             </a:fld>
             <a:endParaRPr lang="zh-CN" altLang="en-US"/>
           </a:p>
         </p:txBody>
       </p:sp>
     </p:spTree>
-    <p:extLst>
-      <p:ext uri="{BB962C8B-B14F-4D97-AF65-F5344CB8AC3E}">
-        <p14:creationId xmlns:p14="http://schemas.microsoft.com/office/powerpoint/2010/main" val="3124171851"/>
-      </p:ext>
-    </p:extLst>
   </p:cSld>
   <p:clrMapOvr>
     <a:masterClrMapping/>
@@ -1636,19 +1907,19 @@
             <a:spLocks noGrp="1" noRot="1" noChangeAspect="1"/>
           </p:cNvSpPr>
           <p:nvPr>
-            <p:ph type="sldImg"/>
+            <p:ph type="sldImg" idx="2"/>
           </p:nvPr>
         </p:nvSpPr>
         <p:spPr/>
       </p:sp>
       <p:sp>
         <p:nvSpPr>
-          <p:cNvPr id="3" name="备注占位符 2"/>
+          <p:cNvPr id="3" name="文本占位符 2"/>
           <p:cNvSpPr>
             <a:spLocks noGrp="1"/>
           </p:cNvSpPr>
           <p:nvPr>
-            <p:ph type="body" idx="1"/>
+            <p:ph type="body" idx="3"/>
           </p:nvPr>
         </p:nvSpPr>
         <p:spPr/>
@@ -1657,50 +1928,14 @@
           <a:lstStyle/>
           <a:p>
             <a:r>
-              <a:rPr lang="zh-CN" altLang="en-US" sz="1200" b="1" i="0" kern="1200" dirty="0" smtClean="0">
-                <a:solidFill>
-                  <a:schemeClr val="tx1"/>
-                </a:solidFill>
-                <a:effectLst/>
-                <a:latin typeface="+mn-lt"/>
-                <a:ea typeface="+mn-ea"/>
-                <a:cs typeface="+mn-cs"/>
-              </a:rPr>
-              <a:t>任务队列中的都是已经完成的异步操作，而不是说注册一个异步任务就会被放在这个任务队列中，就像在银行中排号，如果叫到你的时候你不在，那么你当前的号牌就作废了，柜员会选择直接跳过进行下一个客户的业务处理，等你回来以后还需要重新取号</a:t>
-            </a:r>
-            <a:endParaRPr lang="zh-CN" altLang="en-US" dirty="0"/>
-          </a:p>
-        </p:txBody>
-      </p:sp>
-      <p:sp>
-        <p:nvSpPr>
-          <p:cNvPr id="4" name="灯片编号占位符 3"/>
-          <p:cNvSpPr>
-            <a:spLocks noGrp="1"/>
-          </p:cNvSpPr>
-          <p:nvPr>
-            <p:ph type="sldNum" sz="quarter" idx="10"/>
-          </p:nvPr>
-        </p:nvSpPr>
-        <p:spPr/>
-        <p:txBody>
-          <a:bodyPr/>
-          <a:lstStyle/>
-          <a:p>
-            <a:fld id="{D1DD8FD0-34C5-4A18-AD3F-D0459C10590A}" type="slidenum">
-              <a:rPr lang="zh-CN" altLang="en-US" smtClean="0"/>
-              <a:t>11</a:t>
-            </a:fld>
+              <a:rPr lang="zh-CN" altLang="en-US"/>
+              <a:t>js是单线程(single thread)运行的，通过一个事件循环(event-loop)来循环取出消息队列(event-queue)中的消息进行处理,处理过程基本上就是去调用该消息对应的回调函数。消息队列就是当一个事件状态发生变化时，就将一个消息压入队列中。</a:t>
+            </a:r>
             <a:endParaRPr lang="zh-CN" altLang="en-US"/>
           </a:p>
         </p:txBody>
       </p:sp>
     </p:spTree>
-    <p:extLst>
-      <p:ext uri="{BB962C8B-B14F-4D97-AF65-F5344CB8AC3E}">
-        <p14:creationId xmlns:p14="http://schemas.microsoft.com/office/powerpoint/2010/main" val="1018019412"/>
-      </p:ext>
-    </p:extLst>
   </p:cSld>
   <p:clrMapOvr>
     <a:masterClrMapping/>
@@ -1753,11 +1988,7 @@
           <a:lstStyle/>
           <a:p>
             <a:r>
-              <a:rPr lang="en-US" altLang="zh-CN" dirty="0" smtClean="0"/>
-              <a:t>I/O</a:t>
-            </a:r>
-            <a:r>
-              <a:rPr lang="zh-CN" altLang="en-US" sz="1200" b="0" i="0" kern="1200" dirty="0" smtClean="0">
+              <a:rPr lang="zh-CN" altLang="en-US" sz="1200" b="1" i="0" kern="1200" dirty="0" smtClean="0">
                 <a:solidFill>
                   <a:schemeClr val="tx1"/>
                 </a:solidFill>
@@ -1766,55 +1997,7 @@
                 <a:ea typeface="+mn-ea"/>
                 <a:cs typeface="+mn-cs"/>
               </a:rPr>
-              <a:t>这一项感觉有点儿笼统，有太多的东西都可以称之为</a:t>
-            </a:r>
-            <a:r>
-              <a:rPr lang="en-US" altLang="zh-CN" dirty="0" smtClean="0"/>
-              <a:t>I/O</a:t>
-            </a:r>
-            <a:r>
-              <a:rPr lang="zh-CN" altLang="en-US" sz="1200" b="0" i="0" kern="1200" dirty="0" smtClean="0">
-                <a:solidFill>
-                  <a:schemeClr val="tx1"/>
-                </a:solidFill>
-                <a:effectLst/>
-                <a:latin typeface="+mn-lt"/>
-                <a:ea typeface="+mn-ea"/>
-                <a:cs typeface="+mn-cs"/>
-              </a:rPr>
-              <a:t>，点击一次</a:t>
-            </a:r>
-            <a:r>
-              <a:rPr lang="en-US" altLang="zh-CN" dirty="0" smtClean="0"/>
-              <a:t>button</a:t>
-            </a:r>
-            <a:r>
-              <a:rPr lang="zh-CN" altLang="en-US" sz="1200" b="0" i="0" kern="1200" dirty="0" smtClean="0">
-                <a:solidFill>
-                  <a:schemeClr val="tx1"/>
-                </a:solidFill>
-                <a:effectLst/>
-                <a:latin typeface="+mn-lt"/>
-                <a:ea typeface="+mn-ea"/>
-                <a:cs typeface="+mn-cs"/>
-              </a:rPr>
-              <a:t>，上传一个文件，与程序产生交互的这些都可以称之为</a:t>
-            </a:r>
-            <a:r>
-              <a:rPr lang="en-US" altLang="zh-CN" dirty="0" smtClean="0"/>
-              <a:t>I/O</a:t>
-            </a:r>
-            <a:r>
-              <a:rPr lang="zh-CN" altLang="en-US" sz="1200" b="0" i="0" kern="1200" dirty="0" smtClean="0">
-                <a:solidFill>
-                  <a:schemeClr val="tx1"/>
-                </a:solidFill>
-                <a:effectLst/>
-                <a:latin typeface="+mn-lt"/>
-                <a:ea typeface="+mn-ea"/>
-                <a:cs typeface="+mn-cs"/>
-              </a:rPr>
-              <a:t>。</a:t>
+              <a:t>任务队列中的都是已经完成的异步操作，而不是说注册一个异步任务就会被放在这个任务队列中，就像在银行中排号，如果叫到你的时候你不在，那么你当前的号牌就作废了，柜员会选择直接跳过进行下一个客户的业务处理，等你回来以后还需要重新取号</a:t>
             </a:r>
             <a:endParaRPr lang="zh-CN" altLang="en-US" dirty="0"/>
           </a:p>
@@ -1837,18 +2020,12 @@
           <a:p>
             <a:fld id="{D1DD8FD0-34C5-4A18-AD3F-D0459C10590A}" type="slidenum">
               <a:rPr lang="zh-CN" altLang="en-US" smtClean="0"/>
-              <a:t>12</a:t>
             </a:fld>
             <a:endParaRPr lang="zh-CN" altLang="en-US"/>
           </a:p>
         </p:txBody>
       </p:sp>
     </p:spTree>
-    <p:extLst>
-      <p:ext uri="{BB962C8B-B14F-4D97-AF65-F5344CB8AC3E}">
-        <p14:creationId xmlns:p14="http://schemas.microsoft.com/office/powerpoint/2010/main" val="2017693037"/>
-      </p:ext>
-    </p:extLst>
   </p:cSld>
   <p:clrMapOvr>
     <a:masterClrMapping/>
@@ -1901,7 +2078,11 @@
           <a:lstStyle/>
           <a:p>
             <a:r>
-              <a:rPr lang="zh-CN" altLang="en-US" sz="1200" b="1" i="0" kern="1200" dirty="0" smtClean="0">
+              <a:rPr lang="en-US" altLang="zh-CN" dirty="0" smtClean="0"/>
+              <a:t>I/O</a:t>
+            </a:r>
+            <a:r>
+              <a:rPr lang="zh-CN" altLang="en-US" sz="1200" b="0" i="0" kern="1200" dirty="0" smtClean="0">
                 <a:solidFill>
                   <a:schemeClr val="tx1"/>
                 </a:solidFill>
@@ -1910,10 +2091,14 @@
                 <a:ea typeface="+mn-ea"/>
                 <a:cs typeface="+mn-cs"/>
               </a:rPr>
-              <a:t>当某个宏任务执行完后</a:t>
-            </a:r>
-            <a:r>
-              <a:rPr lang="en-US" altLang="zh-CN" sz="1200" b="1" i="0" kern="1200" dirty="0" smtClean="0">
+              <a:t>这一项感觉有点儿笼统，有太多的东西都可以称之为</a:t>
+            </a:r>
+            <a:r>
+              <a:rPr lang="en-US" altLang="zh-CN" dirty="0" smtClean="0"/>
+              <a:t>I/O</a:t>
+            </a:r>
+            <a:r>
+              <a:rPr lang="zh-CN" altLang="en-US" sz="1200" b="0" i="0" kern="1200" dirty="0" smtClean="0">
                 <a:solidFill>
                   <a:schemeClr val="tx1"/>
                 </a:solidFill>
@@ -1922,10 +2107,14 @@
                 <a:ea typeface="+mn-ea"/>
                 <a:cs typeface="+mn-cs"/>
               </a:rPr>
-              <a:t>,</a:t>
-            </a:r>
-            <a:r>
-              <a:rPr lang="zh-CN" altLang="en-US" sz="1200" b="1" i="0" kern="1200" dirty="0" smtClean="0">
+              <a:t>，点击一次</a:t>
+            </a:r>
+            <a:r>
+              <a:rPr lang="en-US" altLang="zh-CN" dirty="0" smtClean="0"/>
+              <a:t>button</a:t>
+            </a:r>
+            <a:r>
+              <a:rPr lang="zh-CN" altLang="en-US" sz="1200" b="0" i="0" kern="1200" dirty="0" smtClean="0">
                 <a:solidFill>
                   <a:schemeClr val="tx1"/>
                 </a:solidFill>
@@ -1934,238 +2123,24 @@
                 <a:ea typeface="+mn-ea"/>
                 <a:cs typeface="+mn-cs"/>
               </a:rPr>
-              <a:t>会查看是否有微任务队列。如果有，先执行微任务队列中的所有任务，如果没有，会读取宏任务队列中排在最前的任务，执行宏任务的过程中，遇到微任务，依次加入微任务队列。栈空后，再次读取微任务队列里的任务，依次类推。</a:t>
-            </a:r>
-            <a:endParaRPr lang="en-US" altLang="zh-CN" sz="1200" b="1" i="0" kern="1200" dirty="0" smtClean="0">
-              <a:solidFill>
-                <a:schemeClr val="tx1"/>
-              </a:solidFill>
-              <a:effectLst/>
-              <a:latin typeface="+mn-lt"/>
-              <a:ea typeface="+mn-ea"/>
-              <a:cs typeface="+mn-cs"/>
-            </a:endParaRPr>
-          </a:p>
-          <a:p>
-            <a:endParaRPr lang="en-US" altLang="zh-CN" sz="1200" b="1" i="0" kern="1200" dirty="0" smtClean="0">
-              <a:solidFill>
-                <a:schemeClr val="tx1"/>
-              </a:solidFill>
-              <a:effectLst/>
-              <a:latin typeface="+mn-lt"/>
-              <a:ea typeface="+mn-ea"/>
-              <a:cs typeface="+mn-cs"/>
-            </a:endParaRPr>
-          </a:p>
-          <a:p>
-            <a:r>
-              <a:rPr lang="zh-CN" altLang="en-US" dirty="0" smtClean="0"/>
-              <a:t>一开始执行栈空</a:t>
+              <a:t>，上传一个文件，与程序产生交互的这些都可以称之为</a:t>
             </a:r>
             <a:r>
               <a:rPr lang="en-US" altLang="zh-CN" dirty="0" smtClean="0"/>
-              <a:t>,</a:t>
-            </a:r>
-            <a:r>
-              <a:rPr lang="zh-CN" altLang="en-US" dirty="0" smtClean="0"/>
-              <a:t>我们可以把</a:t>
-            </a:r>
-            <a:r>
-              <a:rPr lang="zh-CN" altLang="en-US" b="1" dirty="0" smtClean="0"/>
-              <a:t>执行栈认为是一个存储函数调用的栈结构，遵循先进后出的原则</a:t>
-            </a:r>
-            <a:r>
-              <a:rPr lang="zh-CN" altLang="en-US" dirty="0" smtClean="0"/>
+              <a:t>I/O</a:t>
+            </a:r>
+            <a:r>
+              <a:rPr lang="zh-CN" altLang="en-US" sz="1200" b="0" i="0" kern="1200" dirty="0" smtClean="0">
+                <a:solidFill>
+                  <a:schemeClr val="tx1"/>
+                </a:solidFill>
+                <a:effectLst/>
+                <a:latin typeface="+mn-lt"/>
+                <a:ea typeface="+mn-ea"/>
+                <a:cs typeface="+mn-cs"/>
+              </a:rPr>
               <a:t>。</a:t>
             </a:r>
-            <a:r>
-              <a:rPr lang="en-US" altLang="zh-CN" dirty="0" smtClean="0"/>
-              <a:t>micro </a:t>
-            </a:r>
-            <a:r>
-              <a:rPr lang="zh-CN" altLang="en-US" dirty="0" smtClean="0"/>
-              <a:t>队列空，</a:t>
-            </a:r>
-            <a:r>
-              <a:rPr lang="en-US" altLang="zh-CN" dirty="0" smtClean="0"/>
-              <a:t>macro </a:t>
-            </a:r>
-            <a:r>
-              <a:rPr lang="zh-CN" altLang="en-US" dirty="0" smtClean="0"/>
-              <a:t>队列里有且只有一个 </a:t>
-            </a:r>
-            <a:r>
-              <a:rPr lang="en-US" altLang="zh-CN" dirty="0" smtClean="0"/>
-              <a:t>script </a:t>
-            </a:r>
-            <a:r>
-              <a:rPr lang="zh-CN" altLang="en-US" dirty="0" smtClean="0"/>
-              <a:t>脚本（整体代码）。</a:t>
-            </a:r>
-            <a:endParaRPr lang="en-US" altLang="zh-CN" dirty="0" smtClean="0"/>
-          </a:p>
-          <a:p>
-            <a:endParaRPr lang="zh-CN" altLang="en-US" dirty="0" smtClean="0"/>
-          </a:p>
-          <a:p>
-            <a:r>
-              <a:rPr lang="zh-CN" altLang="en-US" dirty="0" smtClean="0"/>
-              <a:t>全局上下文（</a:t>
-            </a:r>
-            <a:r>
-              <a:rPr lang="en-US" altLang="zh-CN" dirty="0" smtClean="0"/>
-              <a:t>script </a:t>
-            </a:r>
-            <a:r>
-              <a:rPr lang="zh-CN" altLang="en-US" dirty="0" smtClean="0"/>
-              <a:t>标签）被推入执行栈，同步代码执行。在执行的过程中，会判断是同步任务还是异步任务，通过对一些接口的调用，可以产生新的 </a:t>
-            </a:r>
-            <a:r>
-              <a:rPr lang="en-US" altLang="zh-CN" dirty="0" smtClean="0"/>
-              <a:t>macro-task </a:t>
-            </a:r>
-            <a:r>
-              <a:rPr lang="zh-CN" altLang="en-US" dirty="0" smtClean="0"/>
-              <a:t>与 </a:t>
-            </a:r>
-            <a:r>
-              <a:rPr lang="en-US" altLang="zh-CN" dirty="0" smtClean="0"/>
-              <a:t>micro-task</a:t>
-            </a:r>
-            <a:r>
-              <a:rPr lang="zh-CN" altLang="en-US" dirty="0" smtClean="0"/>
-              <a:t>，它们会分别被推入各自的任务队列里。同步代码执行完了，</a:t>
-            </a:r>
-            <a:r>
-              <a:rPr lang="en-US" altLang="zh-CN" dirty="0" smtClean="0"/>
-              <a:t>script </a:t>
-            </a:r>
-            <a:r>
-              <a:rPr lang="zh-CN" altLang="en-US" dirty="0" smtClean="0"/>
-              <a:t>脚本会被移出 </a:t>
-            </a:r>
-            <a:r>
-              <a:rPr lang="en-US" altLang="zh-CN" dirty="0" smtClean="0"/>
-              <a:t>macro </a:t>
-            </a:r>
-            <a:r>
-              <a:rPr lang="zh-CN" altLang="en-US" dirty="0" smtClean="0"/>
-              <a:t>队列，这个过程本质上是队列的 </a:t>
-            </a:r>
-            <a:r>
-              <a:rPr lang="en-US" altLang="zh-CN" dirty="0" smtClean="0"/>
-              <a:t>macro-task </a:t>
-            </a:r>
-            <a:r>
-              <a:rPr lang="zh-CN" altLang="en-US" dirty="0" smtClean="0"/>
-              <a:t>的执行和出队的过程。</a:t>
-            </a:r>
-            <a:endParaRPr lang="en-US" altLang="zh-CN" dirty="0" smtClean="0"/>
-          </a:p>
-          <a:p>
-            <a:endParaRPr lang="zh-CN" altLang="en-US" dirty="0" smtClean="0"/>
-          </a:p>
-          <a:p>
-            <a:r>
-              <a:rPr lang="zh-CN" altLang="en-US" dirty="0" smtClean="0"/>
-              <a:t>上一步我们出队的是一个 </a:t>
-            </a:r>
-            <a:r>
-              <a:rPr lang="en-US" altLang="zh-CN" dirty="0" smtClean="0"/>
-              <a:t>macro-task</a:t>
-            </a:r>
-            <a:r>
-              <a:rPr lang="zh-CN" altLang="en-US" dirty="0" smtClean="0"/>
-              <a:t>，这一步我们处理的是 </a:t>
-            </a:r>
-            <a:r>
-              <a:rPr lang="en-US" altLang="zh-CN" dirty="0" smtClean="0"/>
-              <a:t>micro-task</a:t>
-            </a:r>
-            <a:r>
-              <a:rPr lang="zh-CN" altLang="en-US" dirty="0" smtClean="0"/>
-              <a:t>。但需要注意的是：当 </a:t>
-            </a:r>
-            <a:r>
-              <a:rPr lang="en-US" altLang="zh-CN" dirty="0" smtClean="0"/>
-              <a:t>macro-task </a:t>
-            </a:r>
-            <a:r>
-              <a:rPr lang="zh-CN" altLang="en-US" dirty="0" smtClean="0"/>
-              <a:t>出队时，任务是</a:t>
-            </a:r>
-            <a:r>
-              <a:rPr lang="zh-CN" altLang="en-US" b="1" dirty="0" smtClean="0"/>
-              <a:t>一个一个</a:t>
-            </a:r>
-            <a:r>
-              <a:rPr lang="zh-CN" altLang="en-US" dirty="0" smtClean="0"/>
-              <a:t>执行的；而 </a:t>
-            </a:r>
-            <a:r>
-              <a:rPr lang="en-US" altLang="zh-CN" dirty="0" smtClean="0"/>
-              <a:t>micro-task </a:t>
-            </a:r>
-            <a:r>
-              <a:rPr lang="zh-CN" altLang="en-US" dirty="0" smtClean="0"/>
-              <a:t>出队时，任务是</a:t>
-            </a:r>
-            <a:r>
-              <a:rPr lang="zh-CN" altLang="en-US" b="1" dirty="0" smtClean="0"/>
-              <a:t>一队一队</a:t>
-            </a:r>
-            <a:r>
-              <a:rPr lang="zh-CN" altLang="en-US" dirty="0" smtClean="0"/>
-              <a:t>执行的。因此，我们处理 </a:t>
-            </a:r>
-            <a:r>
-              <a:rPr lang="en-US" altLang="zh-CN" dirty="0" smtClean="0"/>
-              <a:t>micro </a:t>
-            </a:r>
-            <a:r>
-              <a:rPr lang="zh-CN" altLang="en-US" dirty="0" smtClean="0"/>
-              <a:t>队列这一步，会逐个执行队列中的任务并把它出队，直到队列被清空。</a:t>
-            </a:r>
-            <a:endParaRPr lang="en-US" altLang="zh-CN" dirty="0" smtClean="0"/>
-          </a:p>
-          <a:p>
-            <a:endParaRPr lang="zh-CN" altLang="en-US" dirty="0" smtClean="0"/>
-          </a:p>
-          <a:p>
-            <a:r>
-              <a:rPr lang="zh-CN" altLang="en-US" b="1" dirty="0" smtClean="0"/>
-              <a:t>执行渲染操作，更新界面</a:t>
-            </a:r>
-            <a:endParaRPr lang="en-US" altLang="zh-CN" b="1" dirty="0" smtClean="0"/>
-          </a:p>
-          <a:p>
-            <a:endParaRPr lang="zh-CN" altLang="en-US" dirty="0" smtClean="0"/>
-          </a:p>
-          <a:p>
-            <a:r>
-              <a:rPr lang="zh-CN" altLang="en-US" dirty="0" smtClean="0"/>
-              <a:t>检查是否存在 </a:t>
-            </a:r>
-            <a:r>
-              <a:rPr lang="en-US" altLang="zh-CN" dirty="0" smtClean="0"/>
-              <a:t>Web worker </a:t>
-            </a:r>
-            <a:r>
-              <a:rPr lang="zh-CN" altLang="en-US" dirty="0" smtClean="0"/>
-              <a:t>任务，如果有，则对其进行处理</a:t>
-            </a:r>
-            <a:endParaRPr lang="en-US" altLang="zh-CN" dirty="0" smtClean="0"/>
-          </a:p>
-          <a:p>
-            <a:endParaRPr lang="zh-CN" altLang="en-US" dirty="0" smtClean="0"/>
-          </a:p>
-          <a:p>
-            <a:r>
-              <a:rPr lang="zh-CN" altLang="en-US" dirty="0" smtClean="0"/>
-              <a:t>上述过程循环往复，直到两个队列都清空</a:t>
-            </a:r>
-          </a:p>
-          <a:p>
             <a:endParaRPr lang="zh-CN" altLang="en-US" dirty="0"/>
           </a:p>
         </p:txBody>
@@ -2187,18 +2162,12 @@
           <a:p>
             <a:fld id="{D1DD8FD0-34C5-4A18-AD3F-D0459C10590A}" type="slidenum">
               <a:rPr lang="zh-CN" altLang="en-US" smtClean="0"/>
-              <a:t>13</a:t>
             </a:fld>
             <a:endParaRPr lang="zh-CN" altLang="en-US"/>
           </a:p>
         </p:txBody>
       </p:sp>
     </p:spTree>
-    <p:extLst>
-      <p:ext uri="{BB962C8B-B14F-4D97-AF65-F5344CB8AC3E}">
-        <p14:creationId xmlns:p14="http://schemas.microsoft.com/office/powerpoint/2010/main" val="210920291"/>
-      </p:ext>
-    </p:extLst>
   </p:cSld>
   <p:clrMapOvr>
     <a:masterClrMapping/>
@@ -2251,41 +2220,57 @@
           <a:lstStyle/>
           <a:p>
             <a:r>
-              <a:rPr lang="zh-CN" altLang="en-US" sz="1200" kern="1200" dirty="0" smtClean="0">
+              <a:rPr lang="zh-CN" altLang="en-US" sz="1200" b="1" i="0" kern="1200" dirty="0" smtClean="0">
                 <a:solidFill>
                   <a:schemeClr val="tx1"/>
                 </a:solidFill>
+                <a:effectLst/>
                 <a:latin typeface="+mn-lt"/>
                 <a:ea typeface="+mn-ea"/>
                 <a:cs typeface="+mn-cs"/>
               </a:rPr>
-              <a:t>执行一个宏任务（栈中没有就从事件队列中获取）</a:t>
-            </a:r>
-            <a:endParaRPr lang="en-US" altLang="zh-CN" sz="1200" kern="1200" dirty="0" smtClean="0">
+              <a:t>当某个宏任务执行完后</a:t>
+            </a:r>
+            <a:r>
+              <a:rPr lang="en-US" altLang="zh-CN" sz="1200" b="1" i="0" kern="1200" dirty="0" smtClean="0">
+                <a:solidFill>
+                  <a:schemeClr val="tx1"/>
+                </a:solidFill>
+                <a:effectLst/>
+                <a:latin typeface="+mn-lt"/>
+                <a:ea typeface="+mn-ea"/>
+                <a:cs typeface="+mn-cs"/>
+              </a:rPr>
+              <a:t>,</a:t>
+            </a:r>
+            <a:r>
+              <a:rPr lang="zh-CN" altLang="en-US" sz="1200" b="1" i="0" kern="1200" dirty="0" smtClean="0">
+                <a:solidFill>
+                  <a:schemeClr val="tx1"/>
+                </a:solidFill>
+                <a:effectLst/>
+                <a:latin typeface="+mn-lt"/>
+                <a:ea typeface="+mn-ea"/>
+                <a:cs typeface="+mn-cs"/>
+              </a:rPr>
+              <a:t>会查看是否有微任务队列。如果有，先执行微任务队列中的所有任务，如果没有，会读取宏任务队列中排在最前的任务，执行宏任务的过程中，遇到微任务，依次加入微任务队列。栈空后，再次读取微任务队列里的任务，依次类推。</a:t>
+            </a:r>
+            <a:endParaRPr lang="en-US" altLang="zh-CN" sz="1200" b="1" i="0" kern="1200" dirty="0" smtClean="0">
               <a:solidFill>
                 <a:schemeClr val="tx1"/>
               </a:solidFill>
+              <a:effectLst/>
               <a:latin typeface="+mn-lt"/>
               <a:ea typeface="+mn-ea"/>
               <a:cs typeface="+mn-cs"/>
             </a:endParaRPr>
           </a:p>
           <a:p>
-            <a:r>
-              <a:rPr lang="zh-CN" altLang="en-US" sz="1200" kern="1200" dirty="0" smtClean="0">
-                <a:solidFill>
-                  <a:schemeClr val="tx1"/>
-                </a:solidFill>
-                <a:latin typeface="+mn-lt"/>
-                <a:ea typeface="+mn-ea"/>
-                <a:cs typeface="+mn-cs"/>
-              </a:rPr>
-              <a:t>执行过程中如果遇到微任务，就将它添加到微任务的任务队列中 </a:t>
-            </a:r>
-            <a:endParaRPr lang="en-US" altLang="zh-CN" sz="1200" kern="1200" dirty="0" smtClean="0">
+            <a:endParaRPr lang="en-US" altLang="zh-CN" sz="1200" b="1" i="0" kern="1200" dirty="0" smtClean="0">
               <a:solidFill>
                 <a:schemeClr val="tx1"/>
               </a:solidFill>
+              <a:effectLst/>
               <a:latin typeface="+mn-lt"/>
               <a:ea typeface="+mn-ea"/>
               <a:cs typeface="+mn-cs"/>
@@ -2293,102 +2278,214 @@
           </a:p>
           <a:p>
             <a:r>
-              <a:rPr lang="zh-CN" altLang="en-US" sz="1200" kern="1200" dirty="0" smtClean="0">
-                <a:solidFill>
-                  <a:schemeClr val="tx1"/>
-                </a:solidFill>
-                <a:latin typeface="+mn-lt"/>
-                <a:ea typeface="+mn-ea"/>
-                <a:cs typeface="+mn-cs"/>
-              </a:rPr>
-              <a:t>宏任务执行完毕后，立即执行当前微任务队列中的所有微任务（依次执行） </a:t>
-            </a:r>
-            <a:endParaRPr lang="en-US" altLang="zh-CN" sz="1200" kern="1200" dirty="0" smtClean="0">
-              <a:solidFill>
-                <a:schemeClr val="tx1"/>
-              </a:solidFill>
-              <a:latin typeface="+mn-lt"/>
-              <a:ea typeface="+mn-ea"/>
-              <a:cs typeface="+mn-cs"/>
-            </a:endParaRPr>
-          </a:p>
-          <a:p>
-            <a:r>
-              <a:rPr lang="zh-CN" altLang="en-US" sz="1200" kern="1200" dirty="0" smtClean="0">
-                <a:solidFill>
-                  <a:schemeClr val="tx1"/>
-                </a:solidFill>
-                <a:latin typeface="+mn-lt"/>
-                <a:ea typeface="+mn-ea"/>
-                <a:cs typeface="+mn-cs"/>
-              </a:rPr>
-              <a:t>当前宏任务执行完毕，开始检查渲染，然后</a:t>
-            </a:r>
-            <a:r>
-              <a:rPr lang="en-US" altLang="zh-CN" sz="1200" kern="1200" dirty="0" smtClean="0">
-                <a:solidFill>
-                  <a:schemeClr val="tx1"/>
-                </a:solidFill>
-                <a:latin typeface="+mn-lt"/>
-                <a:ea typeface="+mn-ea"/>
-                <a:cs typeface="+mn-cs"/>
-              </a:rPr>
-              <a:t>GUI</a:t>
-            </a:r>
-            <a:r>
-              <a:rPr lang="zh-CN" altLang="en-US" sz="1200" kern="1200" dirty="0" smtClean="0">
-                <a:solidFill>
-                  <a:schemeClr val="tx1"/>
-                </a:solidFill>
-                <a:latin typeface="+mn-lt"/>
-                <a:ea typeface="+mn-ea"/>
-                <a:cs typeface="+mn-cs"/>
-              </a:rPr>
-              <a:t>线程接管渲染 </a:t>
-            </a:r>
-            <a:endParaRPr lang="en-US" altLang="zh-CN" sz="1200" kern="1200" dirty="0" smtClean="0">
-              <a:solidFill>
-                <a:schemeClr val="tx1"/>
-              </a:solidFill>
-              <a:latin typeface="+mn-lt"/>
-              <a:ea typeface="+mn-ea"/>
-              <a:cs typeface="+mn-cs"/>
-            </a:endParaRPr>
-          </a:p>
-          <a:p>
-            <a:r>
-              <a:rPr lang="zh-CN" altLang="en-US" sz="1200" kern="1200" dirty="0" smtClean="0">
-                <a:solidFill>
-                  <a:schemeClr val="tx1"/>
-                </a:solidFill>
-                <a:latin typeface="+mn-lt"/>
-                <a:ea typeface="+mn-ea"/>
-                <a:cs typeface="+mn-cs"/>
-              </a:rPr>
-              <a:t>渲染完毕后，</a:t>
-            </a:r>
-            <a:r>
-              <a:rPr lang="en-US" altLang="zh-CN" sz="1200" kern="1200" dirty="0" smtClean="0">
-                <a:solidFill>
-                  <a:schemeClr val="tx1"/>
-                </a:solidFill>
-                <a:latin typeface="+mn-lt"/>
-                <a:ea typeface="+mn-ea"/>
-                <a:cs typeface="+mn-cs"/>
-              </a:rPr>
-              <a:t>JS</a:t>
-            </a:r>
-            <a:r>
-              <a:rPr lang="zh-CN" altLang="en-US" sz="1200" kern="1200" dirty="0" smtClean="0">
-                <a:solidFill>
-                  <a:schemeClr val="tx1"/>
-                </a:solidFill>
-                <a:latin typeface="+mn-lt"/>
-                <a:ea typeface="+mn-ea"/>
-                <a:cs typeface="+mn-cs"/>
-              </a:rPr>
-              <a:t>线程继续接管，开始下一个宏任务（从事件队列中获取）</a:t>
-            </a:r>
+              <a:rPr lang="zh-CN" altLang="en-US" dirty="0" smtClean="0"/>
+              <a:t>一开始执行栈空</a:t>
+            </a:r>
+            <a:r>
+              <a:rPr lang="en-US" altLang="zh-CN" dirty="0" smtClean="0"/>
+              <a:t>,</a:t>
+            </a:r>
+            <a:r>
+              <a:rPr lang="zh-CN" altLang="en-US" dirty="0" smtClean="0"/>
+              <a:t>我们可以把</a:t>
+            </a:r>
+            <a:r>
+              <a:rPr lang="zh-CN" altLang="en-US" b="1" dirty="0" smtClean="0"/>
+              <a:t>执行栈认为是一个存储函数调用的栈结构，遵循先进后出的原则</a:t>
+            </a:r>
+            <a:r>
+              <a:rPr lang="zh-CN" altLang="en-US" dirty="0" smtClean="0"/>
+              <a:t>。</a:t>
+            </a:r>
+            <a:r>
+              <a:rPr lang="en-US" altLang="zh-CN" dirty="0" smtClean="0"/>
+              <a:t>micro </a:t>
+            </a:r>
+            <a:r>
+              <a:rPr lang="zh-CN" altLang="en-US" dirty="0" smtClean="0"/>
+              <a:t>队列空，</a:t>
+            </a:r>
+            <a:r>
+              <a:rPr lang="en-US" altLang="zh-CN" dirty="0" smtClean="0"/>
+              <a:t>macro </a:t>
+            </a:r>
+            <a:r>
+              <a:rPr lang="zh-CN" altLang="en-US" dirty="0" smtClean="0"/>
+              <a:t>队列里有且只有一个 </a:t>
+            </a:r>
+            <a:r>
+              <a:rPr lang="en-US" altLang="zh-CN" dirty="0" smtClean="0"/>
+              <a:t>script </a:t>
+            </a:r>
+            <a:r>
+              <a:rPr lang="zh-CN" altLang="en-US" dirty="0" smtClean="0"/>
+              <a:t>脚本（整体代码）。</a:t>
+            </a:r>
+            <a:endParaRPr lang="en-US" altLang="zh-CN" dirty="0" smtClean="0"/>
+          </a:p>
+          <a:p>
+            <a:endParaRPr lang="zh-CN" altLang="en-US" dirty="0" smtClean="0"/>
+          </a:p>
+          <a:p>
+            <a:r>
+              <a:rPr lang="zh-CN" altLang="en-US" dirty="0" smtClean="0"/>
+              <a:t>全局上下文（</a:t>
+            </a:r>
+            <a:r>
+              <a:rPr lang="en-US" altLang="zh-CN" dirty="0" smtClean="0"/>
+              <a:t>script </a:t>
+            </a:r>
+            <a:r>
+              <a:rPr lang="zh-CN" altLang="en-US" dirty="0" smtClean="0"/>
+              <a:t>标签）被推入执行栈，同步代码执行。在执行的过程中，会判断是同步任务还是异步任务，通过对一些接口的调用，可以产生新的 </a:t>
+            </a:r>
+            <a:r>
+              <a:rPr lang="en-US" altLang="zh-CN" dirty="0" smtClean="0"/>
+              <a:t>macro-task </a:t>
+            </a:r>
+            <a:r>
+              <a:rPr lang="zh-CN" altLang="en-US" dirty="0" smtClean="0"/>
+              <a:t>与 </a:t>
+            </a:r>
+            <a:r>
+              <a:rPr lang="en-US" altLang="zh-CN" dirty="0" smtClean="0"/>
+              <a:t>micro-task</a:t>
+            </a:r>
+            <a:r>
+              <a:rPr lang="zh-CN" altLang="en-US" dirty="0" smtClean="0"/>
+              <a:t>，它们会分别被推入各自的任务队列里。同步代码执行完了，</a:t>
+            </a:r>
+            <a:r>
+              <a:rPr lang="en-US" altLang="zh-CN" dirty="0" smtClean="0"/>
+              <a:t>script </a:t>
+            </a:r>
+            <a:r>
+              <a:rPr lang="zh-CN" altLang="en-US" dirty="0" smtClean="0"/>
+              <a:t>脚本会被移出 </a:t>
+            </a:r>
+            <a:r>
+              <a:rPr lang="en-US" altLang="zh-CN" dirty="0" smtClean="0"/>
+              <a:t>macro </a:t>
+            </a:r>
+            <a:r>
+              <a:rPr lang="zh-CN" altLang="en-US" dirty="0" smtClean="0"/>
+              <a:t>队列，这个过程本质上是队列的 </a:t>
+            </a:r>
+            <a:r>
+              <a:rPr lang="en-US" altLang="zh-CN" dirty="0" smtClean="0"/>
+              <a:t>macro-task </a:t>
+            </a:r>
+            <a:r>
+              <a:rPr lang="zh-CN" altLang="en-US" dirty="0" smtClean="0"/>
+              <a:t>的执行和出队的过程。</a:t>
+            </a:r>
+            <a:endParaRPr lang="en-US" altLang="zh-CN" dirty="0" smtClean="0"/>
+          </a:p>
+          <a:p>
+            <a:endParaRPr lang="zh-CN" altLang="en-US" dirty="0" smtClean="0"/>
+          </a:p>
+          <a:p>
+            <a:r>
+              <a:rPr lang="zh-CN" altLang="en-US" dirty="0" smtClean="0"/>
+              <a:t>上一步我们出队的是一个 </a:t>
+            </a:r>
+            <a:r>
+              <a:rPr lang="en-US" altLang="zh-CN" dirty="0" smtClean="0"/>
+              <a:t>macro-task</a:t>
+            </a:r>
+            <a:r>
+              <a:rPr lang="zh-CN" altLang="en-US" dirty="0" smtClean="0"/>
+              <a:t>，这一步我们处理的是 </a:t>
+            </a:r>
+            <a:r>
+              <a:rPr lang="en-US" altLang="zh-CN" dirty="0" smtClean="0"/>
+              <a:t>micro-task</a:t>
+            </a:r>
+            <a:r>
+              <a:rPr lang="zh-CN" altLang="en-US" dirty="0" smtClean="0"/>
+              <a:t>。但需要注意的是：当 </a:t>
+            </a:r>
+            <a:r>
+              <a:rPr lang="en-US" altLang="zh-CN" dirty="0" smtClean="0"/>
+              <a:t>macro-task </a:t>
+            </a:r>
+            <a:r>
+              <a:rPr lang="zh-CN" altLang="en-US" dirty="0" smtClean="0"/>
+              <a:t>出队时，任务是</a:t>
+            </a:r>
+            <a:r>
+              <a:rPr lang="zh-CN" altLang="en-US" b="1" dirty="0" smtClean="0"/>
+              <a:t>一个一个</a:t>
+            </a:r>
+            <a:r>
+              <a:rPr lang="zh-CN" altLang="en-US" dirty="0" smtClean="0"/>
+              <a:t>执行的；而 </a:t>
+            </a:r>
+            <a:r>
+              <a:rPr lang="en-US" altLang="zh-CN" dirty="0" smtClean="0"/>
+              <a:t>micro-task </a:t>
+            </a:r>
+            <a:r>
+              <a:rPr lang="zh-CN" altLang="en-US" dirty="0" smtClean="0"/>
+              <a:t>出队时，任务是</a:t>
+            </a:r>
+            <a:r>
+              <a:rPr lang="zh-CN" altLang="en-US" b="1" dirty="0" smtClean="0"/>
+              <a:t>一队一队</a:t>
+            </a:r>
+            <a:r>
+              <a:rPr lang="zh-CN" altLang="en-US" dirty="0" smtClean="0"/>
+              <a:t>执行的。因此，我们处理 </a:t>
+            </a:r>
+            <a:r>
+              <a:rPr lang="en-US" altLang="zh-CN" dirty="0" smtClean="0"/>
+              <a:t>micro </a:t>
+            </a:r>
+            <a:r>
+              <a:rPr lang="zh-CN" altLang="en-US" dirty="0" smtClean="0"/>
+              <a:t>队列这一步，会逐个执行队列中的任务并把它出队，直到队列被清空。</a:t>
+            </a:r>
+            <a:endParaRPr lang="en-US" altLang="zh-CN" dirty="0" smtClean="0"/>
+          </a:p>
+          <a:p>
+            <a:endParaRPr lang="zh-CN" altLang="en-US" dirty="0" smtClean="0"/>
+          </a:p>
+          <a:p>
+            <a:r>
+              <a:rPr lang="zh-CN" altLang="en-US" b="1" dirty="0" smtClean="0"/>
+              <a:t>执行渲染操作，更新界面</a:t>
+            </a:r>
+            <a:endParaRPr lang="en-US" altLang="zh-CN" b="1" dirty="0" smtClean="0"/>
+          </a:p>
+          <a:p>
+            <a:endParaRPr lang="zh-CN" altLang="en-US" dirty="0" smtClean="0"/>
+          </a:p>
+          <a:p>
+            <a:r>
+              <a:rPr lang="zh-CN" altLang="en-US" dirty="0" smtClean="0"/>
+              <a:t>检查是否存在 </a:t>
+            </a:r>
+            <a:r>
+              <a:rPr lang="en-US" altLang="zh-CN" dirty="0" smtClean="0"/>
+              <a:t>Web worker </a:t>
+            </a:r>
+            <a:r>
+              <a:rPr lang="zh-CN" altLang="en-US" dirty="0" smtClean="0"/>
+              <a:t>任务，如果有，则对其进行处理</a:t>
+            </a:r>
+            <a:endParaRPr lang="en-US" altLang="zh-CN" dirty="0" smtClean="0"/>
+          </a:p>
+          <a:p>
+            <a:endParaRPr lang="zh-CN" altLang="en-US" dirty="0" smtClean="0"/>
+          </a:p>
+          <a:p>
+            <a:r>
+              <a:rPr lang="zh-CN" altLang="en-US" dirty="0" smtClean="0"/>
+              <a:t>上述过程循环往复，直到两个队列都清空</a:t>
+            </a:r>
+            <a:endParaRPr lang="zh-CN" altLang="en-US" dirty="0" smtClean="0"/>
+          </a:p>
+          <a:p>
             <a:endParaRPr lang="zh-CN" altLang="en-US" dirty="0"/>
           </a:p>
         </p:txBody>
@@ -2410,18 +2507,12 @@
           <a:p>
             <a:fld id="{D1DD8FD0-34C5-4A18-AD3F-D0459C10590A}" type="slidenum">
               <a:rPr lang="zh-CN" altLang="en-US" smtClean="0"/>
-              <a:t>14</a:t>
             </a:fld>
             <a:endParaRPr lang="zh-CN" altLang="en-US"/>
           </a:p>
         </p:txBody>
       </p:sp>
     </p:spTree>
-    <p:extLst>
-      <p:ext uri="{BB962C8B-B14F-4D97-AF65-F5344CB8AC3E}">
-        <p14:creationId xmlns:p14="http://schemas.microsoft.com/office/powerpoint/2010/main" val="3568717290"/>
-      </p:ext>
-    </p:extLst>
   </p:cSld>
   <p:clrMapOvr>
     <a:masterClrMapping/>
@@ -2474,279 +2565,143 @@
           <a:lstStyle/>
           <a:p>
             <a:r>
-              <a:rPr lang="en-US" altLang="zh-CN" sz="1200" b="0" i="0" kern="1200" dirty="0" smtClean="0">
+              <a:rPr lang="zh-CN" altLang="en-US" sz="1200" kern="1200" dirty="0" smtClean="0">
                 <a:solidFill>
                   <a:schemeClr val="tx1"/>
                 </a:solidFill>
-                <a:effectLst/>
                 <a:latin typeface="+mn-lt"/>
                 <a:ea typeface="+mn-ea"/>
                 <a:cs typeface="+mn-cs"/>
               </a:rPr>
-              <a:t>Async/await</a:t>
-            </a:r>
-            <a:r>
-              <a:rPr lang="zh-CN" altLang="en-US" sz="1200" b="0" i="0" kern="1200" dirty="0" smtClean="0">
+              <a:t>执行一个宏任务（栈中没有就从事件队列中获取）</a:t>
+            </a:r>
+            <a:endParaRPr lang="en-US" altLang="zh-CN" sz="1200" kern="1200" dirty="0" smtClean="0">
+              <a:solidFill>
+                <a:schemeClr val="tx1"/>
+              </a:solidFill>
+              <a:latin typeface="+mn-lt"/>
+              <a:ea typeface="+mn-ea"/>
+              <a:cs typeface="+mn-cs"/>
+            </a:endParaRPr>
+          </a:p>
+          <a:p>
+            <a:r>
+              <a:rPr lang="zh-CN" altLang="en-US" sz="1200" kern="1200" dirty="0" smtClean="0">
                 <a:solidFill>
                   <a:schemeClr val="tx1"/>
                 </a:solidFill>
-                <a:effectLst/>
                 <a:latin typeface="+mn-lt"/>
                 <a:ea typeface="+mn-ea"/>
                 <a:cs typeface="+mn-cs"/>
               </a:rPr>
-              <a:t>本质上还是基于</a:t>
-            </a:r>
-            <a:r>
-              <a:rPr lang="en-US" altLang="zh-CN" sz="1200" b="0" i="0" kern="1200" dirty="0" smtClean="0">
+              <a:t>执行过程中如果遇到微任务，就将它添加到微任务的任务队列中 </a:t>
+            </a:r>
+            <a:endParaRPr lang="en-US" altLang="zh-CN" sz="1200" kern="1200" dirty="0" smtClean="0">
+              <a:solidFill>
+                <a:schemeClr val="tx1"/>
+              </a:solidFill>
+              <a:latin typeface="+mn-lt"/>
+              <a:ea typeface="+mn-ea"/>
+              <a:cs typeface="+mn-cs"/>
+            </a:endParaRPr>
+          </a:p>
+          <a:p>
+            <a:r>
+              <a:rPr lang="zh-CN" altLang="en-US" sz="1200" kern="1200" dirty="0" smtClean="0">
                 <a:solidFill>
                   <a:schemeClr val="tx1"/>
                 </a:solidFill>
-                <a:effectLst/>
                 <a:latin typeface="+mn-lt"/>
                 <a:ea typeface="+mn-ea"/>
                 <a:cs typeface="+mn-cs"/>
               </a:rPr>
-              <a:t>Promise</a:t>
-            </a:r>
-            <a:r>
-              <a:rPr lang="zh-CN" altLang="en-US" sz="1200" b="0" i="0" kern="1200" dirty="0" smtClean="0">
+              <a:t>宏任务执行完毕后，立即执行当前微任务队列中的所有微任务（依次执行） </a:t>
+            </a:r>
+            <a:endParaRPr lang="en-US" altLang="zh-CN" sz="1200" kern="1200" dirty="0" smtClean="0">
+              <a:solidFill>
+                <a:schemeClr val="tx1"/>
+              </a:solidFill>
+              <a:latin typeface="+mn-lt"/>
+              <a:ea typeface="+mn-ea"/>
+              <a:cs typeface="+mn-cs"/>
+            </a:endParaRPr>
+          </a:p>
+          <a:p>
+            <a:r>
+              <a:rPr lang="zh-CN" altLang="en-US" sz="1200" kern="1200" dirty="0" smtClean="0">
                 <a:solidFill>
                   <a:schemeClr val="tx1"/>
                 </a:solidFill>
-                <a:effectLst/>
                 <a:latin typeface="+mn-lt"/>
                 <a:ea typeface="+mn-ea"/>
                 <a:cs typeface="+mn-cs"/>
               </a:rPr>
-              <a:t>的一些封装，而</a:t>
-            </a:r>
-            <a:r>
-              <a:rPr lang="en-US" altLang="zh-CN" sz="1200" b="0" i="0" kern="1200" dirty="0" smtClean="0">
+              <a:t>当前宏任务执行完毕，开始检查渲染，然后</a:t>
+            </a:r>
+            <a:r>
+              <a:rPr lang="en-US" altLang="zh-CN" sz="1200" kern="1200" dirty="0" smtClean="0">
                 <a:solidFill>
                   <a:schemeClr val="tx1"/>
                 </a:solidFill>
-                <a:effectLst/>
                 <a:latin typeface="+mn-lt"/>
                 <a:ea typeface="+mn-ea"/>
                 <a:cs typeface="+mn-cs"/>
               </a:rPr>
-              <a:t>Promise</a:t>
-            </a:r>
-            <a:r>
-              <a:rPr lang="zh-CN" altLang="en-US" sz="1200" b="0" i="0" kern="1200" dirty="0" smtClean="0">
+              <a:t>GUI</a:t>
+            </a:r>
+            <a:r>
+              <a:rPr lang="zh-CN" altLang="en-US" sz="1200" kern="1200" dirty="0" smtClean="0">
                 <a:solidFill>
                   <a:schemeClr val="tx1"/>
                 </a:solidFill>
-                <a:effectLst/>
                 <a:latin typeface="+mn-lt"/>
                 <a:ea typeface="+mn-ea"/>
                 <a:cs typeface="+mn-cs"/>
               </a:rPr>
-              <a:t>是属于微任务的一种。所以在使用</a:t>
-            </a:r>
-            <a:r>
-              <a:rPr lang="en-US" altLang="zh-CN" sz="1200" b="0" i="0" kern="1200" dirty="0" smtClean="0">
+              <a:t>线程接管渲染 </a:t>
+            </a:r>
+            <a:endParaRPr lang="en-US" altLang="zh-CN" sz="1200" kern="1200" dirty="0" smtClean="0">
+              <a:solidFill>
+                <a:schemeClr val="tx1"/>
+              </a:solidFill>
+              <a:latin typeface="+mn-lt"/>
+              <a:ea typeface="+mn-ea"/>
+              <a:cs typeface="+mn-cs"/>
+            </a:endParaRPr>
+          </a:p>
+          <a:p>
+            <a:r>
+              <a:rPr lang="zh-CN" altLang="en-US" sz="1200" kern="1200" dirty="0" smtClean="0">
                 <a:solidFill>
                   <a:schemeClr val="tx1"/>
                 </a:solidFill>
-                <a:effectLst/>
                 <a:latin typeface="+mn-lt"/>
                 <a:ea typeface="+mn-ea"/>
                 <a:cs typeface="+mn-cs"/>
               </a:rPr>
-              <a:t>await</a:t>
-            </a:r>
-            <a:r>
-              <a:rPr lang="zh-CN" altLang="en-US" sz="1200" b="0" i="0" kern="1200" dirty="0" smtClean="0">
+              <a:t>渲染完毕后，</a:t>
+            </a:r>
+            <a:r>
+              <a:rPr lang="en-US" altLang="zh-CN" sz="1200" kern="1200" dirty="0" smtClean="0">
                 <a:solidFill>
                   <a:schemeClr val="tx1"/>
                 </a:solidFill>
-                <a:effectLst/>
                 <a:latin typeface="+mn-lt"/>
                 <a:ea typeface="+mn-ea"/>
                 <a:cs typeface="+mn-cs"/>
               </a:rPr>
-              <a:t>关键字与</a:t>
-            </a:r>
-            <a:r>
-              <a:rPr lang="en-US" altLang="zh-CN" sz="1200" b="0" i="0" kern="1200" dirty="0" smtClean="0">
+              <a:t>JS</a:t>
+            </a:r>
+            <a:r>
+              <a:rPr lang="zh-CN" altLang="en-US" sz="1200" kern="1200" dirty="0" smtClean="0">
                 <a:solidFill>
                   <a:schemeClr val="tx1"/>
                 </a:solidFill>
-                <a:effectLst/>
                 <a:latin typeface="+mn-lt"/>
                 <a:ea typeface="+mn-ea"/>
                 <a:cs typeface="+mn-cs"/>
               </a:rPr>
-              <a:t>promise.then</a:t>
-            </a:r>
-            <a:r>
-              <a:rPr lang="zh-CN" altLang="en-US" sz="1200" b="0" i="0" kern="1200" dirty="0" smtClean="0">
-                <a:solidFill>
-                  <a:schemeClr val="tx1"/>
-                </a:solidFill>
-                <a:effectLst/>
-                <a:latin typeface="+mn-lt"/>
-                <a:ea typeface="+mn-ea"/>
-                <a:cs typeface="+mn-cs"/>
-              </a:rPr>
-              <a:t>效果相似</a:t>
-            </a:r>
-            <a:endParaRPr lang="en-US" altLang="zh-CN" sz="1200" b="0" i="0" kern="1200" dirty="0" smtClean="0">
-              <a:solidFill>
-                <a:schemeClr val="tx1"/>
-              </a:solidFill>
-              <a:effectLst/>
-              <a:latin typeface="+mn-lt"/>
-              <a:ea typeface="+mn-ea"/>
-              <a:cs typeface="+mn-cs"/>
-            </a:endParaRPr>
-          </a:p>
-          <a:p>
-            <a:r>
-              <a:rPr lang="en-US" altLang="zh-CN" sz="1200" b="1" i="0" kern="1200" dirty="0" smtClean="0">
-                <a:solidFill>
-                  <a:schemeClr val="tx1"/>
-                </a:solidFill>
-                <a:effectLst/>
-                <a:latin typeface="+mn-lt"/>
-                <a:ea typeface="+mn-ea"/>
-                <a:cs typeface="+mn-cs"/>
-              </a:rPr>
-              <a:t>async</a:t>
-            </a:r>
-            <a:r>
-              <a:rPr lang="zh-CN" altLang="en-US" sz="1200" b="1" i="0" kern="1200" dirty="0" smtClean="0">
-                <a:solidFill>
-                  <a:schemeClr val="tx1"/>
-                </a:solidFill>
-                <a:effectLst/>
-                <a:latin typeface="+mn-lt"/>
-                <a:ea typeface="+mn-ea"/>
-                <a:cs typeface="+mn-cs"/>
-              </a:rPr>
-              <a:t>函数在</a:t>
-            </a:r>
-            <a:r>
-              <a:rPr lang="en-US" altLang="zh-CN" sz="1200" b="1" i="0" kern="1200" dirty="0" smtClean="0">
-                <a:solidFill>
-                  <a:schemeClr val="tx1"/>
-                </a:solidFill>
-                <a:effectLst/>
-                <a:latin typeface="+mn-lt"/>
-                <a:ea typeface="+mn-ea"/>
-                <a:cs typeface="+mn-cs"/>
-              </a:rPr>
-              <a:t>await</a:t>
-            </a:r>
-            <a:r>
-              <a:rPr lang="zh-CN" altLang="en-US" sz="1200" b="1" i="0" kern="1200" dirty="0" smtClean="0">
-                <a:solidFill>
-                  <a:schemeClr val="tx1"/>
-                </a:solidFill>
-                <a:effectLst/>
-                <a:latin typeface="+mn-lt"/>
-                <a:ea typeface="+mn-ea"/>
-                <a:cs typeface="+mn-cs"/>
-              </a:rPr>
-              <a:t>之前的代码都是同步执行的，可以理解为</a:t>
-            </a:r>
-            <a:r>
-              <a:rPr lang="en-US" altLang="zh-CN" sz="1200" b="1" i="0" kern="1200" dirty="0" smtClean="0">
-                <a:solidFill>
-                  <a:schemeClr val="tx1"/>
-                </a:solidFill>
-                <a:effectLst/>
-                <a:latin typeface="+mn-lt"/>
-                <a:ea typeface="+mn-ea"/>
-                <a:cs typeface="+mn-cs"/>
-              </a:rPr>
-              <a:t>await</a:t>
-            </a:r>
-            <a:r>
-              <a:rPr lang="zh-CN" altLang="en-US" sz="1200" b="1" i="0" kern="1200" dirty="0" smtClean="0">
-                <a:solidFill>
-                  <a:schemeClr val="tx1"/>
-                </a:solidFill>
-                <a:effectLst/>
-                <a:latin typeface="+mn-lt"/>
-                <a:ea typeface="+mn-ea"/>
-                <a:cs typeface="+mn-cs"/>
-              </a:rPr>
-              <a:t>之前的代码属于</a:t>
-            </a:r>
-            <a:r>
-              <a:rPr lang="en-US" altLang="zh-CN" sz="1200" b="1" i="0" kern="1200" dirty="0" smtClean="0">
-                <a:solidFill>
-                  <a:schemeClr val="tx1"/>
-                </a:solidFill>
-                <a:effectLst/>
-                <a:latin typeface="+mn-lt"/>
-                <a:ea typeface="+mn-ea"/>
-                <a:cs typeface="+mn-cs"/>
-              </a:rPr>
-              <a:t>new promise</a:t>
-            </a:r>
-            <a:r>
-              <a:rPr lang="zh-CN" altLang="en-US" sz="1200" b="1" i="0" kern="1200" dirty="0" smtClean="0">
-                <a:solidFill>
-                  <a:schemeClr val="tx1"/>
-                </a:solidFill>
-                <a:effectLst/>
-                <a:latin typeface="+mn-lt"/>
-                <a:ea typeface="+mn-ea"/>
-                <a:cs typeface="+mn-cs"/>
-              </a:rPr>
-              <a:t>时传入的代码，</a:t>
-            </a:r>
-            <a:r>
-              <a:rPr lang="en-US" altLang="zh-CN" sz="1200" b="1" i="0" kern="1200" dirty="0" smtClean="0">
-                <a:solidFill>
-                  <a:schemeClr val="tx1"/>
-                </a:solidFill>
-                <a:effectLst/>
-                <a:latin typeface="+mn-lt"/>
-                <a:ea typeface="+mn-ea"/>
-                <a:cs typeface="+mn-cs"/>
-              </a:rPr>
-              <a:t>await</a:t>
-            </a:r>
-            <a:r>
-              <a:rPr lang="zh-CN" altLang="en-US" sz="1200" b="1" i="0" kern="1200" dirty="0" smtClean="0">
-                <a:solidFill>
-                  <a:schemeClr val="tx1"/>
-                </a:solidFill>
-                <a:effectLst/>
-                <a:latin typeface="+mn-lt"/>
-                <a:ea typeface="+mn-ea"/>
-                <a:cs typeface="+mn-cs"/>
-              </a:rPr>
-              <a:t>之后的所有代码都是在</a:t>
-            </a:r>
-            <a:r>
-              <a:rPr lang="en-US" altLang="zh-CN" sz="1200" b="0" i="0" kern="1200" dirty="0" smtClean="0">
-                <a:solidFill>
-                  <a:schemeClr val="tx1"/>
-                </a:solidFill>
-                <a:effectLst/>
-                <a:latin typeface="+mn-lt"/>
-                <a:ea typeface="+mn-ea"/>
-                <a:cs typeface="+mn-cs"/>
-              </a:rPr>
-              <a:t>promise.then</a:t>
-            </a:r>
-            <a:r>
-              <a:rPr lang="zh-CN" altLang="en-US" sz="1200" b="0" i="0" kern="1200" dirty="0" smtClean="0">
-                <a:solidFill>
-                  <a:schemeClr val="tx1"/>
-                </a:solidFill>
-                <a:effectLst/>
-                <a:latin typeface="+mn-lt"/>
-                <a:ea typeface="+mn-ea"/>
-                <a:cs typeface="+mn-cs"/>
-              </a:rPr>
-              <a:t>中的回调</a:t>
+              <a:t>线程继续接管，开始下一个宏任务（从事件队列中获取）</a:t>
             </a:r>
             <a:endParaRPr lang="zh-CN" altLang="en-US" dirty="0"/>
           </a:p>
@@ -2769,18 +2724,12 @@
           <a:p>
             <a:fld id="{D1DD8FD0-34C5-4A18-AD3F-D0459C10590A}" type="slidenum">
               <a:rPr lang="zh-CN" altLang="en-US" smtClean="0"/>
-              <a:t>15</a:t>
             </a:fld>
             <a:endParaRPr lang="zh-CN" altLang="en-US"/>
           </a:p>
         </p:txBody>
       </p:sp>
     </p:spTree>
-    <p:extLst>
-      <p:ext uri="{BB962C8B-B14F-4D97-AF65-F5344CB8AC3E}">
-        <p14:creationId xmlns:p14="http://schemas.microsoft.com/office/powerpoint/2010/main" val="3679308542"/>
-      </p:ext>
-    </p:extLst>
   </p:cSld>
   <p:clrMapOvr>
     <a:masterClrMapping/>
@@ -2832,6 +2781,281 @@
           <a:bodyPr/>
           <a:lstStyle/>
           <a:p>
+            <a:r>
+              <a:rPr lang="en-US" altLang="zh-CN" sz="1200" b="0" i="0" kern="1200" dirty="0" smtClean="0">
+                <a:solidFill>
+                  <a:schemeClr val="tx1"/>
+                </a:solidFill>
+                <a:effectLst/>
+                <a:latin typeface="+mn-lt"/>
+                <a:ea typeface="+mn-ea"/>
+                <a:cs typeface="+mn-cs"/>
+              </a:rPr>
+              <a:t>Async/await</a:t>
+            </a:r>
+            <a:r>
+              <a:rPr lang="zh-CN" altLang="en-US" sz="1200" b="0" i="0" kern="1200" dirty="0" smtClean="0">
+                <a:solidFill>
+                  <a:schemeClr val="tx1"/>
+                </a:solidFill>
+                <a:effectLst/>
+                <a:latin typeface="+mn-lt"/>
+                <a:ea typeface="+mn-ea"/>
+                <a:cs typeface="+mn-cs"/>
+              </a:rPr>
+              <a:t>本质上还是基于</a:t>
+            </a:r>
+            <a:r>
+              <a:rPr lang="en-US" altLang="zh-CN" sz="1200" b="0" i="0" kern="1200" dirty="0" smtClean="0">
+                <a:solidFill>
+                  <a:schemeClr val="tx1"/>
+                </a:solidFill>
+                <a:effectLst/>
+                <a:latin typeface="+mn-lt"/>
+                <a:ea typeface="+mn-ea"/>
+                <a:cs typeface="+mn-cs"/>
+              </a:rPr>
+              <a:t>Promise</a:t>
+            </a:r>
+            <a:r>
+              <a:rPr lang="zh-CN" altLang="en-US" sz="1200" b="0" i="0" kern="1200" dirty="0" smtClean="0">
+                <a:solidFill>
+                  <a:schemeClr val="tx1"/>
+                </a:solidFill>
+                <a:effectLst/>
+                <a:latin typeface="+mn-lt"/>
+                <a:ea typeface="+mn-ea"/>
+                <a:cs typeface="+mn-cs"/>
+              </a:rPr>
+              <a:t>的一些封装，而</a:t>
+            </a:r>
+            <a:r>
+              <a:rPr lang="en-US" altLang="zh-CN" sz="1200" b="0" i="0" kern="1200" dirty="0" smtClean="0">
+                <a:solidFill>
+                  <a:schemeClr val="tx1"/>
+                </a:solidFill>
+                <a:effectLst/>
+                <a:latin typeface="+mn-lt"/>
+                <a:ea typeface="+mn-ea"/>
+                <a:cs typeface="+mn-cs"/>
+              </a:rPr>
+              <a:t>Promise</a:t>
+            </a:r>
+            <a:r>
+              <a:rPr lang="zh-CN" altLang="en-US" sz="1200" b="0" i="0" kern="1200" dirty="0" smtClean="0">
+                <a:solidFill>
+                  <a:schemeClr val="tx1"/>
+                </a:solidFill>
+                <a:effectLst/>
+                <a:latin typeface="+mn-lt"/>
+                <a:ea typeface="+mn-ea"/>
+                <a:cs typeface="+mn-cs"/>
+              </a:rPr>
+              <a:t>是属于微任务的一种。所以在使用</a:t>
+            </a:r>
+            <a:r>
+              <a:rPr lang="en-US" altLang="zh-CN" sz="1200" b="0" i="0" kern="1200" dirty="0" smtClean="0">
+                <a:solidFill>
+                  <a:schemeClr val="tx1"/>
+                </a:solidFill>
+                <a:effectLst/>
+                <a:latin typeface="+mn-lt"/>
+                <a:ea typeface="+mn-ea"/>
+                <a:cs typeface="+mn-cs"/>
+              </a:rPr>
+              <a:t>await</a:t>
+            </a:r>
+            <a:r>
+              <a:rPr lang="zh-CN" altLang="en-US" sz="1200" b="0" i="0" kern="1200" dirty="0" smtClean="0">
+                <a:solidFill>
+                  <a:schemeClr val="tx1"/>
+                </a:solidFill>
+                <a:effectLst/>
+                <a:latin typeface="+mn-lt"/>
+                <a:ea typeface="+mn-ea"/>
+                <a:cs typeface="+mn-cs"/>
+              </a:rPr>
+              <a:t>关键字与</a:t>
+            </a:r>
+            <a:r>
+              <a:rPr lang="en-US" altLang="zh-CN" sz="1200" b="0" i="0" kern="1200" dirty="0" smtClean="0">
+                <a:solidFill>
+                  <a:schemeClr val="tx1"/>
+                </a:solidFill>
+                <a:effectLst/>
+                <a:latin typeface="+mn-lt"/>
+                <a:ea typeface="+mn-ea"/>
+                <a:cs typeface="+mn-cs"/>
+              </a:rPr>
+              <a:t>promise.then</a:t>
+            </a:r>
+            <a:r>
+              <a:rPr lang="zh-CN" altLang="en-US" sz="1200" b="0" i="0" kern="1200" dirty="0" smtClean="0">
+                <a:solidFill>
+                  <a:schemeClr val="tx1"/>
+                </a:solidFill>
+                <a:effectLst/>
+                <a:latin typeface="+mn-lt"/>
+                <a:ea typeface="+mn-ea"/>
+                <a:cs typeface="+mn-cs"/>
+              </a:rPr>
+              <a:t>效果相似</a:t>
+            </a:r>
+            <a:endParaRPr lang="en-US" altLang="zh-CN" sz="1200" b="0" i="0" kern="1200" dirty="0" smtClean="0">
+              <a:solidFill>
+                <a:schemeClr val="tx1"/>
+              </a:solidFill>
+              <a:effectLst/>
+              <a:latin typeface="+mn-lt"/>
+              <a:ea typeface="+mn-ea"/>
+              <a:cs typeface="+mn-cs"/>
+            </a:endParaRPr>
+          </a:p>
+          <a:p>
+            <a:r>
+              <a:rPr lang="en-US" altLang="zh-CN" sz="1200" b="1" i="0" kern="1200" dirty="0" smtClean="0">
+                <a:solidFill>
+                  <a:schemeClr val="tx1"/>
+                </a:solidFill>
+                <a:effectLst/>
+                <a:latin typeface="+mn-lt"/>
+                <a:ea typeface="+mn-ea"/>
+                <a:cs typeface="+mn-cs"/>
+              </a:rPr>
+              <a:t>async</a:t>
+            </a:r>
+            <a:r>
+              <a:rPr lang="zh-CN" altLang="en-US" sz="1200" b="1" i="0" kern="1200" dirty="0" smtClean="0">
+                <a:solidFill>
+                  <a:schemeClr val="tx1"/>
+                </a:solidFill>
+                <a:effectLst/>
+                <a:latin typeface="+mn-lt"/>
+                <a:ea typeface="+mn-ea"/>
+                <a:cs typeface="+mn-cs"/>
+              </a:rPr>
+              <a:t>函数在</a:t>
+            </a:r>
+            <a:r>
+              <a:rPr lang="en-US" altLang="zh-CN" sz="1200" b="1" i="0" kern="1200" dirty="0" smtClean="0">
+                <a:solidFill>
+                  <a:schemeClr val="tx1"/>
+                </a:solidFill>
+                <a:effectLst/>
+                <a:latin typeface="+mn-lt"/>
+                <a:ea typeface="+mn-ea"/>
+                <a:cs typeface="+mn-cs"/>
+              </a:rPr>
+              <a:t>await</a:t>
+            </a:r>
+            <a:r>
+              <a:rPr lang="zh-CN" altLang="en-US" sz="1200" b="1" i="0" kern="1200" dirty="0" smtClean="0">
+                <a:solidFill>
+                  <a:schemeClr val="tx1"/>
+                </a:solidFill>
+                <a:effectLst/>
+                <a:latin typeface="+mn-lt"/>
+                <a:ea typeface="+mn-ea"/>
+                <a:cs typeface="+mn-cs"/>
+              </a:rPr>
+              <a:t>之前的代码都是同步执行的，可以理解为</a:t>
+            </a:r>
+            <a:r>
+              <a:rPr lang="en-US" altLang="zh-CN" sz="1200" b="1" i="0" kern="1200" dirty="0" smtClean="0">
+                <a:solidFill>
+                  <a:schemeClr val="tx1"/>
+                </a:solidFill>
+                <a:effectLst/>
+                <a:latin typeface="+mn-lt"/>
+                <a:ea typeface="+mn-ea"/>
+                <a:cs typeface="+mn-cs"/>
+              </a:rPr>
+              <a:t>await</a:t>
+            </a:r>
+            <a:r>
+              <a:rPr lang="zh-CN" altLang="en-US" sz="1200" b="1" i="0" kern="1200" dirty="0" smtClean="0">
+                <a:solidFill>
+                  <a:schemeClr val="tx1"/>
+                </a:solidFill>
+                <a:effectLst/>
+                <a:latin typeface="+mn-lt"/>
+                <a:ea typeface="+mn-ea"/>
+                <a:cs typeface="+mn-cs"/>
+              </a:rPr>
+              <a:t>之前的代码属于</a:t>
+            </a:r>
+            <a:r>
+              <a:rPr lang="en-US" altLang="zh-CN" sz="1200" b="1" i="0" kern="1200" dirty="0" smtClean="0">
+                <a:solidFill>
+                  <a:schemeClr val="tx1"/>
+                </a:solidFill>
+                <a:effectLst/>
+                <a:latin typeface="+mn-lt"/>
+                <a:ea typeface="+mn-ea"/>
+                <a:cs typeface="+mn-cs"/>
+              </a:rPr>
+              <a:t>new promise</a:t>
+            </a:r>
+            <a:r>
+              <a:rPr lang="zh-CN" altLang="en-US" sz="1200" b="1" i="0" kern="1200" dirty="0" smtClean="0">
+                <a:solidFill>
+                  <a:schemeClr val="tx1"/>
+                </a:solidFill>
+                <a:effectLst/>
+                <a:latin typeface="+mn-lt"/>
+                <a:ea typeface="+mn-ea"/>
+                <a:cs typeface="+mn-cs"/>
+              </a:rPr>
+              <a:t>时传入的代码，</a:t>
+            </a:r>
+            <a:r>
+              <a:rPr lang="en-US" altLang="zh-CN" sz="1200" b="1" i="0" kern="1200" dirty="0" smtClean="0">
+                <a:solidFill>
+                  <a:schemeClr val="tx1"/>
+                </a:solidFill>
+                <a:effectLst/>
+                <a:latin typeface="+mn-lt"/>
+                <a:ea typeface="+mn-ea"/>
+                <a:cs typeface="+mn-cs"/>
+              </a:rPr>
+              <a:t>await</a:t>
+            </a:r>
+            <a:r>
+              <a:rPr lang="zh-CN" altLang="en-US" sz="1200" b="1" i="0" kern="1200" dirty="0" smtClean="0">
+                <a:solidFill>
+                  <a:schemeClr val="tx1"/>
+                </a:solidFill>
+                <a:effectLst/>
+                <a:latin typeface="+mn-lt"/>
+                <a:ea typeface="+mn-ea"/>
+                <a:cs typeface="+mn-cs"/>
+              </a:rPr>
+              <a:t>之后的所有代码都是在</a:t>
+            </a:r>
+            <a:r>
+              <a:rPr lang="en-US" altLang="zh-CN" sz="1200" b="0" i="0" kern="1200" dirty="0" smtClean="0">
+                <a:solidFill>
+                  <a:schemeClr val="tx1"/>
+                </a:solidFill>
+                <a:effectLst/>
+                <a:latin typeface="+mn-lt"/>
+                <a:ea typeface="+mn-ea"/>
+                <a:cs typeface="+mn-cs"/>
+              </a:rPr>
+              <a:t>promise.then</a:t>
+            </a:r>
+            <a:r>
+              <a:rPr lang="zh-CN" altLang="en-US" sz="1200" b="0" i="0" kern="1200" dirty="0" smtClean="0">
+                <a:solidFill>
+                  <a:schemeClr val="tx1"/>
+                </a:solidFill>
+                <a:effectLst/>
+                <a:latin typeface="+mn-lt"/>
+                <a:ea typeface="+mn-ea"/>
+                <a:cs typeface="+mn-cs"/>
+              </a:rPr>
+              <a:t>中的回调</a:t>
+            </a:r>
             <a:endParaRPr lang="zh-CN" altLang="en-US" dirty="0"/>
           </a:p>
         </p:txBody>
@@ -2853,18 +3077,12 @@
           <a:p>
             <a:fld id="{D1DD8FD0-34C5-4A18-AD3F-D0459C10590A}" type="slidenum">
               <a:rPr lang="zh-CN" altLang="en-US" smtClean="0"/>
-              <a:t>16</a:t>
             </a:fld>
             <a:endParaRPr lang="zh-CN" altLang="en-US"/>
           </a:p>
         </p:txBody>
       </p:sp>
     </p:spTree>
-    <p:extLst>
-      <p:ext uri="{BB962C8B-B14F-4D97-AF65-F5344CB8AC3E}">
-        <p14:creationId xmlns:p14="http://schemas.microsoft.com/office/powerpoint/2010/main" val="3711133161"/>
-      </p:ext>
-    </p:extLst>
   </p:cSld>
   <p:clrMapOvr>
     <a:masterClrMapping/>
@@ -3003,7 +3221,6 @@
           <a:p>
             <a:fld id="{84DF5964-A30F-497B-92EC-23C803A9D73F}" type="datetimeFigureOut">
               <a:rPr lang="zh-CN" altLang="en-US" smtClean="0"/>
-              <a:t>2019/12/27</a:t>
             </a:fld>
             <a:endParaRPr lang="zh-CN" altLang="en-US"/>
           </a:p>
@@ -3045,7 +3262,6 @@
           <a:p>
             <a:fld id="{E821DDFF-E586-42CF-9B46-DA71C53CF424}" type="slidenum">
               <a:rPr lang="zh-CN" altLang="en-US" smtClean="0"/>
-              <a:t>‹#›</a:t>
             </a:fld>
             <a:endParaRPr lang="zh-CN" altLang="en-US"/>
           </a:p>
@@ -3056,13 +3272,13 @@
   <p:clrMapOvr>
     <a:masterClrMapping/>
   </p:clrMapOvr>
-  <mc:AlternateContent xmlns:mc="http://schemas.openxmlformats.org/markup-compatibility/2006" xmlns:p14="http://schemas.microsoft.com/office/powerpoint/2010/main">
-    <mc:Choice Requires="p14">
+  <mc:AlternateContent xmlns:mc="http://schemas.openxmlformats.org/markup-compatibility/2006">
+    <mc:Choice xmlns:p14="http://schemas.microsoft.com/office/powerpoint/2010/main" Requires="p14">
       <p:transition spd="slow" p14:dur="899">
         <p:wipe/>
       </p:transition>
     </mc:Choice>
-    <mc:Fallback xmlns="">
+    <mc:Fallback>
       <p:transition spd="slow">
         <p:wipe/>
       </p:transition>
@@ -3131,6 +3347,7 @@
               <a:rPr lang="zh-CN" altLang="en-US" smtClean="0"/>
               <a:t>单击此处编辑母版文本样式</a:t>
             </a:r>
+            <a:endParaRPr lang="zh-CN" altLang="en-US" smtClean="0"/>
           </a:p>
           <a:p>
             <a:pPr lvl="1"/>
@@ -3138,6 +3355,7 @@
               <a:rPr lang="zh-CN" altLang="en-US" smtClean="0"/>
               <a:t>第二级</a:t>
             </a:r>
+            <a:endParaRPr lang="zh-CN" altLang="en-US" smtClean="0"/>
           </a:p>
           <a:p>
             <a:pPr lvl="2"/>
@@ -3145,6 +3363,7 @@
               <a:rPr lang="zh-CN" altLang="en-US" smtClean="0"/>
               <a:t>第三级</a:t>
             </a:r>
+            <a:endParaRPr lang="zh-CN" altLang="en-US" smtClean="0"/>
           </a:p>
           <a:p>
             <a:pPr lvl="3"/>
@@ -3152,6 +3371,7 @@
               <a:rPr lang="zh-CN" altLang="en-US" smtClean="0"/>
               <a:t>第四级</a:t>
             </a:r>
+            <a:endParaRPr lang="zh-CN" altLang="en-US" smtClean="0"/>
           </a:p>
           <a:p>
             <a:pPr lvl="4"/>
@@ -3180,7 +3400,6 @@
           <a:p>
             <a:fld id="{84DF5964-A30F-497B-92EC-23C803A9D73F}" type="datetimeFigureOut">
               <a:rPr lang="zh-CN" altLang="en-US" smtClean="0"/>
-              <a:t>2019/12/27</a:t>
             </a:fld>
             <a:endParaRPr lang="zh-CN" altLang="en-US"/>
           </a:p>
@@ -3222,7 +3441,6 @@
           <a:p>
             <a:fld id="{E821DDFF-E586-42CF-9B46-DA71C53CF424}" type="slidenum">
               <a:rPr lang="zh-CN" altLang="en-US" smtClean="0"/>
-              <a:t>‹#›</a:t>
             </a:fld>
             <a:endParaRPr lang="zh-CN" altLang="en-US"/>
           </a:p>
@@ -3233,13 +3451,13 @@
   <p:clrMapOvr>
     <a:masterClrMapping/>
   </p:clrMapOvr>
-  <mc:AlternateContent xmlns:mc="http://schemas.openxmlformats.org/markup-compatibility/2006" xmlns:p14="http://schemas.microsoft.com/office/powerpoint/2010/main">
-    <mc:Choice Requires="p14">
+  <mc:AlternateContent xmlns:mc="http://schemas.openxmlformats.org/markup-compatibility/2006">
+    <mc:Choice xmlns:p14="http://schemas.microsoft.com/office/powerpoint/2010/main" Requires="p14">
       <p:transition spd="slow" p14:dur="899">
         <p:wipe/>
       </p:transition>
     </mc:Choice>
-    <mc:Fallback xmlns="">
+    <mc:Fallback>
       <p:transition spd="slow">
         <p:wipe/>
       </p:transition>
@@ -3318,6 +3536,7 @@
               <a:rPr lang="zh-CN" altLang="en-US" smtClean="0"/>
               <a:t>单击此处编辑母版文本样式</a:t>
             </a:r>
+            <a:endParaRPr lang="zh-CN" altLang="en-US" smtClean="0"/>
           </a:p>
           <a:p>
             <a:pPr lvl="1"/>
@@ -3325,6 +3544,7 @@
               <a:rPr lang="zh-CN" altLang="en-US" smtClean="0"/>
               <a:t>第二级</a:t>
             </a:r>
+            <a:endParaRPr lang="zh-CN" altLang="en-US" smtClean="0"/>
           </a:p>
           <a:p>
             <a:pPr lvl="2"/>
@@ -3332,6 +3552,7 @@
               <a:rPr lang="zh-CN" altLang="en-US" smtClean="0"/>
               <a:t>第三级</a:t>
             </a:r>
+            <a:endParaRPr lang="zh-CN" altLang="en-US" smtClean="0"/>
           </a:p>
           <a:p>
             <a:pPr lvl="3"/>
@@ -3339,6 +3560,7 @@
               <a:rPr lang="zh-CN" altLang="en-US" smtClean="0"/>
               <a:t>第四级</a:t>
             </a:r>
+            <a:endParaRPr lang="zh-CN" altLang="en-US" smtClean="0"/>
           </a:p>
           <a:p>
             <a:pPr lvl="4"/>
@@ -3367,7 +3589,6 @@
           <a:p>
             <a:fld id="{84DF5964-A30F-497B-92EC-23C803A9D73F}" type="datetimeFigureOut">
               <a:rPr lang="zh-CN" altLang="en-US" smtClean="0"/>
-              <a:t>2019/12/27</a:t>
             </a:fld>
             <a:endParaRPr lang="zh-CN" altLang="en-US"/>
           </a:p>
@@ -3409,7 +3630,6 @@
           <a:p>
             <a:fld id="{E821DDFF-E586-42CF-9B46-DA71C53CF424}" type="slidenum">
               <a:rPr lang="zh-CN" altLang="en-US" smtClean="0"/>
-              <a:t>‹#›</a:t>
             </a:fld>
             <a:endParaRPr lang="zh-CN" altLang="en-US"/>
           </a:p>
@@ -3420,13 +3640,13 @@
   <p:clrMapOvr>
     <a:masterClrMapping/>
   </p:clrMapOvr>
-  <mc:AlternateContent xmlns:mc="http://schemas.openxmlformats.org/markup-compatibility/2006" xmlns:p14="http://schemas.microsoft.com/office/powerpoint/2010/main">
-    <mc:Choice Requires="p14">
+  <mc:AlternateContent xmlns:mc="http://schemas.openxmlformats.org/markup-compatibility/2006">
+    <mc:Choice xmlns:p14="http://schemas.microsoft.com/office/powerpoint/2010/main" Requires="p14">
       <p:transition spd="slow" p14:dur="899">
         <p:wipe/>
       </p:transition>
     </mc:Choice>
-    <mc:Fallback xmlns="">
+    <mc:Fallback>
       <p:transition spd="slow">
         <p:wipe/>
       </p:transition>
@@ -3495,6 +3715,7 @@
               <a:rPr lang="zh-CN" altLang="en-US" smtClean="0"/>
               <a:t>单击此处编辑母版文本样式</a:t>
             </a:r>
+            <a:endParaRPr lang="zh-CN" altLang="en-US" smtClean="0"/>
           </a:p>
           <a:p>
             <a:pPr lvl="1"/>
@@ -3502,6 +3723,7 @@
               <a:rPr lang="zh-CN" altLang="en-US" smtClean="0"/>
               <a:t>第二级</a:t>
             </a:r>
+            <a:endParaRPr lang="zh-CN" altLang="en-US" smtClean="0"/>
           </a:p>
           <a:p>
             <a:pPr lvl="2"/>
@@ -3509,6 +3731,7 @@
               <a:rPr lang="zh-CN" altLang="en-US" smtClean="0"/>
               <a:t>第三级</a:t>
             </a:r>
+            <a:endParaRPr lang="zh-CN" altLang="en-US" smtClean="0"/>
           </a:p>
           <a:p>
             <a:pPr lvl="3"/>
@@ -3516,6 +3739,7 @@
               <a:rPr lang="zh-CN" altLang="en-US" smtClean="0"/>
               <a:t>第四级</a:t>
             </a:r>
+            <a:endParaRPr lang="zh-CN" altLang="en-US" smtClean="0"/>
           </a:p>
           <a:p>
             <a:pPr lvl="4"/>
@@ -3544,7 +3768,6 @@
           <a:p>
             <a:fld id="{84DF5964-A30F-497B-92EC-23C803A9D73F}" type="datetimeFigureOut">
               <a:rPr lang="zh-CN" altLang="en-US" smtClean="0"/>
-              <a:t>2019/12/27</a:t>
             </a:fld>
             <a:endParaRPr lang="zh-CN" altLang="en-US"/>
           </a:p>
@@ -3586,7 +3809,6 @@
           <a:p>
             <a:fld id="{E821DDFF-E586-42CF-9B46-DA71C53CF424}" type="slidenum">
               <a:rPr lang="zh-CN" altLang="en-US" smtClean="0"/>
-              <a:t>‹#›</a:t>
             </a:fld>
             <a:endParaRPr lang="zh-CN" altLang="en-US"/>
           </a:p>
@@ -3597,13 +3819,13 @@
   <p:clrMapOvr>
     <a:masterClrMapping/>
   </p:clrMapOvr>
-  <mc:AlternateContent xmlns:mc="http://schemas.openxmlformats.org/markup-compatibility/2006" xmlns:p14="http://schemas.microsoft.com/office/powerpoint/2010/main">
-    <mc:Choice Requires="p14">
+  <mc:AlternateContent xmlns:mc="http://schemas.openxmlformats.org/markup-compatibility/2006">
+    <mc:Choice xmlns:p14="http://schemas.microsoft.com/office/powerpoint/2010/main" Requires="p14">
       <p:transition spd="slow" p14:dur="899">
         <p:wipe/>
       </p:transition>
     </mc:Choice>
-    <mc:Fallback xmlns="">
+    <mc:Fallback>
       <p:transition spd="slow">
         <p:wipe/>
       </p:transition>
@@ -3777,6 +3999,7 @@
               <a:rPr lang="zh-CN" altLang="en-US" smtClean="0"/>
               <a:t>单击此处编辑母版文本样式</a:t>
             </a:r>
+            <a:endParaRPr lang="zh-CN" altLang="en-US" smtClean="0"/>
           </a:p>
         </p:txBody>
       </p:sp>
@@ -3797,7 +4020,6 @@
           <a:p>
             <a:fld id="{84DF5964-A30F-497B-92EC-23C803A9D73F}" type="datetimeFigureOut">
               <a:rPr lang="zh-CN" altLang="en-US" smtClean="0"/>
-              <a:t>2019/12/27</a:t>
             </a:fld>
             <a:endParaRPr lang="zh-CN" altLang="en-US"/>
           </a:p>
@@ -3839,7 +4061,6 @@
           <a:p>
             <a:fld id="{E821DDFF-E586-42CF-9B46-DA71C53CF424}" type="slidenum">
               <a:rPr lang="zh-CN" altLang="en-US" smtClean="0"/>
-              <a:t>‹#›</a:t>
             </a:fld>
             <a:endParaRPr lang="zh-CN" altLang="en-US"/>
           </a:p>
@@ -3850,13 +4071,13 @@
   <p:clrMapOvr>
     <a:masterClrMapping/>
   </p:clrMapOvr>
-  <mc:AlternateContent xmlns:mc="http://schemas.openxmlformats.org/markup-compatibility/2006" xmlns:p14="http://schemas.microsoft.com/office/powerpoint/2010/main">
-    <mc:Choice Requires="p14">
+  <mc:AlternateContent xmlns:mc="http://schemas.openxmlformats.org/markup-compatibility/2006">
+    <mc:Choice xmlns:p14="http://schemas.microsoft.com/office/powerpoint/2010/main" Requires="p14">
       <p:transition spd="slow" p14:dur="899">
         <p:wipe/>
       </p:transition>
     </mc:Choice>
-    <mc:Fallback xmlns="">
+    <mc:Fallback>
       <p:transition spd="slow">
         <p:wipe/>
       </p:transition>
@@ -3930,6 +4151,7 @@
               <a:rPr lang="zh-CN" altLang="en-US" smtClean="0"/>
               <a:t>单击此处编辑母版文本样式</a:t>
             </a:r>
+            <a:endParaRPr lang="zh-CN" altLang="en-US" smtClean="0"/>
           </a:p>
           <a:p>
             <a:pPr lvl="1"/>
@@ -3937,6 +4159,7 @@
               <a:rPr lang="zh-CN" altLang="en-US" smtClean="0"/>
               <a:t>第二级</a:t>
             </a:r>
+            <a:endParaRPr lang="zh-CN" altLang="en-US" smtClean="0"/>
           </a:p>
           <a:p>
             <a:pPr lvl="2"/>
@@ -3944,6 +4167,7 @@
               <a:rPr lang="zh-CN" altLang="en-US" smtClean="0"/>
               <a:t>第三级</a:t>
             </a:r>
+            <a:endParaRPr lang="zh-CN" altLang="en-US" smtClean="0"/>
           </a:p>
           <a:p>
             <a:pPr lvl="3"/>
@@ -3951,6 +4175,7 @@
               <a:rPr lang="zh-CN" altLang="en-US" smtClean="0"/>
               <a:t>第四级</a:t>
             </a:r>
+            <a:endParaRPr lang="zh-CN" altLang="en-US" smtClean="0"/>
           </a:p>
           <a:p>
             <a:pPr lvl="4"/>
@@ -3987,6 +4212,7 @@
               <a:rPr lang="zh-CN" altLang="en-US" smtClean="0"/>
               <a:t>单击此处编辑母版文本样式</a:t>
             </a:r>
+            <a:endParaRPr lang="zh-CN" altLang="en-US" smtClean="0"/>
           </a:p>
           <a:p>
             <a:pPr lvl="1"/>
@@ -3994,6 +4220,7 @@
               <a:rPr lang="zh-CN" altLang="en-US" smtClean="0"/>
               <a:t>第二级</a:t>
             </a:r>
+            <a:endParaRPr lang="zh-CN" altLang="en-US" smtClean="0"/>
           </a:p>
           <a:p>
             <a:pPr lvl="2"/>
@@ -4001,6 +4228,7 @@
               <a:rPr lang="zh-CN" altLang="en-US" smtClean="0"/>
               <a:t>第三级</a:t>
             </a:r>
+            <a:endParaRPr lang="zh-CN" altLang="en-US" smtClean="0"/>
           </a:p>
           <a:p>
             <a:pPr lvl="3"/>
@@ -4008,6 +4236,7 @@
               <a:rPr lang="zh-CN" altLang="en-US" smtClean="0"/>
               <a:t>第四级</a:t>
             </a:r>
+            <a:endParaRPr lang="zh-CN" altLang="en-US" smtClean="0"/>
           </a:p>
           <a:p>
             <a:pPr lvl="4"/>
@@ -4036,7 +4265,6 @@
           <a:p>
             <a:fld id="{84DF5964-A30F-497B-92EC-23C803A9D73F}" type="datetimeFigureOut">
               <a:rPr lang="zh-CN" altLang="en-US" smtClean="0"/>
-              <a:t>2019/12/27</a:t>
             </a:fld>
             <a:endParaRPr lang="zh-CN" altLang="en-US"/>
           </a:p>
@@ -4078,7 +4306,6 @@
           <a:p>
             <a:fld id="{E821DDFF-E586-42CF-9B46-DA71C53CF424}" type="slidenum">
               <a:rPr lang="zh-CN" altLang="en-US" smtClean="0"/>
-              <a:t>‹#›</a:t>
             </a:fld>
             <a:endParaRPr lang="zh-CN" altLang="en-US"/>
           </a:p>
@@ -4089,13 +4316,13 @@
   <p:clrMapOvr>
     <a:masterClrMapping/>
   </p:clrMapOvr>
-  <mc:AlternateContent xmlns:mc="http://schemas.openxmlformats.org/markup-compatibility/2006" xmlns:p14="http://schemas.microsoft.com/office/powerpoint/2010/main">
-    <mc:Choice Requires="p14">
+  <mc:AlternateContent xmlns:mc="http://schemas.openxmlformats.org/markup-compatibility/2006">
+    <mc:Choice xmlns:p14="http://schemas.microsoft.com/office/powerpoint/2010/main" Requires="p14">
       <p:transition spd="slow" p14:dur="899">
         <p:wipe/>
       </p:transition>
     </mc:Choice>
-    <mc:Fallback xmlns="">
+    <mc:Fallback>
       <p:transition spd="slow">
         <p:wipe/>
       </p:transition>
@@ -4211,6 +4438,7 @@
               <a:rPr lang="zh-CN" altLang="en-US" smtClean="0"/>
               <a:t>单击此处编辑母版文本样式</a:t>
             </a:r>
+            <a:endParaRPr lang="zh-CN" altLang="en-US" smtClean="0"/>
           </a:p>
         </p:txBody>
       </p:sp>
@@ -4239,6 +4467,7 @@
               <a:rPr lang="zh-CN" altLang="en-US" smtClean="0"/>
               <a:t>单击此处编辑母版文本样式</a:t>
             </a:r>
+            <a:endParaRPr lang="zh-CN" altLang="en-US" smtClean="0"/>
           </a:p>
           <a:p>
             <a:pPr lvl="1"/>
@@ -4246,6 +4475,7 @@
               <a:rPr lang="zh-CN" altLang="en-US" smtClean="0"/>
               <a:t>第二级</a:t>
             </a:r>
+            <a:endParaRPr lang="zh-CN" altLang="en-US" smtClean="0"/>
           </a:p>
           <a:p>
             <a:pPr lvl="2"/>
@@ -4253,6 +4483,7 @@
               <a:rPr lang="zh-CN" altLang="en-US" smtClean="0"/>
               <a:t>第三级</a:t>
             </a:r>
+            <a:endParaRPr lang="zh-CN" altLang="en-US" smtClean="0"/>
           </a:p>
           <a:p>
             <a:pPr lvl="3"/>
@@ -4260,6 +4491,7 @@
               <a:rPr lang="zh-CN" altLang="en-US" smtClean="0"/>
               <a:t>第四级</a:t>
             </a:r>
+            <a:endParaRPr lang="zh-CN" altLang="en-US" smtClean="0"/>
           </a:p>
           <a:p>
             <a:pPr lvl="4"/>
@@ -4333,6 +4565,7 @@
               <a:rPr lang="zh-CN" altLang="en-US" smtClean="0"/>
               <a:t>单击此处编辑母版文本样式</a:t>
             </a:r>
+            <a:endParaRPr lang="zh-CN" altLang="en-US" smtClean="0"/>
           </a:p>
         </p:txBody>
       </p:sp>
@@ -4361,6 +4594,7 @@
               <a:rPr lang="zh-CN" altLang="en-US" smtClean="0"/>
               <a:t>单击此处编辑母版文本样式</a:t>
             </a:r>
+            <a:endParaRPr lang="zh-CN" altLang="en-US" smtClean="0"/>
           </a:p>
           <a:p>
             <a:pPr lvl="1"/>
@@ -4368,6 +4602,7 @@
               <a:rPr lang="zh-CN" altLang="en-US" smtClean="0"/>
               <a:t>第二级</a:t>
             </a:r>
+            <a:endParaRPr lang="zh-CN" altLang="en-US" smtClean="0"/>
           </a:p>
           <a:p>
             <a:pPr lvl="2"/>
@@ -4375,6 +4610,7 @@
               <a:rPr lang="zh-CN" altLang="en-US" smtClean="0"/>
               <a:t>第三级</a:t>
             </a:r>
+            <a:endParaRPr lang="zh-CN" altLang="en-US" smtClean="0"/>
           </a:p>
           <a:p>
             <a:pPr lvl="3"/>
@@ -4382,6 +4618,7 @@
               <a:rPr lang="zh-CN" altLang="en-US" smtClean="0"/>
               <a:t>第四级</a:t>
             </a:r>
+            <a:endParaRPr lang="zh-CN" altLang="en-US" smtClean="0"/>
           </a:p>
           <a:p>
             <a:pPr lvl="4"/>
@@ -4410,7 +4647,6 @@
           <a:p>
             <a:fld id="{84DF5964-A30F-497B-92EC-23C803A9D73F}" type="datetimeFigureOut">
               <a:rPr lang="zh-CN" altLang="en-US" smtClean="0"/>
-              <a:t>2019/12/27</a:t>
             </a:fld>
             <a:endParaRPr lang="zh-CN" altLang="en-US"/>
           </a:p>
@@ -4452,7 +4688,6 @@
           <a:p>
             <a:fld id="{E821DDFF-E586-42CF-9B46-DA71C53CF424}" type="slidenum">
               <a:rPr lang="zh-CN" altLang="en-US" smtClean="0"/>
-              <a:t>‹#›</a:t>
             </a:fld>
             <a:endParaRPr lang="zh-CN" altLang="en-US"/>
           </a:p>
@@ -4463,13 +4698,13 @@
   <p:clrMapOvr>
     <a:masterClrMapping/>
   </p:clrMapOvr>
-  <mc:AlternateContent xmlns:mc="http://schemas.openxmlformats.org/markup-compatibility/2006" xmlns:p14="http://schemas.microsoft.com/office/powerpoint/2010/main">
-    <mc:Choice Requires="p14">
+  <mc:AlternateContent xmlns:mc="http://schemas.openxmlformats.org/markup-compatibility/2006">
+    <mc:Choice xmlns:p14="http://schemas.microsoft.com/office/powerpoint/2010/main" Requires="p14">
       <p:transition spd="slow" p14:dur="899">
         <p:wipe/>
       </p:transition>
     </mc:Choice>
-    <mc:Fallback xmlns="">
+    <mc:Fallback>
       <p:transition spd="slow">
         <p:wipe/>
       </p:transition>
@@ -4535,7 +4770,6 @@
           <a:p>
             <a:fld id="{84DF5964-A30F-497B-92EC-23C803A9D73F}" type="datetimeFigureOut">
               <a:rPr lang="zh-CN" altLang="en-US" smtClean="0"/>
-              <a:t>2019/12/27</a:t>
             </a:fld>
             <a:endParaRPr lang="zh-CN" altLang="en-US"/>
           </a:p>
@@ -4577,7 +4811,6 @@
           <a:p>
             <a:fld id="{E821DDFF-E586-42CF-9B46-DA71C53CF424}" type="slidenum">
               <a:rPr lang="zh-CN" altLang="en-US" smtClean="0"/>
-              <a:t>‹#›</a:t>
             </a:fld>
             <a:endParaRPr lang="zh-CN" altLang="en-US"/>
           </a:p>
@@ -4588,13 +4821,13 @@
   <p:clrMapOvr>
     <a:masterClrMapping/>
   </p:clrMapOvr>
-  <mc:AlternateContent xmlns:mc="http://schemas.openxmlformats.org/markup-compatibility/2006" xmlns:p14="http://schemas.microsoft.com/office/powerpoint/2010/main">
-    <mc:Choice Requires="p14">
+  <mc:AlternateContent xmlns:mc="http://schemas.openxmlformats.org/markup-compatibility/2006">
+    <mc:Choice xmlns:p14="http://schemas.microsoft.com/office/powerpoint/2010/main" Requires="p14">
       <p:transition spd="slow" p14:dur="899">
         <p:wipe/>
       </p:transition>
     </mc:Choice>
-    <mc:Fallback xmlns="">
+    <mc:Fallback>
       <p:transition spd="slow">
         <p:wipe/>
       </p:transition>
@@ -4637,7 +4870,6 @@
           <a:p>
             <a:fld id="{84DF5964-A30F-497B-92EC-23C803A9D73F}" type="datetimeFigureOut">
               <a:rPr lang="zh-CN" altLang="en-US" smtClean="0"/>
-              <a:t>2019/12/27</a:t>
             </a:fld>
             <a:endParaRPr lang="zh-CN" altLang="en-US"/>
           </a:p>
@@ -4679,7 +4911,6 @@
           <a:p>
             <a:fld id="{E821DDFF-E586-42CF-9B46-DA71C53CF424}" type="slidenum">
               <a:rPr lang="zh-CN" altLang="en-US" smtClean="0"/>
-              <a:t>‹#›</a:t>
             </a:fld>
             <a:endParaRPr lang="zh-CN" altLang="en-US"/>
           </a:p>
@@ -4690,13 +4921,13 @@
   <p:clrMapOvr>
     <a:masterClrMapping/>
   </p:clrMapOvr>
-  <mc:AlternateContent xmlns:mc="http://schemas.openxmlformats.org/markup-compatibility/2006" xmlns:p14="http://schemas.microsoft.com/office/powerpoint/2010/main">
-    <mc:Choice Requires="p14">
+  <mc:AlternateContent xmlns:mc="http://schemas.openxmlformats.org/markup-compatibility/2006">
+    <mc:Choice xmlns:p14="http://schemas.microsoft.com/office/powerpoint/2010/main" Requires="p14">
       <p:transition spd="slow" p14:dur="899">
         <p:wipe/>
       </p:transition>
     </mc:Choice>
-    <mc:Fallback xmlns="">
+    <mc:Fallback>
       <p:transition spd="slow">
         <p:wipe/>
       </p:transition>
@@ -4807,6 +5038,7 @@
               <a:rPr lang="zh-CN" altLang="en-US" smtClean="0"/>
               <a:t>单击此处编辑母版文本样式</a:t>
             </a:r>
+            <a:endParaRPr lang="zh-CN" altLang="en-US" smtClean="0"/>
           </a:p>
           <a:p>
             <a:pPr lvl="1"/>
@@ -4814,6 +5046,7 @@
               <a:rPr lang="zh-CN" altLang="en-US" smtClean="0"/>
               <a:t>第二级</a:t>
             </a:r>
+            <a:endParaRPr lang="zh-CN" altLang="en-US" smtClean="0"/>
           </a:p>
           <a:p>
             <a:pPr lvl="2"/>
@@ -4821,6 +5054,7 @@
               <a:rPr lang="zh-CN" altLang="en-US" smtClean="0"/>
               <a:t>第三级</a:t>
             </a:r>
+            <a:endParaRPr lang="zh-CN" altLang="en-US" smtClean="0"/>
           </a:p>
           <a:p>
             <a:pPr lvl="3"/>
@@ -4828,6 +5062,7 @@
               <a:rPr lang="zh-CN" altLang="en-US" smtClean="0"/>
               <a:t>第四级</a:t>
             </a:r>
+            <a:endParaRPr lang="zh-CN" altLang="en-US" smtClean="0"/>
           </a:p>
           <a:p>
             <a:pPr lvl="4"/>
@@ -4901,6 +5136,7 @@
               <a:rPr lang="zh-CN" altLang="en-US" smtClean="0"/>
               <a:t>单击此处编辑母版文本样式</a:t>
             </a:r>
+            <a:endParaRPr lang="zh-CN" altLang="en-US" smtClean="0"/>
           </a:p>
         </p:txBody>
       </p:sp>
@@ -4921,7 +5157,6 @@
           <a:p>
             <a:fld id="{84DF5964-A30F-497B-92EC-23C803A9D73F}" type="datetimeFigureOut">
               <a:rPr lang="zh-CN" altLang="en-US" smtClean="0"/>
-              <a:t>2019/12/27</a:t>
             </a:fld>
             <a:endParaRPr lang="zh-CN" altLang="en-US"/>
           </a:p>
@@ -4963,7 +5198,6 @@
           <a:p>
             <a:fld id="{E821DDFF-E586-42CF-9B46-DA71C53CF424}" type="slidenum">
               <a:rPr lang="zh-CN" altLang="en-US" smtClean="0"/>
-              <a:t>‹#›</a:t>
             </a:fld>
             <a:endParaRPr lang="zh-CN" altLang="en-US"/>
           </a:p>
@@ -4974,13 +5208,13 @@
   <p:clrMapOvr>
     <a:masterClrMapping/>
   </p:clrMapOvr>
-  <mc:AlternateContent xmlns:mc="http://schemas.openxmlformats.org/markup-compatibility/2006" xmlns:p14="http://schemas.microsoft.com/office/powerpoint/2010/main">
-    <mc:Choice Requires="p14">
+  <mc:AlternateContent xmlns:mc="http://schemas.openxmlformats.org/markup-compatibility/2006">
+    <mc:Choice xmlns:p14="http://schemas.microsoft.com/office/powerpoint/2010/main" Requires="p14">
       <p:transition spd="slow" p14:dur="899">
         <p:wipe/>
       </p:transition>
     </mc:Choice>
-    <mc:Fallback xmlns="">
+    <mc:Fallback>
       <p:transition spd="slow">
         <p:wipe/>
       </p:transition>
@@ -5165,6 +5399,7 @@
               <a:rPr lang="zh-CN" altLang="en-US" smtClean="0"/>
               <a:t>单击此处编辑母版文本样式</a:t>
             </a:r>
+            <a:endParaRPr lang="zh-CN" altLang="en-US" smtClean="0"/>
           </a:p>
         </p:txBody>
       </p:sp>
@@ -5185,7 +5420,6 @@
           <a:p>
             <a:fld id="{84DF5964-A30F-497B-92EC-23C803A9D73F}" type="datetimeFigureOut">
               <a:rPr lang="zh-CN" altLang="en-US" smtClean="0"/>
-              <a:t>2019/12/27</a:t>
             </a:fld>
             <a:endParaRPr lang="zh-CN" altLang="en-US"/>
           </a:p>
@@ -5227,7 +5461,6 @@
           <a:p>
             <a:fld id="{E821DDFF-E586-42CF-9B46-DA71C53CF424}" type="slidenum">
               <a:rPr lang="zh-CN" altLang="en-US" smtClean="0"/>
-              <a:t>‹#›</a:t>
             </a:fld>
             <a:endParaRPr lang="zh-CN" altLang="en-US"/>
           </a:p>
@@ -5238,13 +5471,13 @@
   <p:clrMapOvr>
     <a:masterClrMapping/>
   </p:clrMapOvr>
-  <mc:AlternateContent xmlns:mc="http://schemas.openxmlformats.org/markup-compatibility/2006" xmlns:p14="http://schemas.microsoft.com/office/powerpoint/2010/main">
-    <mc:Choice Requires="p14">
+  <mc:AlternateContent xmlns:mc="http://schemas.openxmlformats.org/markup-compatibility/2006">
+    <mc:Choice xmlns:p14="http://schemas.microsoft.com/office/powerpoint/2010/main" Requires="p14">
       <p:transition spd="slow" p14:dur="899">
         <p:wipe/>
       </p:transition>
     </mc:Choice>
-    <mc:Fallback xmlns="">
+    <mc:Fallback>
       <p:transition spd="slow">
         <p:wipe/>
       </p:transition>
@@ -5341,6 +5574,7 @@
               <a:rPr lang="zh-CN" altLang="en-US" dirty="0" smtClean="0"/>
               <a:t>单击此处编辑母版文本样式</a:t>
             </a:r>
+            <a:endParaRPr lang="zh-CN" altLang="en-US" dirty="0" smtClean="0"/>
           </a:p>
           <a:p>
             <a:pPr lvl="1"/>
@@ -5348,6 +5582,7 @@
               <a:rPr lang="zh-CN" altLang="en-US" dirty="0" smtClean="0"/>
               <a:t>第二级</a:t>
             </a:r>
+            <a:endParaRPr lang="zh-CN" altLang="en-US" dirty="0" smtClean="0"/>
           </a:p>
           <a:p>
             <a:pPr lvl="2"/>
@@ -5355,6 +5590,7 @@
               <a:rPr lang="zh-CN" altLang="en-US" dirty="0" smtClean="0"/>
               <a:t>第三级</a:t>
             </a:r>
+            <a:endParaRPr lang="zh-CN" altLang="en-US" dirty="0" smtClean="0"/>
           </a:p>
           <a:p>
             <a:pPr lvl="3"/>
@@ -5362,6 +5598,7 @@
               <a:rPr lang="zh-CN" altLang="en-US" dirty="0" smtClean="0"/>
               <a:t>第四级</a:t>
             </a:r>
+            <a:endParaRPr lang="zh-CN" altLang="en-US" dirty="0" smtClean="0"/>
           </a:p>
           <a:p>
             <a:pPr lvl="4"/>
@@ -5409,7 +5646,6 @@
           <a:p>
             <a:fld id="{84DF5964-A30F-497B-92EC-23C803A9D73F}" type="datetimeFigureOut">
               <a:rPr lang="zh-CN" altLang="en-US" smtClean="0"/>
-              <a:t>2019/12/27</a:t>
             </a:fld>
             <a:endParaRPr lang="zh-CN" altLang="en-US" dirty="0"/>
           </a:p>
@@ -5489,7 +5725,6 @@
           <a:p>
             <a:fld id="{E821DDFF-E586-42CF-9B46-DA71C53CF424}" type="slidenum">
               <a:rPr lang="zh-CN" altLang="en-US" smtClean="0"/>
-              <a:t>‹#›</a:t>
             </a:fld>
             <a:endParaRPr lang="zh-CN" altLang="en-US" dirty="0"/>
           </a:p>
@@ -5511,13 +5746,13 @@
     <p:sldLayoutId id="2147483658" r:id="rId10"/>
     <p:sldLayoutId id="2147483659" r:id="rId11"/>
   </p:sldLayoutIdLst>
-  <mc:AlternateContent xmlns:mc="http://schemas.openxmlformats.org/markup-compatibility/2006" xmlns:p14="http://schemas.microsoft.com/office/powerpoint/2010/main">
-    <mc:Choice Requires="p14">
+  <mc:AlternateContent xmlns:mc="http://schemas.openxmlformats.org/markup-compatibility/2006">
+    <mc:Choice xmlns:p14="http://schemas.microsoft.com/office/powerpoint/2010/main" Requires="p14">
       <p:transition spd="slow" p14:dur="899">
         <p:wipe/>
       </p:transition>
     </mc:Choice>
-    <mc:Fallback xmlns="">
+    <mc:Fallback>
       <p:transition spd="slow">
         <p:wipe/>
       </p:transition>
@@ -5983,7 +6218,7 @@
           <p:nvPr/>
         </p:nvPicPr>
         <p:blipFill>
-          <a:blip r:embed="rId2" cstate="print">
+          <a:blip r:embed="rId1" cstate="print">
             <a:extLst>
               <a:ext uri="{28A0092B-C50C-407E-A947-70E740481C1C}">
                 <a14:useLocalDpi xmlns:a14="http://schemas.microsoft.com/office/drawing/2010/main" val="0"/>
@@ -6100,13 +6335,13 @@
   <p:clrMapOvr>
     <a:masterClrMapping/>
   </p:clrMapOvr>
-  <mc:AlternateContent xmlns:mc="http://schemas.openxmlformats.org/markup-compatibility/2006" xmlns:p14="http://schemas.microsoft.com/office/powerpoint/2010/main">
-    <mc:Choice Requires="p14">
+  <mc:AlternateContent xmlns:mc="http://schemas.openxmlformats.org/markup-compatibility/2006">
+    <mc:Choice xmlns:p14="http://schemas.microsoft.com/office/powerpoint/2010/main" Requires="p14">
       <p:transition spd="slow" p14:dur="900">
         <p:wipe/>
       </p:transition>
     </mc:Choice>
-    <mc:Fallback xmlns="">
+    <mc:Fallback>
       <p:transition spd="slow">
         <p:wipe/>
       </p:transition>
@@ -6882,7 +7117,7 @@
             <p:nvPr/>
           </p:nvPicPr>
           <p:blipFill rotWithShape="1">
-            <a:blip r:embed="rId2" cstate="screen"/>
+            <a:blip r:embed="rId1" cstate="screen"/>
             <a:srcRect l="17453" t="21733" r="21541" b="25317"/>
             <a:stretch>
               <a:fillRect/>
@@ -7261,6 +7496,13 @@
               </a:rPr>
               <a:t>执行栈和任务队列</a:t>
             </a:r>
+            <a:endParaRPr lang="zh-CN" altLang="en-US" sz="1400" dirty="0">
+              <a:solidFill>
+                <a:schemeClr val="bg1"/>
+              </a:solidFill>
+              <a:latin typeface="方正粗倩简体" panose="03000509000000000000" pitchFamily="65" charset="-122"/>
+              <a:ea typeface="方正粗倩简体" panose="03000509000000000000" pitchFamily="65" charset="-122"/>
+            </a:endParaRPr>
           </a:p>
         </p:txBody>
       </p:sp>
@@ -8611,7 +8853,7 @@
         </p:nvSpPr>
         <p:spPr>
           <a:xfrm>
-            <a:off x="3054095" y="4182309"/>
+            <a:off x="3054095" y="4173109"/>
             <a:ext cx="887553" cy="329590"/>
           </a:xfrm>
           <a:prstGeom prst="curvedLeftArrow">
@@ -8743,13 +8985,13 @@
   <p:clrMapOvr>
     <a:masterClrMapping/>
   </p:clrMapOvr>
-  <mc:AlternateContent xmlns:mc="http://schemas.openxmlformats.org/markup-compatibility/2006" xmlns:p14="http://schemas.microsoft.com/office/powerpoint/2010/main">
-    <mc:Choice Requires="p14">
+  <mc:AlternateContent xmlns:mc="http://schemas.openxmlformats.org/markup-compatibility/2006">
+    <mc:Choice xmlns:p14="http://schemas.microsoft.com/office/powerpoint/2010/main" Requires="p14">
       <p:transition spd="slow" p14:dur="900">
         <p:wipe/>
       </p:transition>
     </mc:Choice>
-    <mc:Fallback xmlns="">
+    <mc:Fallback>
       <p:transition spd="slow">
         <p:wipe/>
       </p:transition>
@@ -8961,7 +9203,7 @@
             <p:nvPr/>
           </p:nvPicPr>
           <p:blipFill rotWithShape="1">
-            <a:blip r:embed="rId3" cstate="screen"/>
+            <a:blip r:embed="rId1" cstate="screen"/>
             <a:srcRect l="17453" t="21733" r="21541" b="25317"/>
             <a:stretch>
               <a:fillRect/>
@@ -9292,6 +9534,7 @@
               <a:rPr sz="1400" dirty="0"/>
               <a:t>用文字描述的话，大致是这样的:</a:t>
             </a:r>
+            <a:endParaRPr sz="1400" dirty="0"/>
           </a:p>
           <a:p>
             <a:pPr>
@@ -9303,6 +9546,7 @@
               <a:rPr sz="1400" dirty="0"/>
               <a:t>所有同步任务都在主线程上执行，形成一个执行栈 (Execution Context Stack)。</a:t>
             </a:r>
+            <a:endParaRPr sz="1400" dirty="0"/>
           </a:p>
           <a:p>
             <a:pPr>
@@ -9314,6 +9558,7 @@
               <a:rPr sz="1400" dirty="0"/>
               <a:t>而异步任务会被放置到 Task Table，也就是上图中的异步处理模块，当异步任务有了运行结果，就将该函数移入任务队列。</a:t>
             </a:r>
+            <a:endParaRPr sz="1400" dirty="0"/>
           </a:p>
           <a:p>
             <a:pPr>
@@ -9397,12 +9642,17 @@
               </a:rPr>
               <a:t>事件循环</a:t>
             </a:r>
+            <a:endParaRPr lang="zh-CN" altLang="en-US" sz="1400" b="1" dirty="0" smtClean="0">
+              <a:latin typeface="微软雅黑" panose="020B0503020204020204" pitchFamily="34" charset="-122"/>
+              <a:ea typeface="微软雅黑" panose="020B0503020204020204" pitchFamily="34" charset="-122"/>
+            </a:endParaRPr>
           </a:p>
           <a:p>
             <a:r>
               <a:rPr sz="1400" dirty="0"/>
               <a:t>我们注意到，在异步代码完成后仍有可能要在一旁等待，因为此时程序可能在做其他的事情，等到程序空闲下来才有时间去看哪些异步已经完成了。所以 JavaScript 有一套机制去处理同步和异步操作，那就是事件循环 (Event Loop)。</a:t>
             </a:r>
+            <a:endParaRPr sz="1400" dirty="0"/>
           </a:p>
           <a:p>
             <a:endParaRPr sz="1400" dirty="0"/>
@@ -9420,7 +9670,7 @@
         </p:nvSpPr>
         <p:spPr>
           <a:xfrm>
-            <a:off x="1786477" y="266947"/>
+            <a:off x="1695037" y="251072"/>
             <a:ext cx="1266825" cy="307777"/>
           </a:xfrm>
           <a:prstGeom prst="rect">
@@ -9666,7 +9916,7 @@
             <p:nvPr/>
           </p:nvPicPr>
           <p:blipFill rotWithShape="1">
-            <a:blip r:embed="rId3" cstate="screen"/>
+            <a:blip r:embed="rId1" cstate="screen"/>
             <a:srcRect l="17453" t="21733" r="21541" b="25317"/>
             <a:stretch>
               <a:fillRect/>
@@ -9973,13 +10223,7 @@
           <p:cNvGraphicFramePr>
             <a:graphicFrameLocks noGrp="1"/>
           </p:cNvGraphicFramePr>
-          <p:nvPr>
-            <p:extLst>
-              <p:ext uri="{D42A27DB-BD31-4B8C-83A1-F6EECF244321}">
-                <p14:modId xmlns:p14="http://schemas.microsoft.com/office/powerpoint/2010/main" val="3149470437"/>
-              </p:ext>
-            </p:extLst>
-          </p:nvPr>
+          <p:nvPr/>
         </p:nvGraphicFramePr>
         <p:xfrm>
           <a:off x="765594" y="2816023"/>
@@ -10324,7 +10568,6 @@
                         <a:buSzTx/>
                         <a:buFontTx/>
                         <a:buNone/>
-                        <a:tabLst/>
                         <a:defRPr/>
                       </a:pPr>
                       <a:r>
@@ -10423,13 +10666,7 @@
           <p:cNvGraphicFramePr>
             <a:graphicFrameLocks noGrp="1"/>
           </p:cNvGraphicFramePr>
-          <p:nvPr>
-            <p:extLst>
-              <p:ext uri="{D42A27DB-BD31-4B8C-83A1-F6EECF244321}">
-                <p14:modId xmlns:p14="http://schemas.microsoft.com/office/powerpoint/2010/main" val="3159454686"/>
-              </p:ext>
-            </p:extLst>
-          </p:nvPr>
+          <p:nvPr/>
         </p:nvGraphicFramePr>
         <p:xfrm>
           <a:off x="4916062" y="2818995"/>
@@ -10466,7 +10703,6 @@
                         <a:buSzTx/>
                         <a:buFontTx/>
                         <a:buNone/>
-                        <a:tabLst/>
                         <a:defRPr/>
                       </a:pPr>
                       <a:r>
@@ -10505,7 +10741,6 @@
                         <a:buSzTx/>
                         <a:buFontTx/>
                         <a:buNone/>
-                        <a:tabLst/>
                         <a:defRPr/>
                       </a:pPr>
                       <a:r>
@@ -10544,7 +10779,6 @@
                         <a:buSzTx/>
                         <a:buFontTx/>
                         <a:buNone/>
-                        <a:tabLst/>
                         <a:defRPr/>
                       </a:pPr>
                       <a:r>
@@ -10607,7 +10841,6 @@
                         <a:buSzTx/>
                         <a:buFontTx/>
                         <a:buNone/>
-                        <a:tabLst/>
                         <a:defRPr/>
                       </a:pPr>
                       <a:r>
@@ -10646,7 +10879,6 @@
                         <a:buSzTx/>
                         <a:buFontTx/>
                         <a:buNone/>
-                        <a:tabLst/>
                         <a:defRPr/>
                       </a:pPr>
                       <a:r>
@@ -10709,7 +10941,6 @@
                         <a:buSzTx/>
                         <a:buFontTx/>
                         <a:buNone/>
-                        <a:tabLst/>
                         <a:defRPr/>
                       </a:pPr>
                       <a:r>
@@ -10748,7 +10979,6 @@
                         <a:buSzTx/>
                         <a:buFontTx/>
                         <a:buNone/>
-                        <a:tabLst/>
                         <a:defRPr/>
                       </a:pPr>
                       <a:r>
@@ -10811,7 +11041,6 @@
                         <a:buSzTx/>
                         <a:buFontTx/>
                         <a:buNone/>
-                        <a:tabLst/>
                         <a:defRPr/>
                       </a:pPr>
                       <a:r>
@@ -10850,7 +11079,6 @@
                         <a:buSzTx/>
                         <a:buFontTx/>
                         <a:buNone/>
-                        <a:tabLst/>
                         <a:defRPr/>
                       </a:pPr>
                       <a:r>
@@ -11240,6 +11468,11 @@
               </a:rPr>
               <a:t>。</a:t>
             </a:r>
+            <a:endParaRPr lang="zh-CN" altLang="en-US" dirty="0">
+              <a:solidFill>
+                <a:schemeClr val="tx1"/>
+              </a:solidFill>
+            </a:endParaRPr>
           </a:p>
         </p:txBody>
       </p:sp>
@@ -11251,7 +11484,7 @@
         </p:nvSpPr>
         <p:spPr>
           <a:xfrm>
-            <a:off x="1786477" y="266947"/>
+            <a:off x="1712182" y="251072"/>
             <a:ext cx="1266825" cy="307777"/>
           </a:xfrm>
           <a:prstGeom prst="rect">
@@ -11291,13 +11524,13 @@
   <p:clrMapOvr>
     <a:masterClrMapping/>
   </p:clrMapOvr>
-  <mc:AlternateContent xmlns:mc="http://schemas.openxmlformats.org/markup-compatibility/2006" xmlns:p14="http://schemas.microsoft.com/office/powerpoint/2010/main">
-    <mc:Choice Requires="p14">
+  <mc:AlternateContent xmlns:mc="http://schemas.openxmlformats.org/markup-compatibility/2006">
+    <mc:Choice xmlns:p14="http://schemas.microsoft.com/office/powerpoint/2010/main" Requires="p14">
       <p:transition spd="slow" p14:dur="900">
         <p:wipe/>
       </p:transition>
     </mc:Choice>
-    <mc:Fallback xmlns="">
+    <mc:Fallback>
       <p:transition spd="slow">
         <p:wipe/>
       </p:transition>
@@ -11506,7 +11739,7 @@
             <p:nvPr/>
           </p:nvPicPr>
           <p:blipFill rotWithShape="1">
-            <a:blip r:embed="rId3" cstate="screen"/>
+            <a:blip r:embed="rId1" cstate="screen"/>
             <a:srcRect l="17453" t="21733" r="21541" b="25317"/>
             <a:stretch>
               <a:fillRect/>
@@ -11816,7 +12049,7 @@
           <p:nvPr/>
         </p:nvPicPr>
         <p:blipFill>
-          <a:blip r:embed="rId4"/>
+          <a:blip r:embed="rId2"/>
           <a:stretch>
             <a:fillRect/>
           </a:stretch>
@@ -11951,7 +12184,7 @@
         </p:nvSpPr>
         <p:spPr>
           <a:xfrm>
-            <a:off x="1786477" y="266947"/>
+            <a:off x="1684877" y="251072"/>
             <a:ext cx="1266825" cy="307777"/>
           </a:xfrm>
           <a:prstGeom prst="rect">
@@ -11991,13 +12224,13 @@
   <p:clrMapOvr>
     <a:masterClrMapping/>
   </p:clrMapOvr>
-  <mc:AlternateContent xmlns:mc="http://schemas.openxmlformats.org/markup-compatibility/2006" xmlns:p14="http://schemas.microsoft.com/office/powerpoint/2010/main">
-    <mc:Choice Requires="p14">
+  <mc:AlternateContent xmlns:mc="http://schemas.openxmlformats.org/markup-compatibility/2006">
+    <mc:Choice xmlns:p14="http://schemas.microsoft.com/office/powerpoint/2010/main" Requires="p14">
       <p:transition spd="slow" p14:dur="900">
         <p:wipe/>
       </p:transition>
     </mc:Choice>
-    <mc:Fallback xmlns="">
+    <mc:Fallback>
       <p:transition spd="slow">
         <p:wipe/>
       </p:transition>
@@ -12206,7 +12439,7 @@
             <p:nvPr/>
           </p:nvPicPr>
           <p:blipFill rotWithShape="1">
-            <a:blip r:embed="rId3" cstate="screen"/>
+            <a:blip r:embed="rId1" cstate="screen"/>
             <a:srcRect l="17453" t="21733" r="21541" b="25317"/>
             <a:stretch>
               <a:fillRect/>
@@ -12559,7 +12792,7 @@
         </p:nvSpPr>
         <p:spPr>
           <a:xfrm>
-            <a:off x="1786477" y="266947"/>
+            <a:off x="1691227" y="251072"/>
             <a:ext cx="1266825" cy="307777"/>
           </a:xfrm>
           <a:prstGeom prst="rect">
@@ -12603,7 +12836,7 @@
           <p:nvPr/>
         </p:nvPicPr>
         <p:blipFill>
-          <a:blip r:embed="rId4">
+          <a:blip r:embed="rId2">
             <a:extLst>
               <a:ext uri="{28A0092B-C50C-407E-A947-70E740481C1C}">
                 <a14:useLocalDpi xmlns:a14="http://schemas.microsoft.com/office/drawing/2010/main" val="0"/>
@@ -12685,22 +12918,17 @@
         </p:txBody>
       </p:sp>
     </p:spTree>
-    <p:extLst>
-      <p:ext uri="{BB962C8B-B14F-4D97-AF65-F5344CB8AC3E}">
-        <p14:creationId xmlns:p14="http://schemas.microsoft.com/office/powerpoint/2010/main" val="2380052973"/>
-      </p:ext>
-    </p:extLst>
   </p:cSld>
   <p:clrMapOvr>
     <a:masterClrMapping/>
   </p:clrMapOvr>
-  <mc:AlternateContent xmlns:mc="http://schemas.openxmlformats.org/markup-compatibility/2006" xmlns:p14="http://schemas.microsoft.com/office/powerpoint/2010/main">
-    <mc:Choice Requires="p14">
+  <mc:AlternateContent xmlns:mc="http://schemas.openxmlformats.org/markup-compatibility/2006">
+    <mc:Choice xmlns:p14="http://schemas.microsoft.com/office/powerpoint/2010/main" Requires="p14">
       <p:transition spd="slow" p14:dur="899">
         <p:wipe/>
       </p:transition>
     </mc:Choice>
-    <mc:Fallback xmlns="">
+    <mc:Fallback>
       <p:transition spd="slow">
         <p:wipe/>
       </p:transition>
@@ -12909,7 +13137,7 @@
             <p:nvPr/>
           </p:nvPicPr>
           <p:blipFill rotWithShape="1">
-            <a:blip r:embed="rId3" cstate="screen"/>
+            <a:blip r:embed="rId1" cstate="screen"/>
             <a:srcRect l="17453" t="21733" r="21541" b="25317"/>
             <a:stretch>
               <a:fillRect/>
@@ -13218,7 +13446,7 @@
         </p:nvSpPr>
         <p:spPr>
           <a:xfrm>
-            <a:off x="1697071" y="266947"/>
+            <a:off x="1619601" y="251072"/>
             <a:ext cx="1266825" cy="307777"/>
           </a:xfrm>
           <a:prstGeom prst="rect">
@@ -13341,6 +13569,11 @@
               </a:rPr>
               <a:t>setTimeout(_ =&gt; console.log(4))</a:t>
             </a:r>
+            <a:endParaRPr lang="en-US" altLang="zh-CN" dirty="0">
+              <a:solidFill>
+                <a:schemeClr val="tx1"/>
+              </a:solidFill>
+            </a:endParaRPr>
           </a:p>
           <a:p>
             <a:endParaRPr lang="en-US" altLang="zh-CN" dirty="0">
@@ -13358,6 +13591,11 @@
               </a:rPr>
               <a:t>async function main() {</a:t>
             </a:r>
+            <a:endParaRPr lang="en-US" altLang="zh-CN" dirty="0">
+              <a:solidFill>
+                <a:schemeClr val="tx1"/>
+              </a:solidFill>
+            </a:endParaRPr>
           </a:p>
           <a:p>
             <a:r>
@@ -13368,6 +13606,11 @@
               </a:rPr>
               <a:t>  console.log(1)</a:t>
             </a:r>
+            <a:endParaRPr lang="en-US" altLang="zh-CN" dirty="0">
+              <a:solidFill>
+                <a:schemeClr val="tx1"/>
+              </a:solidFill>
+            </a:endParaRPr>
           </a:p>
           <a:p>
             <a:r>
@@ -13378,6 +13621,11 @@
               </a:rPr>
               <a:t>  await Promise.resolve()</a:t>
             </a:r>
+            <a:endParaRPr lang="en-US" altLang="zh-CN" dirty="0">
+              <a:solidFill>
+                <a:schemeClr val="tx1"/>
+              </a:solidFill>
+            </a:endParaRPr>
           </a:p>
           <a:p>
             <a:r>
@@ -13388,6 +13636,11 @@
               </a:rPr>
               <a:t>  console.log(3)</a:t>
             </a:r>
+            <a:endParaRPr lang="en-US" altLang="zh-CN" dirty="0">
+              <a:solidFill>
+                <a:schemeClr val="tx1"/>
+              </a:solidFill>
+            </a:endParaRPr>
           </a:p>
           <a:p>
             <a:r>
@@ -13398,6 +13651,11 @@
               </a:rPr>
               <a:t>}</a:t>
             </a:r>
+            <a:endParaRPr lang="en-US" altLang="zh-CN" dirty="0">
+              <a:solidFill>
+                <a:schemeClr val="tx1"/>
+              </a:solidFill>
+            </a:endParaRPr>
           </a:p>
           <a:p>
             <a:endParaRPr lang="en-US" altLang="zh-CN" dirty="0">
@@ -13415,6 +13673,11 @@
               </a:rPr>
               <a:t>main()</a:t>
             </a:r>
+            <a:endParaRPr lang="en-US" altLang="zh-CN" dirty="0">
+              <a:solidFill>
+                <a:schemeClr val="tx1"/>
+              </a:solidFill>
+            </a:endParaRPr>
           </a:p>
           <a:p>
             <a:endParaRPr lang="en-US" altLang="zh-CN" dirty="0">
@@ -13432,6 +13695,11 @@
               </a:rPr>
               <a:t>console.log(2)</a:t>
             </a:r>
+            <a:endParaRPr lang="en-US" altLang="zh-CN" dirty="0">
+              <a:solidFill>
+                <a:schemeClr val="tx1"/>
+              </a:solidFill>
+            </a:endParaRPr>
           </a:p>
           <a:p>
             <a:endParaRPr lang="en-US" altLang="zh-CN" b="1" dirty="0">
@@ -13443,22 +13711,17 @@
         </p:txBody>
       </p:sp>
     </p:spTree>
-    <p:extLst>
-      <p:ext uri="{BB962C8B-B14F-4D97-AF65-F5344CB8AC3E}">
-        <p14:creationId xmlns:p14="http://schemas.microsoft.com/office/powerpoint/2010/main" val="1145212207"/>
-      </p:ext>
-    </p:extLst>
   </p:cSld>
   <p:clrMapOvr>
     <a:masterClrMapping/>
   </p:clrMapOvr>
-  <mc:AlternateContent xmlns:mc="http://schemas.openxmlformats.org/markup-compatibility/2006" xmlns:p14="http://schemas.microsoft.com/office/powerpoint/2010/main">
-    <mc:Choice Requires="p14">
+  <mc:AlternateContent xmlns:mc="http://schemas.openxmlformats.org/markup-compatibility/2006">
+    <mc:Choice xmlns:p14="http://schemas.microsoft.com/office/powerpoint/2010/main" Requires="p14">
       <p:transition spd="slow" p14:dur="899">
         <p:wipe/>
       </p:transition>
     </mc:Choice>
-    <mc:Fallback xmlns="">
+    <mc:Fallback>
       <p:transition spd="slow">
         <p:wipe/>
       </p:transition>
@@ -13667,7 +13930,7 @@
             <p:nvPr/>
           </p:nvPicPr>
           <p:blipFill rotWithShape="1">
-            <a:blip r:embed="rId3" cstate="screen"/>
+            <a:blip r:embed="rId1" cstate="screen"/>
             <a:srcRect l="17453" t="21733" r="21541" b="25317"/>
             <a:stretch>
               <a:fillRect/>
@@ -14020,7 +14283,7 @@
         </p:nvSpPr>
         <p:spPr>
           <a:xfrm>
-            <a:off x="1505716" y="147789"/>
+            <a:off x="1607951" y="143344"/>
             <a:ext cx="1371600" cy="523220"/>
           </a:xfrm>
           <a:prstGeom prst="rect">
@@ -14071,23 +14334,158 @@
           </a:p>
         </p:txBody>
       </p:sp>
+      <p:pic>
+        <p:nvPicPr>
+          <p:cNvPr id="3" name="图片 2"/>
+          <p:cNvPicPr>
+            <a:picLocks noChangeAspect="1"/>
+          </p:cNvPicPr>
+          <p:nvPr/>
+        </p:nvPicPr>
+        <p:blipFill>
+          <a:blip r:embed="rId2"/>
+          <a:stretch>
+            <a:fillRect/>
+          </a:stretch>
+        </p:blipFill>
+        <p:spPr>
+          <a:xfrm>
+            <a:off x="687705" y="1362075"/>
+            <a:ext cx="3032760" cy="3237230"/>
+          </a:xfrm>
+          <a:prstGeom prst="rect">
+            <a:avLst/>
+          </a:prstGeom>
+        </p:spPr>
+      </p:pic>
+      <p:sp>
+        <p:nvSpPr>
+          <p:cNvPr id="4" name="文本框 3"/>
+          <p:cNvSpPr txBox="1"/>
+          <p:nvPr/>
+        </p:nvSpPr>
+        <p:spPr>
+          <a:xfrm>
+            <a:off x="3940810" y="1081405"/>
+            <a:ext cx="4746625" cy="2376170"/>
+          </a:xfrm>
+          <a:prstGeom prst="rect">
+            <a:avLst/>
+          </a:prstGeom>
+          <a:noFill/>
+        </p:spPr>
+        <p:txBody>
+          <a:bodyPr wrap="square" rtlCol="0" anchor="t">
+            <a:spAutoFit/>
+          </a:bodyPr>
+          <a:lstStyle/>
+          <a:p>
+            <a:r>
+              <a:rPr lang="zh-CN" altLang="en-US"/>
+              <a:t>Node.js的运行机制如下:</a:t>
+            </a:r>
+            <a:endParaRPr lang="zh-CN" altLang="en-US"/>
+          </a:p>
+          <a:p>
+            <a:endParaRPr lang="zh-CN" altLang="en-US"/>
+          </a:p>
+          <a:p>
+            <a:pPr fontAlgn="auto">
+              <a:lnSpc>
+                <a:spcPct val="150000"/>
+              </a:lnSpc>
+            </a:pPr>
+            <a:r>
+              <a:rPr lang="zh-CN" altLang="en-US"/>
+              <a:t>V8引擎解析JavaScript脚本。</a:t>
+            </a:r>
+            <a:endParaRPr lang="zh-CN" altLang="en-US"/>
+          </a:p>
+          <a:p>
+            <a:pPr fontAlgn="auto">
+              <a:lnSpc>
+                <a:spcPct val="150000"/>
+              </a:lnSpc>
+            </a:pPr>
+            <a:r>
+              <a:rPr lang="zh-CN" altLang="en-US"/>
+              <a:t>解析后的代码，调用Node API。</a:t>
+            </a:r>
+            <a:endParaRPr lang="zh-CN" altLang="en-US"/>
+          </a:p>
+          <a:p>
+            <a:pPr fontAlgn="auto">
+              <a:lnSpc>
+                <a:spcPct val="150000"/>
+              </a:lnSpc>
+            </a:pPr>
+            <a:r>
+              <a:rPr lang="zh-CN" altLang="en-US"/>
+              <a:t>libuv库负责Node API的执行。它将不同的任务分配给不同的线程，形成一个Event Loop（事件循环），以异步的方式将任务的执行结果返回给V8引擎。</a:t>
+            </a:r>
+            <a:endParaRPr lang="zh-CN" altLang="en-US"/>
+          </a:p>
+          <a:p>
+            <a:pPr fontAlgn="auto">
+              <a:lnSpc>
+                <a:spcPct val="150000"/>
+              </a:lnSpc>
+            </a:pPr>
+            <a:r>
+              <a:rPr lang="zh-CN" altLang="en-US"/>
+              <a:t>V8引擎再将结果返回给用户。</a:t>
+            </a:r>
+            <a:endParaRPr lang="zh-CN" altLang="en-US"/>
+          </a:p>
+        </p:txBody>
+      </p:sp>
+      <p:sp>
+        <p:nvSpPr>
+          <p:cNvPr id="12" name="文本框 11"/>
+          <p:cNvSpPr txBox="1"/>
+          <p:nvPr/>
+        </p:nvSpPr>
+        <p:spPr>
+          <a:xfrm>
+            <a:off x="3975735" y="3457575"/>
+            <a:ext cx="4676775" cy="1337945"/>
+          </a:xfrm>
+          <a:prstGeom prst="rect">
+            <a:avLst/>
+          </a:prstGeom>
+          <a:noFill/>
+        </p:spPr>
+        <p:txBody>
+          <a:bodyPr wrap="square" rtlCol="0" anchor="t">
+            <a:spAutoFit/>
+          </a:bodyPr>
+          <a:lstStyle/>
+          <a:p>
+            <a:pPr fontAlgn="auto">
+              <a:lnSpc>
+                <a:spcPct val="150000"/>
+              </a:lnSpc>
+            </a:pPr>
+            <a:r>
+              <a:rPr lang="zh-CN" altLang="en-US"/>
+              <a:t>其中libuv引擎中的事件循环分为 6 个阶段，它们会按照顺序反复运行。每当进入某一个阶段的时候，都会从对应的回调队列中取出函数去执行。当队列为空或者执行的回调函数数量到达系统设定的阈值，就会进入下一阶段。</a:t>
+            </a:r>
+            <a:endParaRPr lang="zh-CN" altLang="en-US"/>
+          </a:p>
+        </p:txBody>
+      </p:sp>
     </p:spTree>
-    <p:extLst>
-      <p:ext uri="{BB962C8B-B14F-4D97-AF65-F5344CB8AC3E}">
-        <p14:creationId xmlns:p14="http://schemas.microsoft.com/office/powerpoint/2010/main" val="1576728370"/>
-      </p:ext>
-    </p:extLst>
   </p:cSld>
   <p:clrMapOvr>
     <a:masterClrMapping/>
   </p:clrMapOvr>
-  <mc:AlternateContent xmlns:mc="http://schemas.openxmlformats.org/markup-compatibility/2006" xmlns:p14="http://schemas.microsoft.com/office/powerpoint/2010/main">
-    <mc:Choice Requires="p14">
+  <mc:AlternateContent xmlns:mc="http://schemas.openxmlformats.org/markup-compatibility/2006">
+    <mc:Choice xmlns:p14="http://schemas.microsoft.com/office/powerpoint/2010/main" Requires="p14">
       <p:transition spd="slow" p14:dur="899">
         <p:wipe/>
       </p:transition>
     </mc:Choice>
-    <mc:Fallback xmlns="">
+    <mc:Fallback>
       <p:transition spd="slow">
         <p:wipe/>
       </p:transition>
@@ -14154,6 +14552,10 @@
               </a:rPr>
               <a:t>3</a:t>
             </a:r>
+            <a:endParaRPr lang="en-US" altLang="zh-CN" sz="27000" dirty="0">
+              <a:latin typeface="微软雅黑" panose="020B0503020204020204" pitchFamily="34" charset="-122"/>
+              <a:ea typeface="微软雅黑" panose="020B0503020204020204" pitchFamily="34" charset="-122"/>
+            </a:endParaRPr>
           </a:p>
         </p:txBody>
       </p:sp>
@@ -14257,7 +14659,7 @@
           <p:nvPr/>
         </p:nvPicPr>
         <p:blipFill>
-          <a:blip r:embed="rId2" cstate="print">
+          <a:blip r:embed="rId1" cstate="print">
             <a:extLst>
               <a:ext uri="{28A0092B-C50C-407E-A947-70E740481C1C}">
                 <a14:useLocalDpi xmlns:a14="http://schemas.microsoft.com/office/drawing/2010/main" val="0"/>
@@ -14287,7 +14689,7 @@
           <p:nvPr/>
         </p:nvPicPr>
         <p:blipFill>
-          <a:blip r:embed="rId3" cstate="print">
+          <a:blip r:embed="rId2" cstate="print">
             <a:extLst>
               <a:ext uri="{28A0092B-C50C-407E-A947-70E740481C1C}">
                 <a14:useLocalDpi xmlns:a14="http://schemas.microsoft.com/office/drawing/2010/main" val="0"/>
@@ -14317,7 +14719,7 @@
           <p:nvPr/>
         </p:nvPicPr>
         <p:blipFill>
-          <a:blip r:embed="rId4" cstate="print">
+          <a:blip r:embed="rId3" cstate="print">
             <a:extLst>
               <a:ext uri="{28A0092B-C50C-407E-A947-70E740481C1C}">
                 <a14:useLocalDpi xmlns:a14="http://schemas.microsoft.com/office/drawing/2010/main" val="0"/>
@@ -14347,7 +14749,7 @@
           <p:nvPr/>
         </p:nvPicPr>
         <p:blipFill>
-          <a:blip r:embed="rId5"/>
+          <a:blip r:embed="rId4"/>
           <a:stretch>
             <a:fillRect/>
           </a:stretch>
@@ -14367,13 +14769,13 @@
   <p:clrMapOvr>
     <a:masterClrMapping/>
   </p:clrMapOvr>
-  <mc:AlternateContent xmlns:mc="http://schemas.openxmlformats.org/markup-compatibility/2006" xmlns:p14="http://schemas.microsoft.com/office/powerpoint/2010/main">
-    <mc:Choice Requires="p14">
+  <mc:AlternateContent xmlns:mc="http://schemas.openxmlformats.org/markup-compatibility/2006">
+    <mc:Choice xmlns:p14="http://schemas.microsoft.com/office/powerpoint/2010/main" Requires="p14">
       <p:transition spd="slow" p14:dur="900">
         <p:wipe/>
       </p:transition>
     </mc:Choice>
-    <mc:Fallback xmlns="">
+    <mc:Fallback>
       <p:transition spd="slow">
         <p:wipe/>
       </p:transition>
@@ -15039,7 +15441,7 @@
             <p:nvPr/>
           </p:nvPicPr>
           <p:blipFill rotWithShape="1">
-            <a:blip r:embed="rId3" cstate="screen"/>
+            <a:blip r:embed="rId1" cstate="screen"/>
             <a:srcRect l="17453" t="21733" r="21541" b="25317"/>
             <a:stretch>
               <a:fillRect/>
@@ -15467,6 +15869,7 @@
               <a:rPr lang="en-US" altLang="zh-CN" dirty="0"/>
               <a:t>Promise.resolve().then(()=&gt;{</a:t>
             </a:r>
+            <a:endParaRPr lang="en-US" altLang="zh-CN" dirty="0"/>
           </a:p>
           <a:p>
             <a:r>
@@ -15489,12 +15892,14 @@
               <a:rPr lang="en-US" altLang="zh-CN" dirty="0"/>
               <a:t>')  </a:t>
             </a:r>
+            <a:endParaRPr lang="en-US" altLang="zh-CN" dirty="0"/>
           </a:p>
           <a:p>
             <a:r>
               <a:rPr lang="en-US" altLang="zh-CN" dirty="0"/>
               <a:t>  setTimeout(()=&gt;{</a:t>
             </a:r>
+            <a:endParaRPr lang="en-US" altLang="zh-CN" dirty="0"/>
           </a:p>
           <a:p>
             <a:r>
@@ -15517,24 +15922,28 @@
               <a:rPr lang="en-US" altLang="zh-CN" dirty="0"/>
               <a:t>')</a:t>
             </a:r>
+            <a:endParaRPr lang="en-US" altLang="zh-CN" dirty="0"/>
           </a:p>
           <a:p>
             <a:r>
               <a:rPr lang="en-US" altLang="zh-CN" dirty="0"/>
               <a:t>  },0)</a:t>
             </a:r>
+            <a:endParaRPr lang="en-US" altLang="zh-CN" dirty="0"/>
           </a:p>
           <a:p>
             <a:r>
               <a:rPr lang="en-US" altLang="zh-CN" dirty="0"/>
               <a:t>})</a:t>
             </a:r>
+            <a:endParaRPr lang="en-US" altLang="zh-CN" dirty="0"/>
           </a:p>
           <a:p>
             <a:r>
               <a:rPr lang="en-US" altLang="zh-CN" dirty="0"/>
               <a:t>setTimeout(()=&gt;{</a:t>
             </a:r>
+            <a:endParaRPr lang="en-US" altLang="zh-CN" dirty="0"/>
           </a:p>
           <a:p>
             <a:r>
@@ -15557,12 +15966,14 @@
               <a:rPr lang="en-US" altLang="zh-CN" dirty="0"/>
               <a:t>')</a:t>
             </a:r>
+            <a:endParaRPr lang="en-US" altLang="zh-CN" dirty="0"/>
           </a:p>
           <a:p>
             <a:r>
               <a:rPr lang="en-US" altLang="zh-CN" dirty="0"/>
               <a:t>  Promise.resolve().then(()=&gt;{</a:t>
             </a:r>
+            <a:endParaRPr lang="en-US" altLang="zh-CN" dirty="0"/>
           </a:p>
           <a:p>
             <a:r>
@@ -15580,12 +15991,14 @@
               <a:rPr lang="en-US" altLang="zh-CN" dirty="0"/>
               <a:t>  })</a:t>
             </a:r>
+            <a:endParaRPr lang="en-US" altLang="zh-CN" dirty="0"/>
           </a:p>
           <a:p>
             <a:r>
               <a:rPr lang="en-US" altLang="zh-CN" dirty="0"/>
               <a:t>},0)</a:t>
             </a:r>
+            <a:endParaRPr lang="en-US" altLang="zh-CN" dirty="0"/>
           </a:p>
         </p:txBody>
       </p:sp>
@@ -15662,22 +16075,17 @@
         </p:txBody>
       </p:sp>
     </p:spTree>
-    <p:extLst>
-      <p:ext uri="{BB962C8B-B14F-4D97-AF65-F5344CB8AC3E}">
-        <p14:creationId xmlns:p14="http://schemas.microsoft.com/office/powerpoint/2010/main" val="3379620911"/>
-      </p:ext>
-    </p:extLst>
   </p:cSld>
   <p:clrMapOvr>
     <a:masterClrMapping/>
   </p:clrMapOvr>
-  <mc:AlternateContent xmlns:mc="http://schemas.openxmlformats.org/markup-compatibility/2006" xmlns:p14="http://schemas.microsoft.com/office/powerpoint/2010/main">
-    <mc:Choice Requires="p14">
+  <mc:AlternateContent xmlns:mc="http://schemas.openxmlformats.org/markup-compatibility/2006">
+    <mc:Choice xmlns:p14="http://schemas.microsoft.com/office/powerpoint/2010/main" Requires="p14">
       <p:transition spd="slow" p14:dur="899">
         <p:wipe/>
       </p:transition>
     </mc:Choice>
-    <mc:Fallback xmlns="">
+    <mc:Fallback>
       <p:transition spd="slow">
         <p:wipe/>
       </p:transition>
@@ -16003,7 +16411,7 @@
             <p:nvPr/>
           </p:nvPicPr>
           <p:blipFill rotWithShape="1">
-            <a:blip r:embed="rId3" cstate="screen"/>
+            <a:blip r:embed="rId1" cstate="screen"/>
             <a:srcRect l="17453" t="21733" r="21541" b="25317"/>
             <a:stretch>
               <a:fillRect/>
@@ -16439,22 +16847,17 @@
         </p:txBody>
       </p:sp>
     </p:spTree>
-    <p:extLst>
-      <p:ext uri="{BB962C8B-B14F-4D97-AF65-F5344CB8AC3E}">
-        <p14:creationId xmlns:p14="http://schemas.microsoft.com/office/powerpoint/2010/main" val="3287717019"/>
-      </p:ext>
-    </p:extLst>
   </p:cSld>
   <p:clrMapOvr>
     <a:masterClrMapping/>
   </p:clrMapOvr>
-  <mc:AlternateContent xmlns:mc="http://schemas.openxmlformats.org/markup-compatibility/2006" xmlns:p14="http://schemas.microsoft.com/office/powerpoint/2010/main">
-    <mc:Choice Requires="p14">
+  <mc:AlternateContent xmlns:mc="http://schemas.openxmlformats.org/markup-compatibility/2006">
+    <mc:Choice xmlns:p14="http://schemas.microsoft.com/office/powerpoint/2010/main" Requires="p14">
       <p:transition spd="slow" p14:dur="899">
         <p:wipe/>
       </p:transition>
     </mc:Choice>
-    <mc:Fallback xmlns="">
+    <mc:Fallback>
       <p:transition spd="slow">
         <p:wipe/>
       </p:transition>
@@ -16510,7 +16913,7 @@
             <p:nvPr/>
           </p:nvPicPr>
           <p:blipFill rotWithShape="1">
-            <a:blip r:embed="rId2" cstate="print">
+            <a:blip r:embed="rId1" cstate="print">
               <a:extLst>
                 <a:ext uri="{28A0092B-C50C-407E-A947-70E740481C1C}">
                   <a14:useLocalDpi xmlns:a14="http://schemas.microsoft.com/office/drawing/2010/main" val="0"/>
@@ -16797,7 +17200,7 @@
           <p:nvPr/>
         </p:nvPicPr>
         <p:blipFill>
-          <a:blip r:embed="rId3"/>
+          <a:blip r:embed="rId2"/>
           <a:stretch>
             <a:fillRect/>
           </a:stretch>
@@ -16821,7 +17224,7 @@
           <p:nvPr/>
         </p:nvPicPr>
         <p:blipFill>
-          <a:blip r:embed="rId4"/>
+          <a:blip r:embed="rId3"/>
           <a:stretch>
             <a:fillRect/>
           </a:stretch>
@@ -16845,7 +17248,7 @@
           <p:nvPr/>
         </p:nvPicPr>
         <p:blipFill>
-          <a:blip r:embed="rId5"/>
+          <a:blip r:embed="rId4"/>
           <a:stretch>
             <a:fillRect/>
           </a:stretch>
@@ -16869,7 +17272,7 @@
           <p:nvPr/>
         </p:nvPicPr>
         <p:blipFill>
-          <a:blip r:embed="rId6"/>
+          <a:blip r:embed="rId5"/>
           <a:stretch>
             <a:fillRect/>
           </a:stretch>
@@ -16889,13 +17292,13 @@
   <p:clrMapOvr>
     <a:masterClrMapping/>
   </p:clrMapOvr>
-  <mc:AlternateContent xmlns:mc="http://schemas.openxmlformats.org/markup-compatibility/2006" xmlns:p14="http://schemas.microsoft.com/office/powerpoint/2010/main">
-    <mc:Choice Requires="p14">
+  <mc:AlternateContent xmlns:mc="http://schemas.openxmlformats.org/markup-compatibility/2006">
+    <mc:Choice xmlns:p14="http://schemas.microsoft.com/office/powerpoint/2010/main" Requires="p14">
       <p:transition spd="slow" p14:dur="900">
         <p:wipe/>
       </p:transition>
     </mc:Choice>
-    <mc:Fallback xmlns="">
+    <mc:Fallback>
       <p:transition spd="slow">
         <p:wipe/>
       </p:transition>
@@ -17669,7 +18072,7 @@
           <p:nvPr/>
         </p:nvPicPr>
         <p:blipFill>
-          <a:blip r:embed="rId2" cstate="print">
+          <a:blip r:embed="rId1" cstate="print">
             <a:extLst>
               <a:ext uri="{28A0092B-C50C-407E-A947-70E740481C1C}">
                 <a14:useLocalDpi xmlns:a14="http://schemas.microsoft.com/office/drawing/2010/main" val="0"/>
@@ -17772,13 +18175,13 @@
   <p:clrMapOvr>
     <a:masterClrMapping/>
   </p:clrMapOvr>
-  <mc:AlternateContent xmlns:mc="http://schemas.openxmlformats.org/markup-compatibility/2006" xmlns:p14="http://schemas.microsoft.com/office/powerpoint/2010/main">
-    <mc:Choice Requires="p14">
+  <mc:AlternateContent xmlns:mc="http://schemas.openxmlformats.org/markup-compatibility/2006">
+    <mc:Choice xmlns:p14="http://schemas.microsoft.com/office/powerpoint/2010/main" Requires="p14">
       <p:transition spd="slow" p14:dur="900">
         <p:wipe/>
       </p:transition>
     </mc:Choice>
-    <mc:Fallback xmlns="">
+    <mc:Fallback>
       <p:transition spd="slow">
         <p:wipe/>
       </p:transition>
@@ -18554,7 +18957,7 @@
             <p:nvPr/>
           </p:nvPicPr>
           <p:blipFill rotWithShape="1">
-            <a:blip r:embed="rId2" cstate="screen"/>
+            <a:blip r:embed="rId1" cstate="screen"/>
             <a:srcRect l="17453" t="21733" r="21541" b="25317"/>
             <a:stretch>
               <a:fillRect/>
@@ -18945,6 +19348,10 @@
               </a:rPr>
               <a:t>数据结构</a:t>
             </a:r>
+            <a:endParaRPr lang="zh-CN" altLang="en-US" sz="1400" b="1" dirty="0">
+              <a:latin typeface="微软雅黑" panose="020B0503020204020204" pitchFamily="34" charset="-122"/>
+              <a:ea typeface="微软雅黑" panose="020B0503020204020204" pitchFamily="34" charset="-122"/>
+            </a:endParaRPr>
           </a:p>
           <a:p>
             <a:r>
@@ -19032,13 +19439,13 @@
   <p:clrMapOvr>
     <a:masterClrMapping/>
   </p:clrMapOvr>
-  <mc:AlternateContent xmlns:mc="http://schemas.openxmlformats.org/markup-compatibility/2006" xmlns:p14="http://schemas.microsoft.com/office/powerpoint/2010/main">
-    <mc:Choice Requires="p14">
+  <mc:AlternateContent xmlns:mc="http://schemas.openxmlformats.org/markup-compatibility/2006">
+    <mc:Choice xmlns:p14="http://schemas.microsoft.com/office/powerpoint/2010/main" Requires="p14">
       <p:transition spd="slow" p14:dur="900">
         <p:wipe/>
       </p:transition>
     </mc:Choice>
-    <mc:Fallback xmlns="">
+    <mc:Fallback>
       <p:transition spd="slow">
         <p:wipe/>
       </p:transition>
@@ -19250,7 +19657,7 @@
             <p:nvPr/>
           </p:nvPicPr>
           <p:blipFill rotWithShape="1">
-            <a:blip r:embed="rId2" cstate="screen"/>
+            <a:blip r:embed="rId1" cstate="screen"/>
             <a:srcRect l="17453" t="21733" r="21541" b="25317"/>
             <a:stretch>
               <a:fillRect/>
@@ -19597,6 +20004,13 @@
                 </a:rPr>
                 <a:t>执行栈和任务队列</a:t>
               </a:r>
+              <a:endParaRPr lang="zh-CN" altLang="en-US" sz="1400" dirty="0">
+                <a:solidFill>
+                  <a:schemeClr val="bg1"/>
+                </a:solidFill>
+                <a:latin typeface="方正粗倩简体" panose="03000509000000000000" pitchFamily="65" charset="-122"/>
+                <a:ea typeface="方正粗倩简体" panose="03000509000000000000" pitchFamily="65" charset="-122"/>
+              </a:endParaRPr>
             </a:p>
           </p:txBody>
         </p:sp>
@@ -19849,13 +20263,13 @@
   <p:clrMapOvr>
     <a:masterClrMapping/>
   </p:clrMapOvr>
-  <mc:AlternateContent xmlns:mc="http://schemas.openxmlformats.org/markup-compatibility/2006" xmlns:p14="http://schemas.microsoft.com/office/powerpoint/2010/main">
-    <mc:Choice Requires="p14">
+  <mc:AlternateContent xmlns:mc="http://schemas.openxmlformats.org/markup-compatibility/2006">
+    <mc:Choice xmlns:p14="http://schemas.microsoft.com/office/powerpoint/2010/main" Requires="p14">
       <p:transition spd="slow" p14:dur="900">
         <p:wipe/>
       </p:transition>
     </mc:Choice>
-    <mc:Fallback xmlns="">
+    <mc:Fallback>
       <p:transition spd="slow">
         <p:wipe/>
       </p:transition>
@@ -20064,7 +20478,7 @@
             <p:nvPr/>
           </p:nvPicPr>
           <p:blipFill rotWithShape="1">
-            <a:blip r:embed="rId2" cstate="screen"/>
+            <a:blip r:embed="rId1" cstate="screen"/>
             <a:srcRect l="17453" t="21733" r="21541" b="25317"/>
             <a:stretch>
               <a:fillRect/>
@@ -20411,6 +20825,13 @@
                 </a:rPr>
                 <a:t>执行栈和任务队列</a:t>
               </a:r>
+              <a:endParaRPr lang="zh-CN" altLang="en-US" sz="1400" dirty="0">
+                <a:solidFill>
+                  <a:schemeClr val="bg1"/>
+                </a:solidFill>
+                <a:latin typeface="方正粗倩简体" panose="03000509000000000000" pitchFamily="65" charset="-122"/>
+                <a:ea typeface="方正粗倩简体" panose="03000509000000000000" pitchFamily="65" charset="-122"/>
+              </a:endParaRPr>
             </a:p>
           </p:txBody>
         </p:sp>
@@ -20517,6 +20938,9 @@
                         </a:rPr>
                         <a:t>存储引用数据类型</a:t>
                       </a:r>
+                      <a:endParaRPr lang="zh-CN" altLang="en-US" dirty="0">
+                        <a:effectLst/>
+                      </a:endParaRPr>
                     </a:p>
                   </a:txBody>
                   <a:tcPr anchor="ctr"/>
@@ -20648,6 +21072,9 @@
                         </a:rPr>
                         <a:t>由程序员通过代码进行分配</a:t>
                       </a:r>
+                      <a:endParaRPr lang="zh-CN" altLang="en-US" dirty="0">
+                        <a:effectLst/>
+                      </a:endParaRPr>
                     </a:p>
                   </a:txBody>
                   <a:tcPr anchor="ctr"/>
@@ -20800,13 +21227,13 @@
   <p:clrMapOvr>
     <a:masterClrMapping/>
   </p:clrMapOvr>
-  <mc:AlternateContent xmlns:mc="http://schemas.openxmlformats.org/markup-compatibility/2006" xmlns:p14="http://schemas.microsoft.com/office/powerpoint/2010/main">
-    <mc:Choice Requires="p14">
+  <mc:AlternateContent xmlns:mc="http://schemas.openxmlformats.org/markup-compatibility/2006">
+    <mc:Choice xmlns:p14="http://schemas.microsoft.com/office/powerpoint/2010/main" Requires="p14">
       <p:transition spd="slow" p14:dur="900">
         <p:wipe/>
       </p:transition>
     </mc:Choice>
-    <mc:Fallback xmlns="">
+    <mc:Fallback>
       <p:transition spd="slow">
         <p:wipe/>
       </p:transition>
@@ -20873,6 +21300,10 @@
               </a:rPr>
               <a:t>1</a:t>
             </a:r>
+            <a:endParaRPr lang="en-US" altLang="zh-CN" sz="27000" dirty="0">
+              <a:latin typeface="微软雅黑" panose="020B0503020204020204" pitchFamily="34" charset="-122"/>
+              <a:ea typeface="微软雅黑" panose="020B0503020204020204" pitchFamily="34" charset="-122"/>
+            </a:endParaRPr>
           </a:p>
         </p:txBody>
       </p:sp>
@@ -20969,6 +21400,10 @@
               </a:rPr>
               <a:t>是单线程的？</a:t>
             </a:r>
+            <a:endParaRPr lang="zh-CN" altLang="en-US" sz="2800" dirty="0">
+              <a:latin typeface="微软雅黑" panose="020B0503020204020204" pitchFamily="34" charset="-122"/>
+              <a:ea typeface="微软雅黑" panose="020B0503020204020204" pitchFamily="34" charset="-122"/>
+            </a:endParaRPr>
           </a:p>
         </p:txBody>
       </p:sp>
@@ -20981,7 +21416,7 @@
           <p:nvPr/>
         </p:nvPicPr>
         <p:blipFill>
-          <a:blip r:embed="rId3" cstate="print">
+          <a:blip r:embed="rId1" cstate="print">
             <a:extLst>
               <a:ext uri="{28A0092B-C50C-407E-A947-70E740481C1C}">
                 <a14:useLocalDpi xmlns:a14="http://schemas.microsoft.com/office/drawing/2010/main" val="0"/>
@@ -21011,7 +21446,7 @@
           <p:nvPr/>
         </p:nvPicPr>
         <p:blipFill>
-          <a:blip r:embed="rId4" cstate="print">
+          <a:blip r:embed="rId2" cstate="print">
             <a:extLst>
               <a:ext uri="{28A0092B-C50C-407E-A947-70E740481C1C}">
                 <a14:useLocalDpi xmlns:a14="http://schemas.microsoft.com/office/drawing/2010/main" val="0"/>
@@ -21041,7 +21476,7 @@
           <p:nvPr/>
         </p:nvPicPr>
         <p:blipFill>
-          <a:blip r:embed="rId5" cstate="print">
+          <a:blip r:embed="rId3" cstate="print">
             <a:extLst>
               <a:ext uri="{28A0092B-C50C-407E-A947-70E740481C1C}">
                 <a14:useLocalDpi xmlns:a14="http://schemas.microsoft.com/office/drawing/2010/main" val="0"/>
@@ -21071,7 +21506,7 @@
           <p:nvPr/>
         </p:nvPicPr>
         <p:blipFill>
-          <a:blip r:embed="rId6"/>
+          <a:blip r:embed="rId4"/>
           <a:stretch>
             <a:fillRect/>
           </a:stretch>
@@ -21091,13 +21526,13 @@
   <p:clrMapOvr>
     <a:masterClrMapping/>
   </p:clrMapOvr>
-  <mc:AlternateContent xmlns:mc="http://schemas.openxmlformats.org/markup-compatibility/2006" xmlns:p14="http://schemas.microsoft.com/office/powerpoint/2010/main">
-    <mc:Choice Requires="p14">
+  <mc:AlternateContent xmlns:mc="http://schemas.openxmlformats.org/markup-compatibility/2006">
+    <mc:Choice xmlns:p14="http://schemas.microsoft.com/office/powerpoint/2010/main" Requires="p14">
       <p:transition spd="slow" p14:dur="900">
         <p:wipe/>
       </p:transition>
     </mc:Choice>
-    <mc:Fallback xmlns="">
+    <mc:Fallback>
       <p:transition spd="slow">
         <p:wipe/>
       </p:transition>
@@ -21763,7 +22198,7 @@
             <p:nvPr/>
           </p:nvPicPr>
           <p:blipFill rotWithShape="1">
-            <a:blip r:embed="rId3" cstate="screen"/>
+            <a:blip r:embed="rId1" cstate="screen"/>
             <a:srcRect l="17453" t="21733" r="21541" b="25317"/>
             <a:stretch>
               <a:fillRect/>
@@ -21930,6 +22365,12 @@
               </a:rPr>
               <a:t>单线程执行的，指的是一个进程里只有一个主线程，那到底什么是线程？什么是进程？</a:t>
             </a:r>
+            <a:endParaRPr lang="zh-CN" altLang="en-US" dirty="0">
+              <a:solidFill>
+                <a:srgbClr val="333333"/>
+              </a:solidFill>
+              <a:latin typeface="-apple-system"/>
+            </a:endParaRPr>
           </a:p>
           <a:p>
             <a:pPr>
@@ -22036,10 +22477,10 @@
         </p:nvGrpSpPr>
         <p:grpSpPr>
           <a:xfrm>
-            <a:off x="1473330" y="109077"/>
-            <a:ext cx="1727070" cy="720231"/>
-            <a:chOff x="1129033" y="49188"/>
-            <a:chExt cx="1656184" cy="800256"/>
+            <a:off x="1473331" y="109077"/>
+            <a:ext cx="1951225" cy="590999"/>
+            <a:chOff x="1129034" y="49188"/>
+            <a:chExt cx="1871139" cy="656665"/>
           </a:xfrm>
         </p:grpSpPr>
         <p:sp>
@@ -22259,7 +22700,7 @@
           </p:nvSpPr>
           <p:spPr>
             <a:xfrm>
-              <a:off x="1129033" y="192855"/>
+              <a:off x="1343989" y="49216"/>
               <a:ext cx="1656184" cy="656589"/>
             </a:xfrm>
             <a:prstGeom prst="rect">
@@ -22323,7 +22764,7 @@
           <p:nvPr/>
         </p:nvPicPr>
         <p:blipFill>
-          <a:blip r:embed="rId4">
+          <a:blip r:embed="rId2">
             <a:extLst>
               <a:ext uri="{28A0092B-C50C-407E-A947-70E740481C1C}">
                 <a14:useLocalDpi xmlns:a14="http://schemas.microsoft.com/office/drawing/2010/main" val="0"/>
@@ -22539,26 +22980,26 @@
               </a:rPr>
               <a:t>多个工厂之间独立存在。</a:t>
             </a:r>
+            <a:endParaRPr lang="zh-CN" altLang="en-US" dirty="0">
+              <a:solidFill>
+                <a:schemeClr val="tx1"/>
+              </a:solidFill>
+            </a:endParaRPr>
           </a:p>
         </p:txBody>
       </p:sp>
     </p:spTree>
-    <p:extLst>
-      <p:ext uri="{BB962C8B-B14F-4D97-AF65-F5344CB8AC3E}">
-        <p14:creationId xmlns:p14="http://schemas.microsoft.com/office/powerpoint/2010/main" val="3881517554"/>
-      </p:ext>
-    </p:extLst>
   </p:cSld>
   <p:clrMapOvr>
     <a:masterClrMapping/>
   </p:clrMapOvr>
-  <mc:AlternateContent xmlns:mc="http://schemas.openxmlformats.org/markup-compatibility/2006" xmlns:p14="http://schemas.microsoft.com/office/powerpoint/2010/main">
-    <mc:Choice Requires="p14">
+  <mc:AlternateContent xmlns:mc="http://schemas.openxmlformats.org/markup-compatibility/2006">
+    <mc:Choice xmlns:p14="http://schemas.microsoft.com/office/powerpoint/2010/main" Requires="p14">
       <p:transition spd="slow" p14:dur="899">
         <p:wipe/>
       </p:transition>
     </mc:Choice>
-    <mc:Fallback xmlns="">
+    <mc:Fallback>
       <p:transition spd="slow">
         <p:wipe/>
       </p:transition>
@@ -22767,7 +23208,7 @@
             <p:nvPr/>
           </p:nvPicPr>
           <p:blipFill rotWithShape="1">
-            <a:blip r:embed="rId3" cstate="screen"/>
+            <a:blip r:embed="rId1" cstate="screen"/>
             <a:srcRect l="17453" t="21733" r="21541" b="25317"/>
             <a:stretch>
               <a:fillRect/>
@@ -22867,10 +23308,10 @@
         </p:nvGrpSpPr>
         <p:grpSpPr>
           <a:xfrm>
-            <a:off x="1473330" y="109077"/>
-            <a:ext cx="1727070" cy="720231"/>
-            <a:chOff x="1129033" y="49188"/>
-            <a:chExt cx="1656184" cy="800256"/>
+            <a:off x="1473331" y="109077"/>
+            <a:ext cx="1880105" cy="591070"/>
+            <a:chOff x="1129034" y="49188"/>
+            <a:chExt cx="1802938" cy="656743"/>
           </a:xfrm>
         </p:grpSpPr>
         <p:sp>
@@ -23090,7 +23531,7 @@
           </p:nvSpPr>
           <p:spPr>
             <a:xfrm>
-              <a:off x="1129033" y="192855"/>
+              <a:off x="1275788" y="49342"/>
               <a:ext cx="1656184" cy="656589"/>
             </a:xfrm>
             <a:prstGeom prst="rect">
@@ -23380,13 +23821,13 @@
   <p:clrMapOvr>
     <a:masterClrMapping/>
   </p:clrMapOvr>
-  <mc:AlternateContent xmlns:mc="http://schemas.openxmlformats.org/markup-compatibility/2006" xmlns:p14="http://schemas.microsoft.com/office/powerpoint/2010/main">
-    <mc:Choice Requires="p14">
+  <mc:AlternateContent xmlns:mc="http://schemas.openxmlformats.org/markup-compatibility/2006">
+    <mc:Choice xmlns:p14="http://schemas.microsoft.com/office/powerpoint/2010/main" Requires="p14">
       <p:transition spd="slow" p14:dur="900">
         <p:wipe/>
       </p:transition>
     </mc:Choice>
-    <mc:Fallback xmlns="">
+    <mc:Fallback>
       <p:transition spd="slow">
         <p:wipe/>
       </p:transition>
@@ -23453,6 +23894,10 @@
               </a:rPr>
               <a:t>2</a:t>
             </a:r>
+            <a:endParaRPr lang="en-US" altLang="zh-CN" sz="27000" dirty="0">
+              <a:latin typeface="微软雅黑" panose="020B0503020204020204" pitchFamily="34" charset="-122"/>
+              <a:ea typeface="微软雅黑" panose="020B0503020204020204" pitchFamily="34" charset="-122"/>
+            </a:endParaRPr>
           </a:p>
         </p:txBody>
       </p:sp>
@@ -23556,6 +24001,10 @@
               </a:rPr>
               <a:t>）</a:t>
             </a:r>
+            <a:endParaRPr lang="zh-CN" altLang="en-US" sz="2800" dirty="0">
+              <a:latin typeface="微软雅黑" panose="020B0503020204020204" pitchFamily="34" charset="-122"/>
+              <a:ea typeface="微软雅黑" panose="020B0503020204020204" pitchFamily="34" charset="-122"/>
+            </a:endParaRPr>
           </a:p>
         </p:txBody>
       </p:sp>
@@ -23568,7 +24017,7 @@
           <p:nvPr/>
         </p:nvPicPr>
         <p:blipFill>
-          <a:blip r:embed="rId2" cstate="print">
+          <a:blip r:embed="rId1" cstate="print">
             <a:extLst>
               <a:ext uri="{28A0092B-C50C-407E-A947-70E740481C1C}">
                 <a14:useLocalDpi xmlns:a14="http://schemas.microsoft.com/office/drawing/2010/main" val="0"/>
@@ -23598,7 +24047,7 @@
           <p:nvPr/>
         </p:nvPicPr>
         <p:blipFill>
-          <a:blip r:embed="rId3" cstate="print">
+          <a:blip r:embed="rId2" cstate="print">
             <a:extLst>
               <a:ext uri="{28A0092B-C50C-407E-A947-70E740481C1C}">
                 <a14:useLocalDpi xmlns:a14="http://schemas.microsoft.com/office/drawing/2010/main" val="0"/>
@@ -23628,7 +24077,7 @@
           <p:nvPr/>
         </p:nvPicPr>
         <p:blipFill>
-          <a:blip r:embed="rId4" cstate="print">
+          <a:blip r:embed="rId3" cstate="print">
             <a:extLst>
               <a:ext uri="{28A0092B-C50C-407E-A947-70E740481C1C}">
                 <a14:useLocalDpi xmlns:a14="http://schemas.microsoft.com/office/drawing/2010/main" val="0"/>
@@ -23658,7 +24107,7 @@
           <p:nvPr/>
         </p:nvPicPr>
         <p:blipFill>
-          <a:blip r:embed="rId5"/>
+          <a:blip r:embed="rId4"/>
           <a:stretch>
             <a:fillRect/>
           </a:stretch>
@@ -23678,13 +24127,13 @@
   <p:clrMapOvr>
     <a:masterClrMapping/>
   </p:clrMapOvr>
-  <mc:AlternateContent xmlns:mc="http://schemas.openxmlformats.org/markup-compatibility/2006" xmlns:p14="http://schemas.microsoft.com/office/powerpoint/2010/main">
-    <mc:Choice Requires="p14">
+  <mc:AlternateContent xmlns:mc="http://schemas.openxmlformats.org/markup-compatibility/2006">
+    <mc:Choice xmlns:p14="http://schemas.microsoft.com/office/powerpoint/2010/main" Requires="p14">
       <p:transition spd="slow" p14:dur="900">
         <p:wipe/>
       </p:transition>
     </mc:Choice>
-    <mc:Fallback xmlns="">
+    <mc:Fallback>
       <p:transition spd="slow">
         <p:wipe/>
       </p:transition>
@@ -24350,7 +24799,7 @@
             <p:nvPr/>
           </p:nvPicPr>
           <p:blipFill rotWithShape="1">
-            <a:blip r:embed="rId2" cstate="screen"/>
+            <a:blip r:embed="rId1" cstate="screen"/>
             <a:srcRect l="17453" t="21733" r="21541" b="25317"/>
             <a:stretch>
               <a:fillRect/>
@@ -24819,7 +25268,7 @@
         <p:spPr>
           <a:xfrm>
             <a:off x="574172" y="2987775"/>
-            <a:ext cx="8239087" cy="1415772"/>
+            <a:ext cx="8239087" cy="1414780"/>
           </a:xfrm>
           <a:prstGeom prst="rect">
             <a:avLst/>
@@ -24838,15 +25287,7 @@
             </a:pPr>
             <a:r>
               <a:rPr lang="en-US" altLang="zh-CN" sz="1400" dirty="0" smtClean="0"/>
-              <a:t>alert(</a:t>
-            </a:r>
-            <a:r>
-              <a:rPr lang="zh-CN" altLang="en-US" sz="1400" dirty="0" smtClean="0"/>
-              <a:t>‘</a:t>
-            </a:r>
-            <a:r>
-              <a:rPr lang="en-US" altLang="zh-CN" sz="1400" dirty="0" smtClean="0"/>
-              <a:t>Yancey</a:t>
+              <a:t>alert('Yancey</a:t>
             </a:r>
             <a:r>
               <a:rPr lang="en-US" altLang="zh-CN" sz="1400" dirty="0"/>
@@ -24862,15 +25303,7 @@
             </a:pPr>
             <a:r>
               <a:rPr lang="en-US" altLang="zh-CN" sz="1400" dirty="0" smtClean="0"/>
-              <a:t>console.log(</a:t>
-            </a:r>
-            <a:r>
-              <a:rPr lang="zh-CN" altLang="en-US" sz="1400" dirty="0" smtClean="0"/>
-              <a:t>‘</a:t>
-            </a:r>
-            <a:r>
-              <a:rPr lang="en-US" altLang="zh-CN" sz="1400" dirty="0" smtClean="0"/>
-              <a:t>is</a:t>
+              <a:t>console.log('is</a:t>
             </a:r>
             <a:r>
               <a:rPr lang="en-US" altLang="zh-CN" sz="1400" dirty="0"/>
@@ -24886,15 +25319,7 @@
             </a:pPr>
             <a:r>
               <a:rPr lang="en-US" altLang="zh-CN" sz="1400" dirty="0" smtClean="0"/>
-              <a:t>console.log(</a:t>
-            </a:r>
-            <a:r>
-              <a:rPr lang="zh-CN" altLang="en-US" sz="1400" dirty="0" smtClean="0"/>
-              <a:t>‘</a:t>
-            </a:r>
-            <a:r>
-              <a:rPr lang="en-US" altLang="zh-CN" sz="1400" dirty="0" smtClean="0"/>
-              <a:t>the</a:t>
+              <a:t>console.log('the</a:t>
             </a:r>
             <a:r>
               <a:rPr lang="en-US" altLang="zh-CN" sz="1400" dirty="0"/>
@@ -24910,15 +25335,7 @@
             </a:pPr>
             <a:r>
               <a:rPr lang="en-US" altLang="zh-CN" sz="1400" dirty="0" smtClean="0"/>
-              <a:t>console.log(</a:t>
-            </a:r>
-            <a:r>
-              <a:rPr lang="zh-CN" altLang="en-US" sz="1400" dirty="0" smtClean="0"/>
-              <a:t>‘</a:t>
-            </a:r>
-            <a:r>
-              <a:rPr lang="en-US" altLang="zh-CN" sz="1400" dirty="0" smtClean="0"/>
-              <a:t>best</a:t>
+              <a:t>console.log('best</a:t>
             </a:r>
             <a:r>
               <a:rPr lang="en-US" altLang="zh-CN" sz="1400" dirty="0"/>
@@ -24936,13 +25353,13 @@
   <p:clrMapOvr>
     <a:masterClrMapping/>
   </p:clrMapOvr>
-  <mc:AlternateContent xmlns:mc="http://schemas.openxmlformats.org/markup-compatibility/2006" xmlns:p14="http://schemas.microsoft.com/office/powerpoint/2010/main">
-    <mc:Choice Requires="p14">
+  <mc:AlternateContent xmlns:mc="http://schemas.openxmlformats.org/markup-compatibility/2006">
+    <mc:Choice xmlns:p14="http://schemas.microsoft.com/office/powerpoint/2010/main" Requires="p14">
       <p:transition spd="slow" p14:dur="900">
         <p:wipe/>
       </p:transition>
     </mc:Choice>
-    <mc:Fallback xmlns="">
+    <mc:Fallback>
       <p:transition spd="slow">
         <p:wipe/>
       </p:transition>
@@ -25151,7 +25568,7 @@
             <p:nvPr/>
           </p:nvPicPr>
           <p:blipFill rotWithShape="1">
-            <a:blip r:embed="rId2" cstate="screen"/>
+            <a:blip r:embed="rId1" cstate="screen"/>
             <a:srcRect l="17453" t="21733" r="21541" b="25317"/>
             <a:stretch>
               <a:fillRect/>
@@ -25563,10 +25980,6 @@
               <a:rPr lang="zh-CN" altLang="en-US" sz="1400" dirty="0" smtClean="0"/>
               <a:t>。</a:t>
             </a:r>
-            <a:r>
-              <a:rPr lang="zh-CN" altLang="en-US" sz="1400" dirty="0"/>
-              <a:t/>
-            </a:r>
             <a:br>
               <a:rPr lang="zh-CN" altLang="en-US" sz="1400" dirty="0"/>
             </a:br>
@@ -25591,7 +26004,7 @@
         <p:spPr>
           <a:xfrm>
             <a:off x="574173" y="2865471"/>
-            <a:ext cx="8239087" cy="2154436"/>
+            <a:ext cx="8239087" cy="2153285"/>
           </a:xfrm>
           <a:prstGeom prst="rect">
             <a:avLst/>
@@ -25626,7 +26039,7 @@
             </a:r>
             <a:r>
               <a:rPr lang="en-US" altLang="zh-CN" sz="1400" dirty="0" smtClean="0"/>
-              <a:t>    console.log(‘</a:t>
+              <a:t>    console.log('</a:t>
             </a:r>
             <a:r>
               <a:rPr lang="en-US" altLang="zh-CN" sz="1400" dirty="0" err="1" smtClean="0"/>
@@ -25692,6 +26105,7 @@
               <a:rPr lang="en-US" altLang="zh-CN" sz="1400" dirty="0" smtClean="0"/>
               <a:t>{ </a:t>
             </a:r>
+            <a:endParaRPr lang="en-US" altLang="zh-CN" sz="1400" dirty="0" smtClean="0"/>
           </a:p>
           <a:p>
             <a:pPr>
@@ -25731,13 +26145,13 @@
   <p:clrMapOvr>
     <a:masterClrMapping/>
   </p:clrMapOvr>
-  <mc:AlternateContent xmlns:mc="http://schemas.openxmlformats.org/markup-compatibility/2006" xmlns:p14="http://schemas.microsoft.com/office/powerpoint/2010/main">
-    <mc:Choice Requires="p14">
+  <mc:AlternateContent xmlns:mc="http://schemas.openxmlformats.org/markup-compatibility/2006">
+    <mc:Choice xmlns:p14="http://schemas.microsoft.com/office/powerpoint/2010/main" Requires="p14">
       <p:transition spd="slow" p14:dur="900">
         <p:wipe/>
       </p:transition>
     </mc:Choice>
-    <mc:Fallback xmlns="">
+    <mc:Fallback>
       <p:transition spd="slow">
         <p:wipe/>
       </p:transition>
@@ -25946,7 +26360,7 @@
             <p:nvPr/>
           </p:nvPicPr>
           <p:blipFill rotWithShape="1">
-            <a:blip r:embed="rId2" cstate="screen"/>
+            <a:blip r:embed="rId1" cstate="screen"/>
             <a:srcRect l="17453" t="21733" r="21541" b="25317"/>
             <a:stretch>
               <a:fillRect/>
@@ -26343,6 +26757,10 @@
               </a:rPr>
               <a:t>任务队列</a:t>
             </a:r>
+            <a:endParaRPr lang="zh-CN" altLang="en-US" sz="1400" b="1" dirty="0" smtClean="0">
+              <a:latin typeface="微软雅黑" panose="020B0503020204020204" pitchFamily="34" charset="-122"/>
+              <a:ea typeface="微软雅黑" panose="020B0503020204020204" pitchFamily="34" charset="-122"/>
+            </a:endParaRPr>
           </a:p>
           <a:p>
             <a:r>
@@ -26361,6 +26779,7 @@
               <a:rPr lang="zh-CN" sz="1400" dirty="0"/>
               <a:t>的队列，其中的任务严格按照时间先后顺序执行，排在队头的任务将会率先执行，而排在队尾的任务会最后执行。事件队列每次仅执行一个任务，在该任务执行完毕之后，再执行下一个任务。执行栈则是一个类似于函数调用栈的运行容器，当执行栈为空时，JS 引擎便检查事件队列，如果事件队列不为空的话，事件队列便将第一个任务压入执行栈中运行。</a:t>
             </a:r>
+            <a:endParaRPr lang="zh-CN" sz="1400" dirty="0"/>
           </a:p>
           <a:p>
             <a:endParaRPr lang="zh-CN" sz="1400" dirty="0"/>
@@ -26403,12 +26822,17 @@
               </a:rPr>
               <a:t>执行栈</a:t>
             </a:r>
+            <a:endParaRPr lang="zh-CN" altLang="en-US" sz="1400" b="1" dirty="0" smtClean="0">
+              <a:latin typeface="微软雅黑" panose="020B0503020204020204" pitchFamily="34" charset="-122"/>
+              <a:ea typeface="微软雅黑" panose="020B0503020204020204" pitchFamily="34" charset="-122"/>
+            </a:endParaRPr>
           </a:p>
           <a:p>
             <a:r>
               <a:rPr sz="1400" dirty="0"/>
               <a:t>当我们调用一个方法的时候，JavaScript 会生成一个与这个方法对应的执行环境，又叫执行上下文(context)。这个执行环境中保存着该方法的私有作用域、上层作用域(作用域链)、方法的参数，以及这个作用域中定义的变量和 this 的指向，而当一系列方法被依次调用的时候。由于 JavaScript 是单线程的，这些方法就会按顺序被排列在一个单独的地方，这个地方就是所谓执行栈。</a:t>
             </a:r>
+            <a:endParaRPr sz="1400" dirty="0"/>
           </a:p>
           <a:p>
             <a:endParaRPr sz="1400" dirty="0"/>
@@ -26423,13 +26847,13 @@
   <p:clrMapOvr>
     <a:masterClrMapping/>
   </p:clrMapOvr>
-  <mc:AlternateContent xmlns:mc="http://schemas.openxmlformats.org/markup-compatibility/2006" xmlns:p14="http://schemas.microsoft.com/office/powerpoint/2010/main">
-    <mc:Choice Requires="p14">
+  <mc:AlternateContent xmlns:mc="http://schemas.openxmlformats.org/markup-compatibility/2006">
+    <mc:Choice xmlns:p14="http://schemas.microsoft.com/office/powerpoint/2010/main" Requires="p14">
       <p:transition spd="slow" p14:dur="900">
         <p:wipe/>
       </p:transition>
     </mc:Choice>
-    <mc:Fallback xmlns="">
+    <mc:Fallback>
       <p:transition spd="slow">
         <p:wipe/>
       </p:transition>
@@ -26443,12 +26867,6 @@
     </p:tnLst>
   </p:timing>
 </p:sld>
-</file>
-
-<file path=ppt/tags/tag1.xml><?xml version="1.0" encoding="utf-8"?>
-<p:tagLst xmlns:a="http://schemas.openxmlformats.org/drawingml/2006/main" xmlns:r="http://schemas.openxmlformats.org/officeDocument/2006/relationships" xmlns:p="http://schemas.openxmlformats.org/presentationml/2006/main">
-  <p:tag name="KSO_WM_DOC_GUID" val="{9a706443-f6a6-4d38-89e6-2810288bf3b6}"/>
-</p:tagLst>
 </file>
 
 <file path=ppt/theme/theme1.xml><?xml version="1.0" encoding="utf-8"?>
@@ -26702,8 +27120,6 @@
       </a:bgFillStyleLst>
     </a:fmtScheme>
   </a:themeElements>
-  <a:objectDefaults/>
-  <a:extraClrSchemeLst/>
   <a:extLst>
     <a:ext uri="{05A4C25C-085E-4340-85A3-A5531E510DB2}">
       <thm15:themeFamily xmlns:thm15="http://schemas.microsoft.com/office/thememl/2012/main" name="Office Theme" id="{62F939B6-93AF-4DB8-9C6B-D6C7DFDC589F}" vid="{4A3C46E8-61CC-4603-A589-7422A47A8E4A}"/>
@@ -26963,8 +27379,6 @@
       </a:bgFillStyleLst>
     </a:fmtScheme>
   </a:themeElements>
-  <a:objectDefaults/>
-  <a:extraClrSchemeLst/>
   <a:extLst>
     <a:ext uri="{05A4C25C-085E-4340-85A3-A5531E510DB2}">
       <thm15:themeFamily xmlns:thm15="http://schemas.microsoft.com/office/thememl/2012/main" name="Office Theme" id="{62F939B6-93AF-4DB8-9C6B-D6C7DFDC589F}" vid="{4A3C46E8-61CC-4603-A589-7422A47A8E4A}"/>
